--- a/projet/Projet bdd.pptx
+++ b/projet/Projet bdd.pptx
@@ -303,7 +303,7 @@
           <a:p>
             <a:fld id="{C329BCE2-083D-4232-B1FF-EF95B9F5A237}" type="slidenum">
               <a:rPr lang="fr-FR" smtClean="0"/>
-              <a:t>‹N°›</a:t>
+              <a:t>‹#›</a:t>
             </a:fld>
             <a:endParaRPr lang="fr-FR"/>
           </a:p>
@@ -473,7 +473,7 @@
           <a:p>
             <a:fld id="{C329BCE2-083D-4232-B1FF-EF95B9F5A237}" type="slidenum">
               <a:rPr lang="fr-FR" smtClean="0"/>
-              <a:t>‹N°›</a:t>
+              <a:t>‹#›</a:t>
             </a:fld>
             <a:endParaRPr lang="fr-FR"/>
           </a:p>
@@ -653,7 +653,7 @@
           <a:p>
             <a:fld id="{C329BCE2-083D-4232-B1FF-EF95B9F5A237}" type="slidenum">
               <a:rPr lang="fr-FR" smtClean="0"/>
-              <a:t>‹N°›</a:t>
+              <a:t>‹#›</a:t>
             </a:fld>
             <a:endParaRPr lang="fr-FR"/>
           </a:p>
@@ -823,7 +823,7 @@
           <a:p>
             <a:fld id="{C329BCE2-083D-4232-B1FF-EF95B9F5A237}" type="slidenum">
               <a:rPr lang="fr-FR" smtClean="0"/>
-              <a:t>‹N°›</a:t>
+              <a:t>‹#›</a:t>
             </a:fld>
             <a:endParaRPr lang="fr-FR"/>
           </a:p>
@@ -1067,7 +1067,7 @@
           <a:p>
             <a:fld id="{C329BCE2-083D-4232-B1FF-EF95B9F5A237}" type="slidenum">
               <a:rPr lang="fr-FR" smtClean="0"/>
-              <a:t>‹N°›</a:t>
+              <a:t>‹#›</a:t>
             </a:fld>
             <a:endParaRPr lang="fr-FR"/>
           </a:p>
@@ -1299,7 +1299,7 @@
           <a:p>
             <a:fld id="{C329BCE2-083D-4232-B1FF-EF95B9F5A237}" type="slidenum">
               <a:rPr lang="fr-FR" smtClean="0"/>
-              <a:t>‹N°›</a:t>
+              <a:t>‹#›</a:t>
             </a:fld>
             <a:endParaRPr lang="fr-FR"/>
           </a:p>
@@ -1666,7 +1666,7 @@
           <a:p>
             <a:fld id="{C329BCE2-083D-4232-B1FF-EF95B9F5A237}" type="slidenum">
               <a:rPr lang="fr-FR" smtClean="0"/>
-              <a:t>‹N°›</a:t>
+              <a:t>‹#›</a:t>
             </a:fld>
             <a:endParaRPr lang="fr-FR"/>
           </a:p>
@@ -1784,7 +1784,7 @@
           <a:p>
             <a:fld id="{C329BCE2-083D-4232-B1FF-EF95B9F5A237}" type="slidenum">
               <a:rPr lang="fr-FR" smtClean="0"/>
-              <a:t>‹N°›</a:t>
+              <a:t>‹#›</a:t>
             </a:fld>
             <a:endParaRPr lang="fr-FR"/>
           </a:p>
@@ -1879,7 +1879,7 @@
           <a:p>
             <a:fld id="{C329BCE2-083D-4232-B1FF-EF95B9F5A237}" type="slidenum">
               <a:rPr lang="fr-FR" smtClean="0"/>
-              <a:t>‹N°›</a:t>
+              <a:t>‹#›</a:t>
             </a:fld>
             <a:endParaRPr lang="fr-FR"/>
           </a:p>
@@ -2156,7 +2156,7 @@
           <a:p>
             <a:fld id="{C329BCE2-083D-4232-B1FF-EF95B9F5A237}" type="slidenum">
               <a:rPr lang="fr-FR" smtClean="0"/>
-              <a:t>‹N°›</a:t>
+              <a:t>‹#›</a:t>
             </a:fld>
             <a:endParaRPr lang="fr-FR"/>
           </a:p>
@@ -2413,7 +2413,7 @@
           <a:p>
             <a:fld id="{C329BCE2-083D-4232-B1FF-EF95B9F5A237}" type="slidenum">
               <a:rPr lang="fr-FR" smtClean="0"/>
-              <a:t>‹N°›</a:t>
+              <a:t>‹#›</a:t>
             </a:fld>
             <a:endParaRPr lang="fr-FR"/>
           </a:p>
@@ -2662,7 +2662,7 @@
           <a:p>
             <a:fld id="{C329BCE2-083D-4232-B1FF-EF95B9F5A237}" type="slidenum">
               <a:rPr lang="fr-FR" smtClean="0"/>
-              <a:t>‹N°›</a:t>
+              <a:t>‹#›</a:t>
             </a:fld>
             <a:endParaRPr lang="fr-FR"/>
           </a:p>
@@ -3883,7 +3883,6 @@
               <a:rPr lang="fr-FR" dirty="0"/>
               <a:t>2</a:t>
             </a:r>
-            <a:endParaRPr lang="fr-FR" dirty="0"/>
           </a:p>
         </p:txBody>
       </p:sp>
@@ -4039,11 +4038,6 @@
               </a:rPr>
               <a:t>Solution : MLD</a:t>
             </a:r>
-            <a:endParaRPr lang="fr-FR" sz="3600" dirty="0">
-              <a:solidFill>
-                <a:schemeClr val="bg1"/>
-              </a:solidFill>
-            </a:endParaRPr>
           </a:p>
         </p:txBody>
       </p:sp>
@@ -4073,7 +4067,6 @@
               <a:rPr lang="fr-FR" dirty="0"/>
               <a:t>3</a:t>
             </a:r>
-            <a:endParaRPr lang="fr-FR" dirty="0"/>
           </a:p>
         </p:txBody>
       </p:sp>
@@ -4419,11 +4412,6 @@
               </a:rPr>
               <a:t>Requêtes</a:t>
             </a:r>
-            <a:endParaRPr lang="fr-FR" sz="3600" dirty="0">
-              <a:solidFill>
-                <a:schemeClr val="bg1"/>
-              </a:solidFill>
-            </a:endParaRPr>
           </a:p>
         </p:txBody>
       </p:sp>
@@ -4453,7 +4441,6 @@
               <a:rPr lang="fr-FR" dirty="0"/>
               <a:t>4</a:t>
             </a:r>
-            <a:endParaRPr lang="fr-FR" dirty="0"/>
           </a:p>
         </p:txBody>
       </p:sp>
@@ -4606,8 +4593,78 @@
           <a:lstStyle/>
           <a:p>
             <a:r>
+              <a:rPr lang="fr-FR" dirty="0"/>
+              <a:t>SELECT </a:t>
+            </a:r>
+            <a:r>
+              <a:rPr lang="fr-FR" dirty="0" err="1"/>
+              <a:t>id_user</a:t>
+            </a:r>
+            <a:r>
+              <a:rPr lang="fr-FR" dirty="0"/>
+              <a:t> AS user, </a:t>
+            </a:r>
+            <a:r>
+              <a:rPr lang="fr-FR" dirty="0" err="1"/>
+              <a:t>domain</a:t>
+            </a:r>
+            <a:r>
+              <a:rPr lang="fr-FR" dirty="0"/>
+              <a:t> AS site, </a:t>
+            </a:r>
+            <a:r>
+              <a:rPr lang="fr-FR" dirty="0" err="1"/>
+              <a:t>last_conn</a:t>
+            </a:r>
+            <a:r>
+              <a:rPr lang="fr-FR" dirty="0"/>
+              <a:t> AS </a:t>
+            </a:r>
+            <a:r>
+              <a:rPr lang="fr-FR" dirty="0" err="1"/>
+              <a:t>last_connexion</a:t>
+            </a:r>
+            <a:r>
+              <a:rPr lang="fr-FR" dirty="0"/>
+              <a:t> </a:t>
+            </a:r>
+            <a:r>
               <a:rPr lang="fr-FR" dirty="0" smtClean="0"/>
-              <a:t>SELECT MAX(</a:t>
+              <a:t>FROM</a:t>
+            </a:r>
+          </a:p>
+          <a:p>
+            <a:r>
+              <a:rPr lang="fr-FR" dirty="0" smtClean="0"/>
+              <a:t>  (</a:t>
+            </a:r>
+            <a:r>
+              <a:rPr lang="fr-FR" dirty="0"/>
+              <a:t>SELECT </a:t>
+            </a:r>
+            <a:r>
+              <a:rPr lang="fr-FR" dirty="0" err="1"/>
+              <a:t>Account.id_user</a:t>
+            </a:r>
+            <a:r>
+              <a:rPr lang="fr-FR" dirty="0"/>
+              <a:t>, </a:t>
+            </a:r>
+            <a:r>
+              <a:rPr lang="fr-FR" dirty="0" err="1"/>
+              <a:t>Account.id_account</a:t>
+            </a:r>
+            <a:r>
+              <a:rPr lang="fr-FR" dirty="0"/>
+              <a:t>, </a:t>
+            </a:r>
+            <a:r>
+              <a:rPr lang="fr-FR" dirty="0" err="1"/>
+              <a:t>domain</a:t>
+            </a:r>
+            <a:r>
+              <a:rPr lang="fr-FR" dirty="0"/>
+              <a:t>, </a:t>
             </a:r>
             <a:r>
               <a:rPr lang="fr-FR" dirty="0" err="1" smtClean="0"/>
@@ -4615,43 +4672,12 @@
             </a:r>
             <a:r>
               <a:rPr lang="fr-FR" dirty="0" smtClean="0"/>
-              <a:t>)</a:t>
-            </a:r>
-          </a:p>
-          <a:p>
-            <a:r>
-              <a:rPr lang="fr-FR" dirty="0" smtClean="0"/>
-              <a:t>FROM(</a:t>
-            </a:r>
-          </a:p>
-          <a:p>
-            <a:r>
-              <a:rPr lang="fr-FR" dirty="0" smtClean="0"/>
-              <a:t>  SELECT </a:t>
+              <a:t>, </a:t>
             </a:r>
             <a:r>
               <a:rPr lang="fr-FR" dirty="0" err="1" smtClean="0"/>
-              <a:t>Account.id_account</a:t>
-            </a:r>
-            <a:r>
-              <a:rPr lang="fr-FR" dirty="0" smtClean="0"/>
-              <a:t>, </a:t>
-            </a:r>
-            <a:r>
-              <a:rPr lang="fr-FR" dirty="0" err="1" smtClean="0"/>
-              <a:t>domain</a:t>
-            </a:r>
-            <a:r>
-              <a:rPr lang="fr-FR" dirty="0" smtClean="0"/>
-              <a:t>, </a:t>
-            </a:r>
-            <a:r>
-              <a:rPr lang="fr-FR" dirty="0" err="1" smtClean="0"/>
-              <a:t>last_conn</a:t>
-            </a:r>
-            <a:endParaRPr lang="fr-FR" dirty="0" smtClean="0"/>
-          </a:p>
-          <a:p>
+              <a:t>account.id_site</a:t>
+            </a:r>
             <a:r>
               <a:rPr lang="fr-FR" dirty="0" smtClean="0"/>
               <a:t>  FROM </a:t>
@@ -4660,118 +4686,141 @@
               <a:rPr lang="fr-FR" dirty="0" err="1" smtClean="0"/>
               <a:t>Account</a:t>
             </a:r>
+            <a:r>
+              <a:rPr lang="fr-FR" dirty="0" smtClean="0"/>
+              <a:t>    </a:t>
+            </a:r>
+          </a:p>
+          <a:p>
+            <a:r>
+              <a:rPr lang="fr-FR" dirty="0" smtClean="0"/>
+              <a:t>    INNER </a:t>
+            </a:r>
+            <a:r>
+              <a:rPr lang="fr-FR" dirty="0"/>
+              <a:t>JOIN sites </a:t>
+            </a:r>
             <a:endParaRPr lang="fr-FR" dirty="0" smtClean="0"/>
           </a:p>
           <a:p>
             <a:r>
+              <a:rPr lang="fr-FR" dirty="0"/>
+              <a:t> </a:t>
+            </a:r>
+            <a:r>
               <a:rPr lang="fr-FR" dirty="0" smtClean="0"/>
-              <a:t>    INNER JOIN sites</a:t>
-            </a:r>
+              <a:t>         ON </a:t>
+            </a:r>
+            <a:r>
+              <a:rPr lang="fr-FR" dirty="0" err="1"/>
+              <a:t>account.id_site</a:t>
+            </a:r>
+            <a:r>
+              <a:rPr lang="fr-FR" dirty="0"/>
+              <a:t> = </a:t>
+            </a:r>
+            <a:r>
+              <a:rPr lang="fr-FR" dirty="0" err="1"/>
+              <a:t>sites.id_site</a:t>
+            </a:r>
+            <a:r>
+              <a:rPr lang="fr-FR" dirty="0"/>
+              <a:t>   </a:t>
+            </a:r>
+            <a:endParaRPr lang="fr-FR" dirty="0" smtClean="0"/>
           </a:p>
           <a:p>
             <a:r>
               <a:rPr lang="fr-FR" dirty="0" smtClean="0"/>
-              <a:t>      ON </a:t>
+              <a:t>    INNER </a:t>
+            </a:r>
+            <a:r>
+              <a:rPr lang="fr-FR" dirty="0"/>
+              <a:t>JOIN </a:t>
+            </a:r>
+            <a:r>
+              <a:rPr lang="fr-FR" dirty="0" err="1"/>
+              <a:t>DataAccount</a:t>
+            </a:r>
+            <a:r>
+              <a:rPr lang="fr-FR" dirty="0"/>
+              <a:t>      </a:t>
+            </a:r>
+            <a:endParaRPr lang="fr-FR" dirty="0" smtClean="0"/>
+          </a:p>
+          <a:p>
+            <a:r>
+              <a:rPr lang="fr-FR" dirty="0" smtClean="0"/>
+              <a:t>          ON </a:t>
+            </a:r>
+            <a:r>
+              <a:rPr lang="fr-FR" dirty="0" err="1"/>
+              <a:t>account.id_account</a:t>
+            </a:r>
+            <a:r>
+              <a:rPr lang="fr-FR" dirty="0"/>
+              <a:t> = </a:t>
+            </a:r>
+            <a:r>
+              <a:rPr lang="fr-FR" dirty="0" err="1"/>
+              <a:t>DataAccount.id_account</a:t>
+            </a:r>
+            <a:r>
+              <a:rPr lang="fr-FR" dirty="0"/>
+              <a:t> </a:t>
+            </a:r>
+          </a:p>
+          <a:p>
+            <a:r>
+              <a:rPr lang="fr-FR" dirty="0" smtClean="0"/>
+              <a:t>    WHERE </a:t>
+            </a:r>
+            <a:r>
+              <a:rPr lang="fr-FR" dirty="0" err="1"/>
+              <a:t>account.id_user</a:t>
+            </a:r>
+            <a:r>
+              <a:rPr lang="fr-FR" dirty="0"/>
+              <a:t> = 2) AS </a:t>
             </a:r>
             <a:r>
               <a:rPr lang="fr-FR" dirty="0" err="1" smtClean="0"/>
-              <a:t>account.id_site</a:t>
-            </a:r>
+              <a:t>list_conn</a:t>
+            </a:r>
+            <a:endParaRPr lang="fr-FR" dirty="0" smtClean="0"/>
+          </a:p>
+          <a:p>
             <a:r>
               <a:rPr lang="fr-FR" dirty="0" smtClean="0"/>
-              <a:t> = </a:t>
-            </a:r>
-            <a:r>
-              <a:rPr lang="fr-FR" dirty="0" err="1" smtClean="0"/>
-              <a:t>sites.id_site</a:t>
+              <a:t>ORDER </a:t>
+            </a:r>
+            <a:r>
+              <a:rPr lang="fr-FR" dirty="0"/>
+              <a:t>BY </a:t>
+            </a:r>
+            <a:r>
+              <a:rPr lang="fr-FR" dirty="0" err="1"/>
+              <a:t>last_conn</a:t>
+            </a:r>
+            <a:r>
+              <a:rPr lang="fr-FR" dirty="0"/>
+              <a:t> DESC </a:t>
             </a:r>
             <a:endParaRPr lang="fr-FR" dirty="0" smtClean="0"/>
           </a:p>
           <a:p>
             <a:r>
               <a:rPr lang="fr-FR" dirty="0" smtClean="0"/>
-              <a:t>    INNER JOIN </a:t>
-            </a:r>
-            <a:r>
-              <a:rPr lang="fr-FR" dirty="0" err="1" smtClean="0"/>
-              <a:t>DataAccount</a:t>
-            </a:r>
-            <a:endParaRPr lang="fr-FR" dirty="0" smtClean="0"/>
-          </a:p>
-          <a:p>
-            <a:r>
-              <a:rPr lang="fr-FR" dirty="0" smtClean="0"/>
-              <a:t>      ON </a:t>
-            </a:r>
-            <a:r>
-              <a:rPr lang="fr-FR" dirty="0" err="1" smtClean="0"/>
-              <a:t>account.id_account</a:t>
-            </a:r>
-            <a:r>
-              <a:rPr lang="fr-FR" dirty="0" smtClean="0"/>
-              <a:t> = </a:t>
-            </a:r>
-            <a:r>
-              <a:rPr lang="fr-FR" dirty="0" err="1" smtClean="0"/>
-              <a:t>DataAccount.id_account</a:t>
-            </a:r>
-            <a:endParaRPr lang="fr-FR" dirty="0" smtClean="0"/>
-          </a:p>
-          <a:p>
-            <a:r>
-              <a:rPr lang="fr-FR" dirty="0" smtClean="0"/>
-              <a:t>  WHERE </a:t>
-            </a:r>
-            <a:r>
-              <a:rPr lang="fr-FR" dirty="0" err="1" smtClean="0"/>
-              <a:t>account.id_user</a:t>
-            </a:r>
-            <a:r>
-              <a:rPr lang="fr-FR" dirty="0" smtClean="0"/>
-              <a:t> = 2</a:t>
-            </a:r>
-          </a:p>
-          <a:p>
-            <a:r>
-              <a:rPr lang="fr-FR" dirty="0" smtClean="0"/>
-              <a:t>)AS </a:t>
-            </a:r>
-            <a:r>
-              <a:rPr lang="fr-FR" dirty="0" err="1" smtClean="0"/>
-              <a:t>account_user</a:t>
-            </a:r>
-            <a:r>
-              <a:rPr lang="fr-FR" dirty="0" smtClean="0"/>
-              <a:t>;</a:t>
+              <a:t>FETCH </a:t>
+            </a:r>
+            <a:r>
+              <a:rPr lang="fr-FR" dirty="0"/>
+              <a:t>FIRST 1 ROWS ONLY;</a:t>
             </a:r>
             <a:endParaRPr lang="fr-FR" dirty="0"/>
           </a:p>
         </p:txBody>
       </p:sp>
-      <p:pic>
-        <p:nvPicPr>
-          <p:cNvPr id="16" name="Image 15"/>
-          <p:cNvPicPr>
-            <a:picLocks noChangeAspect="1"/>
-          </p:cNvPicPr>
-          <p:nvPr/>
-        </p:nvPicPr>
-        <p:blipFill>
-          <a:blip r:embed="rId2"/>
-          <a:stretch>
-            <a:fillRect/>
-          </a:stretch>
-        </p:blipFill>
-        <p:spPr>
-          <a:xfrm>
-            <a:off x="6380797" y="3721288"/>
-            <a:ext cx="1918231" cy="595313"/>
-          </a:xfrm>
-          <a:prstGeom prst="rect">
-            <a:avLst/>
-          </a:prstGeom>
-        </p:spPr>
-      </p:pic>
       <p:sp>
         <p:nvSpPr>
           <p:cNvPr id="19" name="Titre 1"/>
@@ -4837,10 +4886,39 @@
               <a:rPr lang="fr-FR" dirty="0"/>
               <a:t>4</a:t>
             </a:r>
-            <a:endParaRPr lang="fr-FR" dirty="0"/>
-          </a:p>
-        </p:txBody>
-      </p:sp>
+          </a:p>
+        </p:txBody>
+      </p:sp>
+      <p:pic>
+        <p:nvPicPr>
+          <p:cNvPr id="2" name="Image 1"/>
+          <p:cNvPicPr>
+            <a:picLocks noChangeAspect="1"/>
+          </p:cNvPicPr>
+          <p:nvPr/>
+        </p:nvPicPr>
+        <p:blipFill>
+          <a:blip r:embed="rId2">
+            <a:extLst>
+              <a:ext uri="{28A0092B-C50C-407E-A947-70E740481C1C}">
+                <a14:useLocalDpi xmlns:a14="http://schemas.microsoft.com/office/drawing/2010/main" val="0"/>
+              </a:ext>
+            </a:extLst>
+          </a:blip>
+          <a:stretch>
+            <a:fillRect/>
+          </a:stretch>
+        </p:blipFill>
+        <p:spPr>
+          <a:xfrm>
+            <a:off x="4572000" y="5306714"/>
+            <a:ext cx="3435014" cy="555664"/>
+          </a:xfrm>
+          <a:prstGeom prst="rect">
+            <a:avLst/>
+          </a:prstGeom>
+        </p:spPr>
+      </p:pic>
     </p:spTree>
     <p:extLst>
       <p:ext uri="{BB962C8B-B14F-4D97-AF65-F5344CB8AC3E}">
@@ -5239,7 +5317,6 @@
               <a:rPr lang="fr-FR" dirty="0"/>
               <a:t>4</a:t>
             </a:r>
-            <a:endParaRPr lang="fr-FR" dirty="0"/>
           </a:p>
         </p:txBody>
       </p:sp>
@@ -8748,7 +8825,6 @@
               <a:rPr lang="fr-FR" dirty="0"/>
               <a:t>5</a:t>
             </a:r>
-            <a:endParaRPr lang="fr-FR" dirty="0"/>
           </a:p>
         </p:txBody>
       </p:sp>

--- a/projet/Projet bdd.pptx
+++ b/projet/Projet bdd.pptx
@@ -261,7 +261,7 @@
           <a:p>
             <a:fld id="{9B92C2B1-8594-4725-B775-F496860FF2CD}" type="datetimeFigureOut">
               <a:rPr lang="fr-FR" smtClean="0"/>
-              <a:t>11/12/2017</a:t>
+              <a:t>12/12/2017</a:t>
             </a:fld>
             <a:endParaRPr lang="fr-FR"/>
           </a:p>
@@ -303,7 +303,7 @@
           <a:p>
             <a:fld id="{C329BCE2-083D-4232-B1FF-EF95B9F5A237}" type="slidenum">
               <a:rPr lang="fr-FR" smtClean="0"/>
-              <a:t>‹#›</a:t>
+              <a:t>‹N°›</a:t>
             </a:fld>
             <a:endParaRPr lang="fr-FR"/>
           </a:p>
@@ -431,7 +431,7 @@
           <a:p>
             <a:fld id="{9B92C2B1-8594-4725-B775-F496860FF2CD}" type="datetimeFigureOut">
               <a:rPr lang="fr-FR" smtClean="0"/>
-              <a:t>11/12/2017</a:t>
+              <a:t>12/12/2017</a:t>
             </a:fld>
             <a:endParaRPr lang="fr-FR"/>
           </a:p>
@@ -473,7 +473,7 @@
           <a:p>
             <a:fld id="{C329BCE2-083D-4232-B1FF-EF95B9F5A237}" type="slidenum">
               <a:rPr lang="fr-FR" smtClean="0"/>
-              <a:t>‹#›</a:t>
+              <a:t>‹N°›</a:t>
             </a:fld>
             <a:endParaRPr lang="fr-FR"/>
           </a:p>
@@ -611,7 +611,7 @@
           <a:p>
             <a:fld id="{9B92C2B1-8594-4725-B775-F496860FF2CD}" type="datetimeFigureOut">
               <a:rPr lang="fr-FR" smtClean="0"/>
-              <a:t>11/12/2017</a:t>
+              <a:t>12/12/2017</a:t>
             </a:fld>
             <a:endParaRPr lang="fr-FR"/>
           </a:p>
@@ -653,7 +653,7 @@
           <a:p>
             <a:fld id="{C329BCE2-083D-4232-B1FF-EF95B9F5A237}" type="slidenum">
               <a:rPr lang="fr-FR" smtClean="0"/>
-              <a:t>‹#›</a:t>
+              <a:t>‹N°›</a:t>
             </a:fld>
             <a:endParaRPr lang="fr-FR"/>
           </a:p>
@@ -781,7 +781,7 @@
           <a:p>
             <a:fld id="{9B92C2B1-8594-4725-B775-F496860FF2CD}" type="datetimeFigureOut">
               <a:rPr lang="fr-FR" smtClean="0"/>
-              <a:t>11/12/2017</a:t>
+              <a:t>12/12/2017</a:t>
             </a:fld>
             <a:endParaRPr lang="fr-FR"/>
           </a:p>
@@ -823,7 +823,7 @@
           <a:p>
             <a:fld id="{C329BCE2-083D-4232-B1FF-EF95B9F5A237}" type="slidenum">
               <a:rPr lang="fr-FR" smtClean="0"/>
-              <a:t>‹#›</a:t>
+              <a:t>‹N°›</a:t>
             </a:fld>
             <a:endParaRPr lang="fr-FR"/>
           </a:p>
@@ -1025,7 +1025,7 @@
           <a:p>
             <a:fld id="{9B92C2B1-8594-4725-B775-F496860FF2CD}" type="datetimeFigureOut">
               <a:rPr lang="fr-FR" smtClean="0"/>
-              <a:t>11/12/2017</a:t>
+              <a:t>12/12/2017</a:t>
             </a:fld>
             <a:endParaRPr lang="fr-FR"/>
           </a:p>
@@ -1067,7 +1067,7 @@
           <a:p>
             <a:fld id="{C329BCE2-083D-4232-B1FF-EF95B9F5A237}" type="slidenum">
               <a:rPr lang="fr-FR" smtClean="0"/>
-              <a:t>‹#›</a:t>
+              <a:t>‹N°›</a:t>
             </a:fld>
             <a:endParaRPr lang="fr-FR"/>
           </a:p>
@@ -1257,7 +1257,7 @@
           <a:p>
             <a:fld id="{9B92C2B1-8594-4725-B775-F496860FF2CD}" type="datetimeFigureOut">
               <a:rPr lang="fr-FR" smtClean="0"/>
-              <a:t>11/12/2017</a:t>
+              <a:t>12/12/2017</a:t>
             </a:fld>
             <a:endParaRPr lang="fr-FR"/>
           </a:p>
@@ -1299,7 +1299,7 @@
           <a:p>
             <a:fld id="{C329BCE2-083D-4232-B1FF-EF95B9F5A237}" type="slidenum">
               <a:rPr lang="fr-FR" smtClean="0"/>
-              <a:t>‹#›</a:t>
+              <a:t>‹N°›</a:t>
             </a:fld>
             <a:endParaRPr lang="fr-FR"/>
           </a:p>
@@ -1624,7 +1624,7 @@
           <a:p>
             <a:fld id="{9B92C2B1-8594-4725-B775-F496860FF2CD}" type="datetimeFigureOut">
               <a:rPr lang="fr-FR" smtClean="0"/>
-              <a:t>11/12/2017</a:t>
+              <a:t>12/12/2017</a:t>
             </a:fld>
             <a:endParaRPr lang="fr-FR"/>
           </a:p>
@@ -1666,7 +1666,7 @@
           <a:p>
             <a:fld id="{C329BCE2-083D-4232-B1FF-EF95B9F5A237}" type="slidenum">
               <a:rPr lang="fr-FR" smtClean="0"/>
-              <a:t>‹#›</a:t>
+              <a:t>‹N°›</a:t>
             </a:fld>
             <a:endParaRPr lang="fr-FR"/>
           </a:p>
@@ -1742,7 +1742,7 @@
           <a:p>
             <a:fld id="{9B92C2B1-8594-4725-B775-F496860FF2CD}" type="datetimeFigureOut">
               <a:rPr lang="fr-FR" smtClean="0"/>
-              <a:t>11/12/2017</a:t>
+              <a:t>12/12/2017</a:t>
             </a:fld>
             <a:endParaRPr lang="fr-FR"/>
           </a:p>
@@ -1784,7 +1784,7 @@
           <a:p>
             <a:fld id="{C329BCE2-083D-4232-B1FF-EF95B9F5A237}" type="slidenum">
               <a:rPr lang="fr-FR" smtClean="0"/>
-              <a:t>‹#›</a:t>
+              <a:t>‹N°›</a:t>
             </a:fld>
             <a:endParaRPr lang="fr-FR"/>
           </a:p>
@@ -1837,7 +1837,7 @@
           <a:p>
             <a:fld id="{9B92C2B1-8594-4725-B775-F496860FF2CD}" type="datetimeFigureOut">
               <a:rPr lang="fr-FR" smtClean="0"/>
-              <a:t>11/12/2017</a:t>
+              <a:t>12/12/2017</a:t>
             </a:fld>
             <a:endParaRPr lang="fr-FR"/>
           </a:p>
@@ -1879,7 +1879,7 @@
           <a:p>
             <a:fld id="{C329BCE2-083D-4232-B1FF-EF95B9F5A237}" type="slidenum">
               <a:rPr lang="fr-FR" smtClean="0"/>
-              <a:t>‹#›</a:t>
+              <a:t>‹N°›</a:t>
             </a:fld>
             <a:endParaRPr lang="fr-FR"/>
           </a:p>
@@ -2114,7 +2114,7 @@
           <a:p>
             <a:fld id="{9B92C2B1-8594-4725-B775-F496860FF2CD}" type="datetimeFigureOut">
               <a:rPr lang="fr-FR" smtClean="0"/>
-              <a:t>11/12/2017</a:t>
+              <a:t>12/12/2017</a:t>
             </a:fld>
             <a:endParaRPr lang="fr-FR"/>
           </a:p>
@@ -2156,7 +2156,7 @@
           <a:p>
             <a:fld id="{C329BCE2-083D-4232-B1FF-EF95B9F5A237}" type="slidenum">
               <a:rPr lang="fr-FR" smtClean="0"/>
-              <a:t>‹#›</a:t>
+              <a:t>‹N°›</a:t>
             </a:fld>
             <a:endParaRPr lang="fr-FR"/>
           </a:p>
@@ -2371,7 +2371,7 @@
           <a:p>
             <a:fld id="{9B92C2B1-8594-4725-B775-F496860FF2CD}" type="datetimeFigureOut">
               <a:rPr lang="fr-FR" smtClean="0"/>
-              <a:t>11/12/2017</a:t>
+              <a:t>12/12/2017</a:t>
             </a:fld>
             <a:endParaRPr lang="fr-FR"/>
           </a:p>
@@ -2413,7 +2413,7 @@
           <a:p>
             <a:fld id="{C329BCE2-083D-4232-B1FF-EF95B9F5A237}" type="slidenum">
               <a:rPr lang="fr-FR" smtClean="0"/>
-              <a:t>‹#›</a:t>
+              <a:t>‹N°›</a:t>
             </a:fld>
             <a:endParaRPr lang="fr-FR"/>
           </a:p>
@@ -2584,7 +2584,7 @@
           <a:p>
             <a:fld id="{9B92C2B1-8594-4725-B775-F496860FF2CD}" type="datetimeFigureOut">
               <a:rPr lang="fr-FR" smtClean="0"/>
-              <a:t>11/12/2017</a:t>
+              <a:t>12/12/2017</a:t>
             </a:fld>
             <a:endParaRPr lang="fr-FR"/>
           </a:p>
@@ -2662,7 +2662,7 @@
           <a:p>
             <a:fld id="{C329BCE2-083D-4232-B1FF-EF95B9F5A237}" type="slidenum">
               <a:rPr lang="fr-FR" smtClean="0"/>
-              <a:t>‹#›</a:t>
+              <a:t>‹N°›</a:t>
             </a:fld>
             <a:endParaRPr lang="fr-FR"/>
           </a:p>
@@ -3061,14 +3061,14 @@
           <a:lstStyle/>
           <a:p>
             <a:r>
-              <a:rPr lang="fr-FR" dirty="0" smtClean="0">
+              <a:rPr lang="fr-FR" b="1" dirty="0" smtClean="0">
                 <a:solidFill>
                   <a:schemeClr val="bg1"/>
                 </a:solidFill>
               </a:rPr>
               <a:t>Face Key</a:t>
             </a:r>
-            <a:endParaRPr lang="fr-FR" dirty="0">
+            <a:endParaRPr lang="fr-FR" b="1" dirty="0">
               <a:solidFill>
                 <a:schemeClr val="bg1"/>
               </a:solidFill>
@@ -3262,7 +3262,7 @@
           <a:p>
             <a:pPr algn="ctr"/>
             <a:r>
-              <a:rPr lang="fr-FR" sz="3400" b="1" dirty="0" smtClean="0">
+              <a:rPr lang="fr-FR" sz="3600" b="1" dirty="0" smtClean="0">
                 <a:solidFill>
                   <a:schemeClr val="bg1"/>
                 </a:solidFill>
@@ -3270,7 +3270,7 @@
               <a:t>Gestionnaire </a:t>
             </a:r>
             <a:r>
-              <a:rPr lang="fr-FR" sz="3400" b="1" dirty="0">
+              <a:rPr lang="fr-FR" sz="3600" b="1" dirty="0">
                 <a:solidFill>
                   <a:schemeClr val="bg1"/>
                 </a:solidFill>
@@ -3278,7 +3278,7 @@
               <a:t>de mot de </a:t>
             </a:r>
             <a:r>
-              <a:rPr lang="fr-FR" sz="3400" b="1" dirty="0" smtClean="0">
+              <a:rPr lang="fr-FR" sz="3600" b="1" dirty="0" smtClean="0">
                 <a:solidFill>
                   <a:schemeClr val="bg1"/>
                 </a:solidFill>
@@ -3286,21 +3286,21 @@
               <a:t>passe </a:t>
             </a:r>
             <a:br>
-              <a:rPr lang="fr-FR" sz="3400" b="1" dirty="0" smtClean="0">
+              <a:rPr lang="fr-FR" sz="3600" b="1" dirty="0" smtClean="0">
                 <a:solidFill>
                   <a:schemeClr val="bg1"/>
                 </a:solidFill>
               </a:rPr>
             </a:br>
             <a:r>
-              <a:rPr lang="fr-FR" sz="3400" b="1" dirty="0" smtClean="0">
+              <a:rPr lang="fr-FR" sz="3600" b="1" dirty="0" smtClean="0">
                 <a:solidFill>
                   <a:schemeClr val="bg1"/>
                 </a:solidFill>
               </a:rPr>
               <a:t>par reconnaissance faciale</a:t>
             </a:r>
-            <a:endParaRPr lang="fr-FR" sz="3400" b="1" dirty="0">
+            <a:endParaRPr lang="fr-FR" sz="3600" b="1" dirty="0">
               <a:solidFill>
                 <a:schemeClr val="bg1"/>
               </a:solidFill>
@@ -3330,7 +3330,7 @@
         </p:blipFill>
         <p:spPr>
           <a:xfrm>
-            <a:off x="5826689" y="2864679"/>
+            <a:off x="5884581" y="2407479"/>
             <a:ext cx="670573" cy="670573"/>
           </a:xfrm>
           <a:prstGeom prst="rect">
@@ -3360,7 +3360,7 @@
         </p:blipFill>
         <p:spPr>
           <a:xfrm>
-            <a:off x="7823123" y="3199965"/>
+            <a:off x="7881015" y="2742765"/>
             <a:ext cx="508044" cy="508044"/>
           </a:xfrm>
           <a:prstGeom prst="rect">
@@ -3390,7 +3390,7 @@
         </p:blipFill>
         <p:spPr>
           <a:xfrm>
-            <a:off x="6644640" y="2371818"/>
+            <a:off x="6702532" y="1914618"/>
             <a:ext cx="508044" cy="508044"/>
           </a:xfrm>
           <a:prstGeom prst="rect">
@@ -3420,7 +3420,7 @@
         </p:blipFill>
         <p:spPr>
           <a:xfrm>
-            <a:off x="6243240" y="3682598"/>
+            <a:off x="6301132" y="3225398"/>
             <a:ext cx="508044" cy="508044"/>
           </a:xfrm>
           <a:prstGeom prst="rect">
@@ -3450,7 +3450,7 @@
         </p:blipFill>
         <p:spPr>
           <a:xfrm>
-            <a:off x="6985019" y="3072817"/>
+            <a:off x="7042911" y="2615617"/>
             <a:ext cx="508044" cy="508044"/>
           </a:xfrm>
           <a:prstGeom prst="rect">
@@ -3480,7 +3480,7 @@
         </p:blipFill>
         <p:spPr>
           <a:xfrm>
-            <a:off x="7711396" y="2371818"/>
+            <a:off x="7769288" y="1914618"/>
             <a:ext cx="508044" cy="508044"/>
           </a:xfrm>
           <a:prstGeom prst="rect">
@@ -3510,7 +3510,7 @@
         </p:blipFill>
         <p:spPr>
           <a:xfrm>
-            <a:off x="7223639" y="3758388"/>
+            <a:off x="7281531" y="3301188"/>
             <a:ext cx="508044" cy="508044"/>
           </a:xfrm>
           <a:prstGeom prst="rect">
@@ -3540,7 +3540,7 @@
         </p:blipFill>
         <p:spPr>
           <a:xfrm>
-            <a:off x="3559806" y="4012410"/>
+            <a:off x="2970481" y="4011033"/>
             <a:ext cx="2024388" cy="2024388"/>
           </a:xfrm>
           <a:prstGeom prst="rect">
@@ -3570,8 +3570,8 @@
         </p:blipFill>
         <p:spPr>
           <a:xfrm>
-            <a:off x="769666" y="4013595"/>
-            <a:ext cx="2021826" cy="2021826"/>
+            <a:off x="765597" y="4188728"/>
+            <a:ext cx="1684977" cy="1684977"/>
           </a:xfrm>
           <a:prstGeom prst="rect">
             <a:avLst/>
@@ -3582,15 +3582,14 @@
         <p:nvCxnSpPr>
           <p:cNvPr id="19" name="Connecteur droit avec flèche 18"/>
           <p:cNvCxnSpPr>
-            <a:stCxn id="16" idx="1"/>
             <a:endCxn id="17" idx="3"/>
           </p:cNvCxnSpPr>
           <p:nvPr/>
         </p:nvCxnSpPr>
         <p:spPr>
-          <a:xfrm flipH="1" flipV="1">
-            <a:off x="2791492" y="5024508"/>
-            <a:ext cx="768314" cy="96"/>
+          <a:xfrm flipH="1">
+            <a:off x="2450574" y="5023227"/>
+            <a:ext cx="830508" cy="7990"/>
           </a:xfrm>
           <a:prstGeom prst="straightConnector1">
             <a:avLst/>
@@ -3628,8 +3627,8 @@
         </p:nvCxnSpPr>
         <p:spPr>
           <a:xfrm flipV="1">
-            <a:off x="5171401" y="3860800"/>
-            <a:ext cx="742853" cy="405633"/>
+            <a:off x="4679345" y="3416300"/>
+            <a:ext cx="1205236" cy="774344"/>
           </a:xfrm>
           <a:prstGeom prst="straightConnector1">
             <a:avLst/>
@@ -3689,6 +3688,230 @@
           </a:p>
         </p:txBody>
       </p:sp>
+      <p:sp>
+        <p:nvSpPr>
+          <p:cNvPr id="18" name="ZoneTexte 17"/>
+          <p:cNvSpPr txBox="1"/>
+          <p:nvPr/>
+        </p:nvSpPr>
+        <p:spPr>
+          <a:xfrm>
+            <a:off x="6195881" y="4515903"/>
+            <a:ext cx="2707341" cy="1754326"/>
+          </a:xfrm>
+          <a:prstGeom prst="rect">
+            <a:avLst/>
+          </a:prstGeom>
+          <a:noFill/>
+        </p:spPr>
+        <p:txBody>
+          <a:bodyPr wrap="square" rtlCol="0">
+            <a:spAutoFit/>
+          </a:bodyPr>
+          <a:lstStyle/>
+          <a:p>
+            <a:r>
+              <a:rPr lang="fr-FR" dirty="0" smtClean="0"/>
+              <a:t>Informations :</a:t>
+            </a:r>
+          </a:p>
+          <a:p>
+            <a:pPr marL="285750" indent="-285750">
+              <a:buFont typeface="Arial" panose="020B0604020202020204" pitchFamily="34" charset="0"/>
+              <a:buChar char="•"/>
+            </a:pPr>
+            <a:r>
+              <a:rPr lang="fr-FR" dirty="0" smtClean="0"/>
+              <a:t>Fréquence d’utilisation</a:t>
+            </a:r>
+          </a:p>
+          <a:p>
+            <a:pPr marL="285750" indent="-285750">
+              <a:buFont typeface="Arial" panose="020B0604020202020204" pitchFamily="34" charset="0"/>
+              <a:buChar char="•"/>
+            </a:pPr>
+            <a:r>
+              <a:rPr lang="fr-FR" dirty="0" smtClean="0"/>
+              <a:t>Temps d’utilisation</a:t>
+            </a:r>
+          </a:p>
+          <a:p>
+            <a:pPr marL="285750" indent="-285750">
+              <a:buFont typeface="Arial" panose="020B0604020202020204" pitchFamily="34" charset="0"/>
+              <a:buChar char="•"/>
+            </a:pPr>
+            <a:r>
+              <a:rPr lang="fr-FR" dirty="0" smtClean="0"/>
+              <a:t>Région d’utilisation</a:t>
+            </a:r>
+          </a:p>
+          <a:p>
+            <a:pPr marL="285750" indent="-285750">
+              <a:buFont typeface="Arial" panose="020B0604020202020204" pitchFamily="34" charset="0"/>
+              <a:buChar char="•"/>
+            </a:pPr>
+            <a:r>
+              <a:rPr lang="fr-FR" dirty="0" smtClean="0"/>
+              <a:t>Horaire d’utilisation  	   …</a:t>
+            </a:r>
+            <a:endParaRPr lang="fr-FR" dirty="0"/>
+          </a:p>
+        </p:txBody>
+      </p:sp>
+      <p:cxnSp>
+        <p:nvCxnSpPr>
+          <p:cNvPr id="22" name="Connecteur droit 21"/>
+          <p:cNvCxnSpPr>
+            <a:stCxn id="18" idx="0"/>
+            <a:endCxn id="12" idx="2"/>
+          </p:cNvCxnSpPr>
+          <p:nvPr/>
+        </p:nvCxnSpPr>
+        <p:spPr>
+          <a:xfrm flipH="1" flipV="1">
+            <a:off x="7535553" y="3809232"/>
+            <a:ext cx="13999" cy="706671"/>
+          </a:xfrm>
+          <a:prstGeom prst="line">
+            <a:avLst/>
+          </a:prstGeom>
+          <a:ln w="28575">
+            <a:solidFill>
+              <a:schemeClr val="bg2">
+                <a:lumMod val="25000"/>
+              </a:schemeClr>
+            </a:solidFill>
+          </a:ln>
+        </p:spPr>
+        <p:style>
+          <a:lnRef idx="1">
+            <a:schemeClr val="accent1"/>
+          </a:lnRef>
+          <a:fillRef idx="0">
+            <a:schemeClr val="accent1"/>
+          </a:fillRef>
+          <a:effectRef idx="0">
+            <a:schemeClr val="accent1"/>
+          </a:effectRef>
+          <a:fontRef idx="minor">
+            <a:schemeClr val="tx1"/>
+          </a:fontRef>
+        </p:style>
+      </p:cxnSp>
+      <p:sp>
+        <p:nvSpPr>
+          <p:cNvPr id="28" name="ZoneTexte 27"/>
+          <p:cNvSpPr txBox="1"/>
+          <p:nvPr/>
+        </p:nvSpPr>
+        <p:spPr>
+          <a:xfrm>
+            <a:off x="975427" y="1832874"/>
+            <a:ext cx="2950295" cy="1477328"/>
+          </a:xfrm>
+          <a:prstGeom prst="rect">
+            <a:avLst/>
+          </a:prstGeom>
+          <a:noFill/>
+        </p:spPr>
+        <p:txBody>
+          <a:bodyPr wrap="none" rtlCol="0">
+            <a:spAutoFit/>
+          </a:bodyPr>
+          <a:lstStyle/>
+          <a:p>
+            <a:r>
+              <a:rPr lang="fr-FR" dirty="0" smtClean="0"/>
+              <a:t>Services :</a:t>
+            </a:r>
+          </a:p>
+          <a:p>
+            <a:pPr marL="285750" indent="-285750">
+              <a:buFont typeface="Arial" panose="020B0604020202020204" pitchFamily="34" charset="0"/>
+              <a:buChar char="•"/>
+            </a:pPr>
+            <a:r>
+              <a:rPr lang="fr-FR" dirty="0" smtClean="0"/>
+              <a:t>Gestion efficace des </a:t>
+            </a:r>
+            <a:r>
+              <a:rPr lang="fr-FR" dirty="0" err="1" smtClean="0"/>
+              <a:t>MDPs</a:t>
+            </a:r>
+            <a:endParaRPr lang="fr-FR" dirty="0" smtClean="0"/>
+          </a:p>
+          <a:p>
+            <a:pPr marL="285750" indent="-285750">
+              <a:buFont typeface="Arial" panose="020B0604020202020204" pitchFamily="34" charset="0"/>
+              <a:buChar char="•"/>
+            </a:pPr>
+            <a:r>
+              <a:rPr lang="fr-FR" dirty="0" smtClean="0"/>
+              <a:t>Sécurité</a:t>
+            </a:r>
+          </a:p>
+          <a:p>
+            <a:pPr marL="285750" indent="-285750">
+              <a:buFont typeface="Arial" panose="020B0604020202020204" pitchFamily="34" charset="0"/>
+              <a:buChar char="•"/>
+            </a:pPr>
+            <a:r>
+              <a:rPr lang="fr-FR" dirty="0" smtClean="0"/>
+              <a:t>Partage de compte</a:t>
+            </a:r>
+          </a:p>
+          <a:p>
+            <a:pPr marL="285750" indent="-285750">
+              <a:buFont typeface="Arial" panose="020B0604020202020204" pitchFamily="34" charset="0"/>
+              <a:buChar char="•"/>
+            </a:pPr>
+            <a:r>
+              <a:rPr lang="fr-FR" dirty="0" smtClean="0"/>
+              <a:t>Rapide, facile</a:t>
+            </a:r>
+            <a:endParaRPr lang="fr-FR" dirty="0"/>
+          </a:p>
+        </p:txBody>
+      </p:sp>
+      <p:cxnSp>
+        <p:nvCxnSpPr>
+          <p:cNvPr id="29" name="Connecteur droit 28"/>
+          <p:cNvCxnSpPr>
+            <a:endCxn id="28" idx="2"/>
+          </p:cNvCxnSpPr>
+          <p:nvPr/>
+        </p:nvCxnSpPr>
+        <p:spPr>
+          <a:xfrm flipH="1" flipV="1">
+            <a:off x="2450575" y="3310202"/>
+            <a:ext cx="1126343" cy="878526"/>
+          </a:xfrm>
+          <a:prstGeom prst="line">
+            <a:avLst/>
+          </a:prstGeom>
+          <a:ln w="28575">
+            <a:solidFill>
+              <a:schemeClr val="bg2">
+                <a:lumMod val="25000"/>
+              </a:schemeClr>
+            </a:solidFill>
+          </a:ln>
+        </p:spPr>
+        <p:style>
+          <a:lnRef idx="1">
+            <a:schemeClr val="accent1"/>
+          </a:lnRef>
+          <a:fillRef idx="0">
+            <a:schemeClr val="accent1"/>
+          </a:fillRef>
+          <a:effectRef idx="0">
+            <a:schemeClr val="accent1"/>
+          </a:effectRef>
+          <a:fontRef idx="minor">
+            <a:schemeClr val="tx1"/>
+          </a:fontRef>
+        </p:style>
+      </p:cxnSp>
     </p:spTree>
     <p:extLst>
       <p:ext uri="{BB962C8B-B14F-4D97-AF65-F5344CB8AC3E}">
@@ -3812,7 +4035,36 @@
       </p:pic>
       <p:sp>
         <p:nvSpPr>
-          <p:cNvPr id="8" name="Titre 1"/>
+          <p:cNvPr id="9" name="ZoneTexte 8"/>
+          <p:cNvSpPr txBox="1"/>
+          <p:nvPr/>
+        </p:nvSpPr>
+        <p:spPr>
+          <a:xfrm>
+            <a:off x="127063" y="6376908"/>
+            <a:ext cx="301686" cy="369332"/>
+          </a:xfrm>
+          <a:prstGeom prst="rect">
+            <a:avLst/>
+          </a:prstGeom>
+          <a:noFill/>
+        </p:spPr>
+        <p:txBody>
+          <a:bodyPr wrap="none" rtlCol="0">
+            <a:spAutoFit/>
+          </a:bodyPr>
+          <a:lstStyle/>
+          <a:p>
+            <a:r>
+              <a:rPr lang="fr-FR" dirty="0"/>
+              <a:t>2</a:t>
+            </a:r>
+          </a:p>
+        </p:txBody>
+      </p:sp>
+      <p:sp>
+        <p:nvSpPr>
+          <p:cNvPr id="7" name="Titre 1"/>
           <p:cNvSpPr>
             <a:spLocks noGrp="1"/>
           </p:cNvSpPr>
@@ -3834,55 +4086,34 @@
           <a:p>
             <a:pPr algn="ctr"/>
             <a:r>
-              <a:rPr lang="fr-FR" sz="3200" b="1" dirty="0">
+              <a:rPr lang="fr-FR" sz="3600" b="1" dirty="0" smtClean="0">
                 <a:solidFill>
                   <a:schemeClr val="bg1"/>
                 </a:solidFill>
               </a:rPr>
-              <a:t>Solution : </a:t>
-            </a:r>
-            <a:r>
-              <a:rPr lang="fr-FR" sz="3200" b="1" dirty="0" smtClean="0">
+              <a:t>Schéma </a:t>
+            </a:r>
+            <a:r>
+              <a:rPr lang="fr-FR" sz="3600" b="1" dirty="0">
+                <a:solidFill>
+                  <a:schemeClr val="bg1"/>
+                </a:solidFill>
+              </a:rPr>
+              <a:t>: </a:t>
+            </a:r>
+            <a:r>
+              <a:rPr lang="fr-FR" sz="3600" b="1" dirty="0" smtClean="0">
                 <a:solidFill>
                   <a:schemeClr val="bg1"/>
                 </a:solidFill>
               </a:rPr>
               <a:t>MCD</a:t>
             </a:r>
-            <a:endParaRPr lang="fr-FR" sz="3400" b="1" dirty="0">
+            <a:endParaRPr lang="fr-FR" sz="3600" b="1" dirty="0">
               <a:solidFill>
                 <a:schemeClr val="bg1"/>
               </a:solidFill>
             </a:endParaRPr>
-          </a:p>
-        </p:txBody>
-      </p:sp>
-      <p:sp>
-        <p:nvSpPr>
-          <p:cNvPr id="9" name="ZoneTexte 8"/>
-          <p:cNvSpPr txBox="1"/>
-          <p:nvPr/>
-        </p:nvSpPr>
-        <p:spPr>
-          <a:xfrm>
-            <a:off x="127063" y="6376908"/>
-            <a:ext cx="301686" cy="369332"/>
-          </a:xfrm>
-          <a:prstGeom prst="rect">
-            <a:avLst/>
-          </a:prstGeom>
-          <a:noFill/>
-        </p:spPr>
-        <p:txBody>
-          <a:bodyPr wrap="none" rtlCol="0">
-            <a:spAutoFit/>
-          </a:bodyPr>
-          <a:lstStyle/>
-          <a:p>
-            <a:r>
-              <a:rPr lang="fr-FR" dirty="0"/>
-              <a:t>2</a:t>
-            </a:r>
           </a:p>
         </p:txBody>
       </p:sp>
@@ -4002,7 +4233,7 @@
         </p:blipFill>
         <p:spPr>
           <a:xfrm>
-            <a:off x="319736" y="1690689"/>
+            <a:off x="310771" y="1582521"/>
             <a:ext cx="8504527" cy="4970088"/>
           </a:xfrm>
         </p:spPr>
@@ -4031,12 +4262,20 @@
           <a:p>
             <a:pPr algn="ctr"/>
             <a:r>
-              <a:rPr lang="fr-FR" sz="3600" dirty="0">
+              <a:rPr lang="fr-FR" sz="3600" b="1" dirty="0" smtClean="0">
                 <a:solidFill>
                   <a:schemeClr val="bg1"/>
                 </a:solidFill>
               </a:rPr>
-              <a:t>Solution : MLD</a:t>
+              <a:t>Schéma </a:t>
+            </a:r>
+            <a:r>
+              <a:rPr lang="fr-FR" sz="3600" b="1" dirty="0">
+                <a:solidFill>
+                  <a:schemeClr val="bg1"/>
+                </a:solidFill>
+              </a:rPr>
+              <a:t>: MLD</a:t>
             </a:r>
           </a:p>
         </p:txBody>
@@ -4255,7 +4494,19 @@
             </a:r>
             <a:r>
               <a:rPr lang="fr-FR" dirty="0" smtClean="0"/>
-              <a:t>, COUNT(</a:t>
+              <a:t>, </a:t>
+            </a:r>
+            <a:r>
+              <a:rPr lang="fr-FR" dirty="0" smtClean="0"/>
+              <a:t>  </a:t>
+            </a:r>
+            <a:r>
+              <a:rPr lang="fr-FR" dirty="0"/>
+              <a:t>	</a:t>
+            </a:r>
+            <a:r>
+              <a:rPr lang="fr-FR" dirty="0" smtClean="0"/>
+              <a:t>COUNT(</a:t>
             </a:r>
             <a:r>
               <a:rPr lang="fr-FR" dirty="0" err="1" smtClean="0"/>
@@ -4405,7 +4656,7 @@
           <a:p>
             <a:pPr algn="ctr"/>
             <a:r>
-              <a:rPr lang="fr-FR" sz="3600" dirty="0">
+              <a:rPr lang="fr-FR" sz="3600" b="1" dirty="0">
                 <a:solidFill>
                   <a:schemeClr val="bg1"/>
                 </a:solidFill>
@@ -4675,12 +4926,20 @@
               <a:t>, </a:t>
             </a:r>
             <a:r>
+              <a:rPr lang="fr-FR" dirty="0" smtClean="0"/>
+              <a:t>	</a:t>
+            </a:r>
+            <a:r>
               <a:rPr lang="fr-FR" dirty="0" err="1" smtClean="0"/>
               <a:t>account.id_site</a:t>
             </a:r>
             <a:r>
               <a:rPr lang="fr-FR" dirty="0" smtClean="0"/>
-              <a:t>  FROM </a:t>
+              <a:t>  </a:t>
+            </a:r>
+            <a:r>
+              <a:rPr lang="fr-FR" dirty="0" smtClean="0"/>
+              <a:t>FROM </a:t>
             </a:r>
             <a:r>
               <a:rPr lang="fr-FR" dirty="0" err="1" smtClean="0"/>
@@ -4817,7 +5076,6 @@
               <a:rPr lang="fr-FR" dirty="0"/>
               <a:t>FIRST 1 ROWS ONLY;</a:t>
             </a:r>
-            <a:endParaRPr lang="fr-FR" dirty="0"/>
           </a:p>
         </p:txBody>
       </p:sp>
@@ -4845,14 +5103,14 @@
           <a:p>
             <a:pPr algn="ctr"/>
             <a:r>
-              <a:rPr lang="fr-FR" sz="3600" dirty="0" smtClean="0">
+              <a:rPr lang="fr-FR" sz="3600" b="1" dirty="0" smtClean="0">
                 <a:solidFill>
                   <a:schemeClr val="bg1"/>
                 </a:solidFill>
               </a:rPr>
               <a:t>Requêtes</a:t>
             </a:r>
-            <a:endParaRPr lang="fr-FR" sz="3600" dirty="0">
+            <a:endParaRPr lang="fr-FR" sz="3600" b="1" dirty="0">
               <a:solidFill>
                 <a:schemeClr val="bg1"/>
               </a:solidFill>
@@ -5276,14 +5534,14 @@
           <a:p>
             <a:pPr algn="ctr"/>
             <a:r>
-              <a:rPr lang="fr-FR" sz="3600" dirty="0" smtClean="0">
+              <a:rPr lang="fr-FR" sz="3600" b="1" dirty="0" smtClean="0">
                 <a:solidFill>
                   <a:schemeClr val="bg1"/>
                 </a:solidFill>
               </a:rPr>
               <a:t>Requêtes</a:t>
             </a:r>
-            <a:endParaRPr lang="fr-FR" sz="3600" dirty="0">
+            <a:endParaRPr lang="fr-FR" sz="3600" b="1" dirty="0">
               <a:solidFill>
                 <a:schemeClr val="bg1"/>
               </a:solidFill>
@@ -5415,7 +5673,75 @@
       </p:sp>
       <p:sp>
         <p:nvSpPr>
-          <p:cNvPr id="4" name="Rectangle à coins arrondis 3"/>
+          <p:cNvPr id="128" name="Titre 1"/>
+          <p:cNvSpPr>
+            <a:spLocks noGrp="1"/>
+          </p:cNvSpPr>
+          <p:nvPr>
+            <p:ph type="title"/>
+          </p:nvPr>
+        </p:nvSpPr>
+        <p:spPr>
+          <a:xfrm>
+            <a:off x="628650" y="92322"/>
+            <a:ext cx="7886700" cy="1325563"/>
+          </a:xfrm>
+        </p:spPr>
+        <p:txBody>
+          <a:bodyPr>
+            <a:noAutofit/>
+          </a:bodyPr>
+          <a:lstStyle/>
+          <a:p>
+            <a:pPr algn="ctr"/>
+            <a:r>
+              <a:rPr lang="fr-FR" sz="3600" b="1" dirty="0" smtClean="0">
+                <a:solidFill>
+                  <a:schemeClr val="bg1"/>
+                </a:solidFill>
+              </a:rPr>
+              <a:t>Panel d’administration</a:t>
+            </a:r>
+            <a:endParaRPr lang="fr-FR" sz="3600" b="1" dirty="0">
+              <a:solidFill>
+                <a:schemeClr val="bg1"/>
+              </a:solidFill>
+            </a:endParaRPr>
+          </a:p>
+        </p:txBody>
+      </p:sp>
+      <p:sp>
+        <p:nvSpPr>
+          <p:cNvPr id="129" name="ZoneTexte 128"/>
+          <p:cNvSpPr txBox="1"/>
+          <p:nvPr/>
+        </p:nvSpPr>
+        <p:spPr>
+          <a:xfrm>
+            <a:off x="127063" y="6376908"/>
+            <a:ext cx="301686" cy="369332"/>
+          </a:xfrm>
+          <a:prstGeom prst="rect">
+            <a:avLst/>
+          </a:prstGeom>
+          <a:noFill/>
+        </p:spPr>
+        <p:txBody>
+          <a:bodyPr wrap="none" rtlCol="0">
+            <a:spAutoFit/>
+          </a:bodyPr>
+          <a:lstStyle/>
+          <a:p>
+            <a:r>
+              <a:rPr lang="fr-FR" dirty="0"/>
+              <a:t>5</a:t>
+            </a:r>
+          </a:p>
+        </p:txBody>
+      </p:sp>
+      <p:sp>
+        <p:nvSpPr>
+          <p:cNvPr id="82" name="Rectangle à coins arrondis 81"/>
           <p:cNvSpPr/>
           <p:nvPr/>
         </p:nvSpPr>
@@ -5465,7 +5791,7 @@
       </p:sp>
       <p:sp>
         <p:nvSpPr>
-          <p:cNvPr id="5" name="Rectangle à coins arrondis 4"/>
+          <p:cNvPr id="83" name="Rectangle à coins arrondis 82"/>
           <p:cNvSpPr/>
           <p:nvPr/>
         </p:nvSpPr>
@@ -5515,7 +5841,7 @@
       </p:sp>
       <p:sp>
         <p:nvSpPr>
-          <p:cNvPr id="6" name="Rectangle à coins arrondis 5"/>
+          <p:cNvPr id="84" name="Rectangle à coins arrondis 83"/>
           <p:cNvSpPr/>
           <p:nvPr/>
         </p:nvSpPr>
@@ -5565,13 +5891,13 @@
       </p:sp>
       <p:sp>
         <p:nvSpPr>
-          <p:cNvPr id="7" name="Rectangle à coins arrondis 6"/>
+          <p:cNvPr id="85" name="Rectangle à coins arrondis 84"/>
           <p:cNvSpPr/>
           <p:nvPr/>
         </p:nvSpPr>
         <p:spPr>
           <a:xfrm>
-            <a:off x="5938990" y="4641688"/>
+            <a:off x="6358573" y="4673913"/>
             <a:ext cx="1582947" cy="905774"/>
           </a:xfrm>
           <a:prstGeom prst="roundRect">
@@ -5615,7 +5941,7 @@
       </p:sp>
       <p:sp>
         <p:nvSpPr>
-          <p:cNvPr id="8" name="Rectangle à coins arrondis 7"/>
+          <p:cNvPr id="86" name="Rectangle à coins arrondis 85"/>
           <p:cNvSpPr/>
           <p:nvPr/>
         </p:nvSpPr>
@@ -5665,13 +5991,13 @@
       </p:sp>
       <p:sp>
         <p:nvSpPr>
-          <p:cNvPr id="9" name="Rectangle à coins arrondis 8"/>
+          <p:cNvPr id="87" name="Rectangle à coins arrondis 86"/>
           <p:cNvSpPr/>
           <p:nvPr/>
         </p:nvSpPr>
         <p:spPr>
           <a:xfrm>
-            <a:off x="3780526" y="5238588"/>
+            <a:off x="3780526" y="5647176"/>
             <a:ext cx="1582947" cy="905774"/>
           </a:xfrm>
           <a:prstGeom prst="roundRect">
@@ -5715,13 +6041,13 @@
       </p:sp>
       <p:sp>
         <p:nvSpPr>
-          <p:cNvPr id="10" name="Rectangle à coins arrondis 9"/>
+          <p:cNvPr id="89" name="Rectangle à coins arrondis 88"/>
           <p:cNvSpPr/>
           <p:nvPr/>
         </p:nvSpPr>
         <p:spPr>
           <a:xfrm>
-            <a:off x="8104094" y="3099758"/>
+            <a:off x="7949439" y="3036992"/>
             <a:ext cx="950259" cy="905774"/>
           </a:xfrm>
           <a:prstGeom prst="roundRect">
@@ -5765,13 +6091,13 @@
       </p:sp>
       <p:sp>
         <p:nvSpPr>
-          <p:cNvPr id="11" name="Rectangle à coins arrondis 10"/>
+          <p:cNvPr id="103" name="Rectangle à coins arrondis 102"/>
           <p:cNvSpPr/>
           <p:nvPr/>
         </p:nvSpPr>
         <p:spPr>
           <a:xfrm>
-            <a:off x="1646926" y="4641688"/>
+            <a:off x="2007334" y="4673913"/>
             <a:ext cx="1582947" cy="905774"/>
           </a:xfrm>
           <a:prstGeom prst="roundRect">
@@ -5815,7 +6141,7 @@
       </p:sp>
       <p:sp>
         <p:nvSpPr>
-          <p:cNvPr id="13" name="ZoneTexte 12"/>
+          <p:cNvPr id="104" name="ZoneTexte 103"/>
           <p:cNvSpPr txBox="1"/>
           <p:nvPr/>
         </p:nvSpPr>
@@ -5845,7 +6171,7 @@
       </p:sp>
       <p:sp>
         <p:nvSpPr>
-          <p:cNvPr id="14" name="ZoneTexte 13"/>
+          <p:cNvPr id="109" name="ZoneTexte 108"/>
           <p:cNvSpPr txBox="1"/>
           <p:nvPr/>
         </p:nvSpPr>
@@ -5875,13 +6201,13 @@
       </p:sp>
       <p:sp>
         <p:nvSpPr>
-          <p:cNvPr id="15" name="ZoneTexte 14"/>
+          <p:cNvPr id="121" name="ZoneTexte 120"/>
           <p:cNvSpPr txBox="1"/>
           <p:nvPr/>
         </p:nvSpPr>
         <p:spPr>
           <a:xfrm>
-            <a:off x="6120615" y="4272356"/>
+            <a:off x="6540198" y="4304581"/>
             <a:ext cx="1219693" cy="369332"/>
           </a:xfrm>
           <a:prstGeom prst="rect">
@@ -5913,13 +6239,13 @@
       </p:sp>
       <p:sp>
         <p:nvSpPr>
-          <p:cNvPr id="16" name="ZoneTexte 15"/>
+          <p:cNvPr id="123" name="ZoneTexte 122"/>
           <p:cNvSpPr txBox="1"/>
           <p:nvPr/>
         </p:nvSpPr>
         <p:spPr>
           <a:xfrm>
-            <a:off x="8204761" y="2730426"/>
+            <a:off x="8050106" y="2667660"/>
             <a:ext cx="748923" cy="369332"/>
           </a:xfrm>
           <a:prstGeom prst="rect">
@@ -5943,13 +6269,13 @@
       </p:sp>
       <p:sp>
         <p:nvSpPr>
-          <p:cNvPr id="17" name="ZoneTexte 16"/>
+          <p:cNvPr id="126" name="ZoneTexte 125"/>
           <p:cNvSpPr txBox="1"/>
           <p:nvPr/>
         </p:nvSpPr>
         <p:spPr>
           <a:xfrm>
-            <a:off x="4143836" y="4869256"/>
+            <a:off x="4143836" y="5277844"/>
             <a:ext cx="951671" cy="369332"/>
           </a:xfrm>
           <a:prstGeom prst="rect">
@@ -5973,13 +6299,13 @@
       </p:sp>
       <p:sp>
         <p:nvSpPr>
-          <p:cNvPr id="18" name="ZoneTexte 17"/>
+          <p:cNvPr id="127" name="ZoneTexte 126"/>
           <p:cNvSpPr txBox="1"/>
           <p:nvPr/>
         </p:nvSpPr>
         <p:spPr>
           <a:xfrm>
-            <a:off x="1870677" y="4272356"/>
+            <a:off x="2231085" y="4304581"/>
             <a:ext cx="1135439" cy="369332"/>
           </a:xfrm>
           <a:prstGeom prst="rect">
@@ -6011,7 +6337,7 @@
       </p:sp>
       <p:sp>
         <p:nvSpPr>
-          <p:cNvPr id="19" name="ZoneTexte 18"/>
+          <p:cNvPr id="130" name="ZoneTexte 129"/>
           <p:cNvSpPr txBox="1"/>
           <p:nvPr/>
         </p:nvSpPr>
@@ -6041,7 +6367,7 @@
       </p:sp>
       <p:sp>
         <p:nvSpPr>
-          <p:cNvPr id="20" name="ZoneTexte 19"/>
+          <p:cNvPr id="131" name="ZoneTexte 130"/>
           <p:cNvSpPr txBox="1"/>
           <p:nvPr/>
         </p:nvSpPr>
@@ -6071,7 +6397,7 @@
       </p:sp>
       <p:sp>
         <p:nvSpPr>
-          <p:cNvPr id="21" name="Rectangle à coins arrondis 20"/>
+          <p:cNvPr id="132" name="Rectangle à coins arrondis 131"/>
           <p:cNvSpPr/>
           <p:nvPr/>
         </p:nvSpPr>
@@ -6119,7 +6445,7 @@
       </p:sp>
       <p:sp>
         <p:nvSpPr>
-          <p:cNvPr id="22" name="Rectangle à coins arrondis 21"/>
+          <p:cNvPr id="133" name="Rectangle à coins arrondis 132"/>
           <p:cNvSpPr/>
           <p:nvPr/>
         </p:nvSpPr>
@@ -6167,7 +6493,7 @@
       </p:sp>
       <p:sp>
         <p:nvSpPr>
-          <p:cNvPr id="23" name="Rectangle à coins arrondis 22"/>
+          <p:cNvPr id="134" name="Rectangle à coins arrondis 133"/>
           <p:cNvSpPr/>
           <p:nvPr/>
         </p:nvSpPr>
@@ -6215,7 +6541,7 @@
       </p:sp>
       <p:cxnSp>
         <p:nvCxnSpPr>
-          <p:cNvPr id="49" name="Connecteur droit 48"/>
+          <p:cNvPr id="135" name="Connecteur droit 134"/>
           <p:cNvCxnSpPr/>
           <p:nvPr/>
         </p:nvCxnSpPr>
@@ -6252,7 +6578,7 @@
       </p:cxnSp>
       <p:cxnSp>
         <p:nvCxnSpPr>
-          <p:cNvPr id="50" name="Connecteur droit 49"/>
+          <p:cNvPr id="136" name="Connecteur droit 135"/>
           <p:cNvCxnSpPr/>
           <p:nvPr/>
         </p:nvCxnSpPr>
@@ -6289,7 +6615,7 @@
       </p:cxnSp>
       <p:cxnSp>
         <p:nvCxnSpPr>
-          <p:cNvPr id="51" name="Connecteur droit 50"/>
+          <p:cNvPr id="137" name="Connecteur droit 136"/>
           <p:cNvCxnSpPr/>
           <p:nvPr/>
         </p:nvCxnSpPr>
@@ -6326,7 +6652,7 @@
       </p:cxnSp>
       <p:cxnSp>
         <p:nvCxnSpPr>
-          <p:cNvPr id="52" name="Connecteur droit 51"/>
+          <p:cNvPr id="138" name="Connecteur droit 137"/>
           <p:cNvCxnSpPr/>
           <p:nvPr/>
         </p:nvCxnSpPr>
@@ -6363,7 +6689,7 @@
       </p:cxnSp>
       <p:cxnSp>
         <p:nvCxnSpPr>
-          <p:cNvPr id="53" name="Connecteur droit 52"/>
+          <p:cNvPr id="139" name="Connecteur droit 138"/>
           <p:cNvCxnSpPr/>
           <p:nvPr/>
         </p:nvCxnSpPr>
@@ -6400,7 +6726,7 @@
       </p:cxnSp>
       <p:sp>
         <p:nvSpPr>
-          <p:cNvPr id="54" name="Ellipse 53"/>
+          <p:cNvPr id="140" name="Ellipse 139"/>
           <p:cNvSpPr/>
           <p:nvPr/>
         </p:nvSpPr>
@@ -6448,7 +6774,7 @@
       </p:sp>
       <p:sp>
         <p:nvSpPr>
-          <p:cNvPr id="55" name="Ellipse 54"/>
+          <p:cNvPr id="141" name="Ellipse 140"/>
           <p:cNvSpPr/>
           <p:nvPr/>
         </p:nvSpPr>
@@ -6496,7 +6822,7 @@
       </p:sp>
       <p:sp>
         <p:nvSpPr>
-          <p:cNvPr id="56" name="Ellipse 55"/>
+          <p:cNvPr id="142" name="Ellipse 141"/>
           <p:cNvSpPr/>
           <p:nvPr/>
         </p:nvSpPr>
@@ -6544,7 +6870,7 @@
       </p:sp>
       <p:sp>
         <p:nvSpPr>
-          <p:cNvPr id="57" name="Ellipse 56"/>
+          <p:cNvPr id="143" name="Ellipse 142"/>
           <p:cNvSpPr/>
           <p:nvPr/>
         </p:nvSpPr>
@@ -6592,7 +6918,7 @@
       </p:sp>
       <p:sp>
         <p:nvSpPr>
-          <p:cNvPr id="58" name="Ellipse 57"/>
+          <p:cNvPr id="144" name="Ellipse 143"/>
           <p:cNvSpPr/>
           <p:nvPr/>
         </p:nvSpPr>
@@ -6640,7 +6966,7 @@
       </p:sp>
       <p:sp>
         <p:nvSpPr>
-          <p:cNvPr id="59" name="Ellipse 58"/>
+          <p:cNvPr id="145" name="Ellipse 144"/>
           <p:cNvSpPr/>
           <p:nvPr/>
         </p:nvSpPr>
@@ -6688,7 +7014,7 @@
       </p:sp>
       <p:sp>
         <p:nvSpPr>
-          <p:cNvPr id="60" name="Ellipse 59"/>
+          <p:cNvPr id="146" name="Ellipse 145"/>
           <p:cNvSpPr/>
           <p:nvPr/>
         </p:nvSpPr>
@@ -6736,7 +7062,7 @@
       </p:sp>
       <p:sp>
         <p:nvSpPr>
-          <p:cNvPr id="61" name="Ellipse 60"/>
+          <p:cNvPr id="147" name="Ellipse 146"/>
           <p:cNvSpPr/>
           <p:nvPr/>
         </p:nvSpPr>
@@ -6784,7 +7110,7 @@
       </p:sp>
       <p:sp>
         <p:nvSpPr>
-          <p:cNvPr id="62" name="Ellipse 61"/>
+          <p:cNvPr id="148" name="Ellipse 147"/>
           <p:cNvSpPr/>
           <p:nvPr/>
         </p:nvSpPr>
@@ -6832,7 +7158,7 @@
       </p:sp>
       <p:sp>
         <p:nvSpPr>
-          <p:cNvPr id="63" name="Ellipse 62"/>
+          <p:cNvPr id="149" name="Ellipse 148"/>
           <p:cNvSpPr/>
           <p:nvPr/>
         </p:nvSpPr>
@@ -6880,7 +7206,7 @@
       </p:sp>
       <p:sp>
         <p:nvSpPr>
-          <p:cNvPr id="64" name="Ellipse 63"/>
+          <p:cNvPr id="150" name="Ellipse 149"/>
           <p:cNvSpPr/>
           <p:nvPr/>
         </p:nvSpPr>
@@ -6928,7 +7254,7 @@
       </p:sp>
       <p:sp>
         <p:nvSpPr>
-          <p:cNvPr id="65" name="Ellipse 64"/>
+          <p:cNvPr id="151" name="Ellipse 150"/>
           <p:cNvSpPr/>
           <p:nvPr/>
         </p:nvSpPr>
@@ -6976,7 +7302,7 @@
       </p:sp>
       <p:sp>
         <p:nvSpPr>
-          <p:cNvPr id="66" name="Ellipse 65"/>
+          <p:cNvPr id="152" name="Ellipse 151"/>
           <p:cNvSpPr/>
           <p:nvPr/>
         </p:nvSpPr>
@@ -7024,7 +7350,7 @@
       </p:sp>
       <p:sp>
         <p:nvSpPr>
-          <p:cNvPr id="67" name="Ellipse 66"/>
+          <p:cNvPr id="153" name="Ellipse 152"/>
           <p:cNvSpPr/>
           <p:nvPr/>
         </p:nvSpPr>
@@ -7072,7 +7398,7 @@
       </p:sp>
       <p:sp>
         <p:nvSpPr>
-          <p:cNvPr id="68" name="Ellipse 67"/>
+          <p:cNvPr id="154" name="Ellipse 153"/>
           <p:cNvSpPr/>
           <p:nvPr/>
         </p:nvSpPr>
@@ -7120,13 +7446,13 @@
       </p:sp>
       <p:sp>
         <p:nvSpPr>
-          <p:cNvPr id="69" name="Rectangle à coins arrondis 68"/>
+          <p:cNvPr id="155" name="Rectangle à coins arrondis 154"/>
           <p:cNvSpPr/>
           <p:nvPr/>
         </p:nvSpPr>
         <p:spPr>
           <a:xfrm>
-            <a:off x="8216191" y="3231886"/>
+            <a:off x="8061536" y="3169120"/>
             <a:ext cx="474781" cy="126705"/>
           </a:xfrm>
           <a:prstGeom prst="roundRect">
@@ -7168,13 +7494,13 @@
       </p:sp>
       <p:sp>
         <p:nvSpPr>
-          <p:cNvPr id="70" name="Rectangle à coins arrondis 69"/>
+          <p:cNvPr id="156" name="Rectangle à coins arrondis 155"/>
           <p:cNvSpPr/>
           <p:nvPr/>
         </p:nvSpPr>
         <p:spPr>
           <a:xfrm>
-            <a:off x="8216191" y="3405737"/>
+            <a:off x="8061536" y="3342971"/>
             <a:ext cx="474781" cy="126705"/>
           </a:xfrm>
           <a:prstGeom prst="roundRect">
@@ -7216,13 +7542,13 @@
       </p:sp>
       <p:sp>
         <p:nvSpPr>
-          <p:cNvPr id="71" name="Rectangle à coins arrondis 70"/>
+          <p:cNvPr id="157" name="Rectangle à coins arrondis 156"/>
           <p:cNvSpPr/>
           <p:nvPr/>
         </p:nvSpPr>
         <p:spPr>
           <a:xfrm>
-            <a:off x="8229263" y="3585069"/>
+            <a:off x="8074608" y="3522303"/>
             <a:ext cx="474781" cy="126705"/>
           </a:xfrm>
           <a:prstGeom prst="roundRect">
@@ -7264,13 +7590,13 @@
       </p:sp>
       <p:sp>
         <p:nvSpPr>
-          <p:cNvPr id="72" name="Rectangle à coins arrondis 71"/>
+          <p:cNvPr id="158" name="Rectangle à coins arrondis 157"/>
           <p:cNvSpPr/>
           <p:nvPr/>
         </p:nvSpPr>
         <p:spPr>
           <a:xfrm>
-            <a:off x="8229263" y="3766136"/>
+            <a:off x="8074608" y="3703370"/>
             <a:ext cx="474781" cy="126705"/>
           </a:xfrm>
           <a:prstGeom prst="roundRect">
@@ -7312,13 +7638,13 @@
       </p:sp>
       <p:cxnSp>
         <p:nvCxnSpPr>
-          <p:cNvPr id="75" name="Connecteur droit 74"/>
+          <p:cNvPr id="159" name="Connecteur droit 158"/>
           <p:cNvCxnSpPr/>
           <p:nvPr/>
         </p:nvCxnSpPr>
         <p:spPr>
           <a:xfrm>
-            <a:off x="6302298" y="4770040"/>
+            <a:off x="6721881" y="4802265"/>
             <a:ext cx="856325" cy="5080"/>
           </a:xfrm>
           <a:prstGeom prst="line">
@@ -7349,13 +7675,13 @@
       </p:cxnSp>
       <p:sp>
         <p:nvSpPr>
-          <p:cNvPr id="76" name="Rectangle à coins arrondis 75"/>
+          <p:cNvPr id="160" name="Rectangle à coins arrondis 159"/>
           <p:cNvSpPr/>
           <p:nvPr/>
         </p:nvSpPr>
         <p:spPr>
           <a:xfrm>
-            <a:off x="6009471" y="4901522"/>
+            <a:off x="6429054" y="4933747"/>
             <a:ext cx="685970" cy="242930"/>
           </a:xfrm>
           <a:prstGeom prst="roundRect">
@@ -7401,13 +7727,13 @@
       </p:sp>
       <p:sp>
         <p:nvSpPr>
-          <p:cNvPr id="77" name="Rectangle à coins arrondis 76"/>
+          <p:cNvPr id="161" name="Rectangle à coins arrondis 160"/>
           <p:cNvSpPr/>
           <p:nvPr/>
         </p:nvSpPr>
         <p:spPr>
           <a:xfrm>
-            <a:off x="6765704" y="4901522"/>
+            <a:off x="7185287" y="4933747"/>
             <a:ext cx="685970" cy="242930"/>
           </a:xfrm>
           <a:prstGeom prst="roundRect">
@@ -7449,13 +7775,13 @@
       </p:sp>
       <p:cxnSp>
         <p:nvCxnSpPr>
-          <p:cNvPr id="88" name="Connecteur droit 87"/>
+          <p:cNvPr id="162" name="Connecteur droit 161"/>
           <p:cNvCxnSpPr/>
           <p:nvPr/>
         </p:nvCxnSpPr>
         <p:spPr>
           <a:xfrm>
-            <a:off x="6009471" y="5272764"/>
+            <a:off x="6429054" y="5304989"/>
             <a:ext cx="685970" cy="5080"/>
           </a:xfrm>
           <a:prstGeom prst="line">
@@ -7486,13 +7812,13 @@
       </p:cxnSp>
       <p:cxnSp>
         <p:nvCxnSpPr>
-          <p:cNvPr id="90" name="Connecteur droit 89"/>
+          <p:cNvPr id="163" name="Connecteur droit 162"/>
           <p:cNvCxnSpPr/>
           <p:nvPr/>
         </p:nvCxnSpPr>
         <p:spPr>
           <a:xfrm>
-            <a:off x="6009471" y="5338667"/>
+            <a:off x="6429054" y="5370892"/>
             <a:ext cx="685970" cy="5080"/>
           </a:xfrm>
           <a:prstGeom prst="line">
@@ -7523,13 +7849,13 @@
       </p:cxnSp>
       <p:cxnSp>
         <p:nvCxnSpPr>
-          <p:cNvPr id="91" name="Connecteur droit 90"/>
+          <p:cNvPr id="164" name="Connecteur droit 163"/>
           <p:cNvCxnSpPr/>
           <p:nvPr/>
         </p:nvCxnSpPr>
         <p:spPr>
           <a:xfrm>
-            <a:off x="6009471" y="5408736"/>
+            <a:off x="6429054" y="5440961"/>
             <a:ext cx="685970" cy="5080"/>
           </a:xfrm>
           <a:prstGeom prst="line">
@@ -7560,13 +7886,13 @@
       </p:cxnSp>
       <p:cxnSp>
         <p:nvCxnSpPr>
-          <p:cNvPr id="92" name="Connecteur droit 91"/>
+          <p:cNvPr id="165" name="Connecteur droit 164"/>
           <p:cNvCxnSpPr/>
           <p:nvPr/>
         </p:nvCxnSpPr>
         <p:spPr>
           <a:xfrm>
-            <a:off x="6009471" y="5475559"/>
+            <a:off x="6429054" y="5507784"/>
             <a:ext cx="685970" cy="5080"/>
           </a:xfrm>
           <a:prstGeom prst="line">
@@ -7597,13 +7923,13 @@
       </p:cxnSp>
       <p:cxnSp>
         <p:nvCxnSpPr>
-          <p:cNvPr id="93" name="Connecteur droit 92"/>
+          <p:cNvPr id="166" name="Connecteur droit 165"/>
           <p:cNvCxnSpPr/>
           <p:nvPr/>
         </p:nvCxnSpPr>
         <p:spPr>
           <a:xfrm>
-            <a:off x="6766150" y="5267684"/>
+            <a:off x="7185733" y="5299909"/>
             <a:ext cx="685970" cy="5080"/>
           </a:xfrm>
           <a:prstGeom prst="line">
@@ -7634,13 +7960,13 @@
       </p:cxnSp>
       <p:cxnSp>
         <p:nvCxnSpPr>
-          <p:cNvPr id="94" name="Connecteur droit 93"/>
+          <p:cNvPr id="167" name="Connecteur droit 166"/>
           <p:cNvCxnSpPr/>
           <p:nvPr/>
         </p:nvCxnSpPr>
         <p:spPr>
           <a:xfrm>
-            <a:off x="6766150" y="5333587"/>
+            <a:off x="7185733" y="5365812"/>
             <a:ext cx="685970" cy="5080"/>
           </a:xfrm>
           <a:prstGeom prst="line">
@@ -7671,13 +7997,13 @@
       </p:cxnSp>
       <p:cxnSp>
         <p:nvCxnSpPr>
-          <p:cNvPr id="95" name="Connecteur droit 94"/>
+          <p:cNvPr id="168" name="Connecteur droit 167"/>
           <p:cNvCxnSpPr/>
           <p:nvPr/>
         </p:nvCxnSpPr>
         <p:spPr>
           <a:xfrm>
-            <a:off x="6766150" y="5403656"/>
+            <a:off x="7185733" y="5435881"/>
             <a:ext cx="685970" cy="5080"/>
           </a:xfrm>
           <a:prstGeom prst="line">
@@ -7708,13 +8034,13 @@
       </p:cxnSp>
       <p:cxnSp>
         <p:nvCxnSpPr>
-          <p:cNvPr id="96" name="Connecteur droit 95"/>
+          <p:cNvPr id="169" name="Connecteur droit 168"/>
           <p:cNvCxnSpPr/>
           <p:nvPr/>
         </p:nvCxnSpPr>
         <p:spPr>
           <a:xfrm>
-            <a:off x="6766150" y="5470479"/>
+            <a:off x="7185733" y="5502704"/>
             <a:ext cx="685970" cy="5080"/>
           </a:xfrm>
           <a:prstGeom prst="line">
@@ -7745,13 +8071,13 @@
       </p:cxnSp>
       <p:sp>
         <p:nvSpPr>
-          <p:cNvPr id="97" name="Rectangle à coins arrondis 96"/>
+          <p:cNvPr id="170" name="Rectangle à coins arrondis 169"/>
           <p:cNvSpPr/>
           <p:nvPr/>
         </p:nvSpPr>
         <p:spPr>
           <a:xfrm>
-            <a:off x="3859393" y="5349014"/>
+            <a:off x="3859393" y="5757602"/>
             <a:ext cx="685970" cy="242930"/>
           </a:xfrm>
           <a:prstGeom prst="roundRect">
@@ -7793,13 +8119,13 @@
       </p:sp>
       <p:cxnSp>
         <p:nvCxnSpPr>
-          <p:cNvPr id="98" name="Connecteur droit 97"/>
+          <p:cNvPr id="171" name="Connecteur droit 170"/>
           <p:cNvCxnSpPr/>
           <p:nvPr/>
         </p:nvCxnSpPr>
         <p:spPr>
           <a:xfrm>
-            <a:off x="4143835" y="5733867"/>
+            <a:off x="4143835" y="6142455"/>
             <a:ext cx="856325" cy="5080"/>
           </a:xfrm>
           <a:prstGeom prst="line">
@@ -7830,13 +8156,13 @@
       </p:cxnSp>
       <p:cxnSp>
         <p:nvCxnSpPr>
-          <p:cNvPr id="99" name="Connecteur droit 98"/>
+          <p:cNvPr id="172" name="Connecteur droit 171"/>
           <p:cNvCxnSpPr/>
           <p:nvPr/>
         </p:nvCxnSpPr>
         <p:spPr>
           <a:xfrm>
-            <a:off x="4143835" y="5850337"/>
+            <a:off x="4143835" y="6258925"/>
             <a:ext cx="856325" cy="5080"/>
           </a:xfrm>
           <a:prstGeom prst="line">
@@ -7867,13 +8193,13 @@
       </p:cxnSp>
       <p:cxnSp>
         <p:nvCxnSpPr>
-          <p:cNvPr id="100" name="Connecteur droit 99"/>
+          <p:cNvPr id="173" name="Connecteur droit 172"/>
           <p:cNvCxnSpPr/>
           <p:nvPr/>
         </p:nvCxnSpPr>
         <p:spPr>
           <a:xfrm>
-            <a:off x="4143835" y="5961276"/>
+            <a:off x="4143835" y="6369864"/>
             <a:ext cx="856325" cy="5080"/>
           </a:xfrm>
           <a:prstGeom prst="line">
@@ -7904,13 +8230,13 @@
       </p:cxnSp>
       <p:cxnSp>
         <p:nvCxnSpPr>
-          <p:cNvPr id="101" name="Connecteur droit 100"/>
+          <p:cNvPr id="174" name="Connecteur droit 173"/>
           <p:cNvCxnSpPr/>
           <p:nvPr/>
         </p:nvCxnSpPr>
         <p:spPr>
           <a:xfrm>
-            <a:off x="4143835" y="6072215"/>
+            <a:off x="4143835" y="6480803"/>
             <a:ext cx="856325" cy="5080"/>
           </a:xfrm>
           <a:prstGeom prst="line">
@@ -7941,16 +8267,612 @@
       </p:cxnSp>
       <p:cxnSp>
         <p:nvCxnSpPr>
-          <p:cNvPr id="102" name="Connecteur droit 101"/>
+          <p:cNvPr id="175" name="Connecteur droit 174"/>
           <p:cNvCxnSpPr/>
           <p:nvPr/>
         </p:nvCxnSpPr>
         <p:spPr>
           <a:xfrm>
-            <a:off x="4736757" y="5478099"/>
+            <a:off x="4736757" y="5886687"/>
             <a:ext cx="446218" cy="0"/>
           </a:xfrm>
           <a:prstGeom prst="line">
+            <a:avLst/>
+          </a:prstGeom>
+          <a:ln w="19050">
+            <a:solidFill>
+              <a:schemeClr val="bg2">
+                <a:lumMod val="50000"/>
+              </a:schemeClr>
+            </a:solidFill>
+          </a:ln>
+        </p:spPr>
+        <p:style>
+          <a:lnRef idx="1">
+            <a:schemeClr val="accent1"/>
+          </a:lnRef>
+          <a:fillRef idx="0">
+            <a:schemeClr val="accent1"/>
+          </a:fillRef>
+          <a:effectRef idx="0">
+            <a:schemeClr val="accent1"/>
+          </a:effectRef>
+          <a:fontRef idx="minor">
+            <a:schemeClr val="tx1"/>
+          </a:fontRef>
+        </p:style>
+      </p:cxnSp>
+      <p:sp>
+        <p:nvSpPr>
+          <p:cNvPr id="176" name="Rectangle à coins arrondis 175"/>
+          <p:cNvSpPr/>
+          <p:nvPr/>
+        </p:nvSpPr>
+        <p:spPr>
+          <a:xfrm>
+            <a:off x="2465927" y="3173349"/>
+            <a:ext cx="685970" cy="242930"/>
+          </a:xfrm>
+          <a:prstGeom prst="roundRect">
+            <a:avLst/>
+          </a:prstGeom>
+          <a:noFill/>
+          <a:ln w="19050">
+            <a:solidFill>
+              <a:schemeClr val="bg2">
+                <a:lumMod val="50000"/>
+              </a:schemeClr>
+            </a:solidFill>
+          </a:ln>
+        </p:spPr>
+        <p:style>
+          <a:lnRef idx="2">
+            <a:schemeClr val="accent1">
+              <a:shade val="50000"/>
+            </a:schemeClr>
+          </a:lnRef>
+          <a:fillRef idx="1">
+            <a:schemeClr val="accent1"/>
+          </a:fillRef>
+          <a:effectRef idx="0">
+            <a:schemeClr val="accent1"/>
+          </a:effectRef>
+          <a:fontRef idx="minor">
+            <a:schemeClr val="lt1"/>
+          </a:fontRef>
+        </p:style>
+        <p:txBody>
+          <a:bodyPr rtlCol="0" anchor="ctr"/>
+          <a:lstStyle/>
+          <a:p>
+            <a:pPr algn="ctr"/>
+            <a:r>
+              <a:rPr lang="fr-FR" dirty="0" smtClean="0"/>
+              <a:t>v</a:t>
+            </a:r>
+            <a:endParaRPr lang="fr-FR" dirty="0"/>
+          </a:p>
+        </p:txBody>
+      </p:sp>
+      <p:sp>
+        <p:nvSpPr>
+          <p:cNvPr id="177" name="Rectangle à coins arrondis 176"/>
+          <p:cNvSpPr/>
+          <p:nvPr/>
+        </p:nvSpPr>
+        <p:spPr>
+          <a:xfrm>
+            <a:off x="1721489" y="3173349"/>
+            <a:ext cx="685970" cy="242930"/>
+          </a:xfrm>
+          <a:prstGeom prst="roundRect">
+            <a:avLst/>
+          </a:prstGeom>
+          <a:noFill/>
+          <a:ln w="19050">
+            <a:solidFill>
+              <a:schemeClr val="bg2">
+                <a:lumMod val="50000"/>
+              </a:schemeClr>
+            </a:solidFill>
+          </a:ln>
+        </p:spPr>
+        <p:style>
+          <a:lnRef idx="2">
+            <a:schemeClr val="accent1">
+              <a:shade val="50000"/>
+            </a:schemeClr>
+          </a:lnRef>
+          <a:fillRef idx="1">
+            <a:schemeClr val="accent1"/>
+          </a:fillRef>
+          <a:effectRef idx="0">
+            <a:schemeClr val="accent1"/>
+          </a:effectRef>
+          <a:fontRef idx="minor">
+            <a:schemeClr val="lt1"/>
+          </a:fontRef>
+        </p:style>
+        <p:txBody>
+          <a:bodyPr rtlCol="0" anchor="ctr"/>
+          <a:lstStyle/>
+          <a:p>
+            <a:pPr algn="ctr"/>
+            <a:r>
+              <a:rPr lang="fr-FR" dirty="0" smtClean="0"/>
+              <a:t>v</a:t>
+            </a:r>
+            <a:endParaRPr lang="fr-FR" dirty="0"/>
+          </a:p>
+        </p:txBody>
+      </p:sp>
+      <p:sp>
+        <p:nvSpPr>
+          <p:cNvPr id="178" name="Rectangle à coins arrondis 177"/>
+          <p:cNvSpPr/>
+          <p:nvPr/>
+        </p:nvSpPr>
+        <p:spPr>
+          <a:xfrm>
+            <a:off x="2483350" y="5244346"/>
+            <a:ext cx="685970" cy="297729"/>
+          </a:xfrm>
+          <a:prstGeom prst="roundRect">
+            <a:avLst/>
+          </a:prstGeom>
+          <a:noFill/>
+          <a:ln w="19050">
+            <a:solidFill>
+              <a:schemeClr val="bg2">
+                <a:lumMod val="50000"/>
+              </a:schemeClr>
+            </a:solidFill>
+          </a:ln>
+        </p:spPr>
+        <p:style>
+          <a:lnRef idx="2">
+            <a:schemeClr val="accent1">
+              <a:shade val="50000"/>
+            </a:schemeClr>
+          </a:lnRef>
+          <a:fillRef idx="1">
+            <a:schemeClr val="accent1"/>
+          </a:fillRef>
+          <a:effectRef idx="0">
+            <a:schemeClr val="accent1"/>
+          </a:effectRef>
+          <a:fontRef idx="minor">
+            <a:schemeClr val="lt1"/>
+          </a:fontRef>
+        </p:style>
+        <p:txBody>
+          <a:bodyPr rtlCol="0" anchor="ctr"/>
+          <a:lstStyle/>
+          <a:p>
+            <a:pPr algn="ctr"/>
+            <a:r>
+              <a:rPr lang="fr-FR" dirty="0" smtClean="0"/>
+              <a:t>v</a:t>
+            </a:r>
+            <a:endParaRPr lang="fr-FR" dirty="0"/>
+          </a:p>
+        </p:txBody>
+      </p:sp>
+      <p:sp>
+        <p:nvSpPr>
+          <p:cNvPr id="179" name="Rectangle à coins arrondis 178"/>
+          <p:cNvSpPr/>
+          <p:nvPr/>
+        </p:nvSpPr>
+        <p:spPr>
+          <a:xfrm>
+            <a:off x="2097726" y="4769489"/>
+            <a:ext cx="594991" cy="178332"/>
+          </a:xfrm>
+          <a:prstGeom prst="roundRect">
+            <a:avLst/>
+          </a:prstGeom>
+          <a:noFill/>
+          <a:ln w="19050">
+            <a:solidFill>
+              <a:schemeClr val="bg2">
+                <a:lumMod val="50000"/>
+              </a:schemeClr>
+            </a:solidFill>
+          </a:ln>
+        </p:spPr>
+        <p:style>
+          <a:lnRef idx="2">
+            <a:schemeClr val="accent1">
+              <a:shade val="50000"/>
+            </a:schemeClr>
+          </a:lnRef>
+          <a:fillRef idx="1">
+            <a:schemeClr val="accent1"/>
+          </a:fillRef>
+          <a:effectRef idx="0">
+            <a:schemeClr val="accent1"/>
+          </a:effectRef>
+          <a:fontRef idx="minor">
+            <a:schemeClr val="lt1"/>
+          </a:fontRef>
+        </p:style>
+        <p:txBody>
+          <a:bodyPr rtlCol="0" anchor="ctr"/>
+          <a:lstStyle/>
+          <a:p>
+            <a:pPr algn="ctr"/>
+            <a:r>
+              <a:rPr lang="fr-FR" dirty="0" smtClean="0"/>
+              <a:t>v</a:t>
+            </a:r>
+            <a:endParaRPr lang="fr-FR" dirty="0"/>
+          </a:p>
+        </p:txBody>
+      </p:sp>
+      <p:sp>
+        <p:nvSpPr>
+          <p:cNvPr id="180" name="Rectangle à coins arrondis 179"/>
+          <p:cNvSpPr/>
+          <p:nvPr/>
+        </p:nvSpPr>
+        <p:spPr>
+          <a:xfrm>
+            <a:off x="2917314" y="4769489"/>
+            <a:ext cx="594991" cy="178332"/>
+          </a:xfrm>
+          <a:prstGeom prst="roundRect">
+            <a:avLst/>
+          </a:prstGeom>
+          <a:noFill/>
+          <a:ln w="19050">
+            <a:solidFill>
+              <a:schemeClr val="bg2">
+                <a:lumMod val="50000"/>
+              </a:schemeClr>
+            </a:solidFill>
+          </a:ln>
+        </p:spPr>
+        <p:style>
+          <a:lnRef idx="2">
+            <a:schemeClr val="accent1">
+              <a:shade val="50000"/>
+            </a:schemeClr>
+          </a:lnRef>
+          <a:fillRef idx="1">
+            <a:schemeClr val="accent1"/>
+          </a:fillRef>
+          <a:effectRef idx="0">
+            <a:schemeClr val="accent1"/>
+          </a:effectRef>
+          <a:fontRef idx="minor">
+            <a:schemeClr val="lt1"/>
+          </a:fontRef>
+        </p:style>
+        <p:txBody>
+          <a:bodyPr rtlCol="0" anchor="ctr"/>
+          <a:lstStyle/>
+          <a:p>
+            <a:pPr algn="ctr"/>
+            <a:r>
+              <a:rPr lang="fr-FR" dirty="0" smtClean="0"/>
+              <a:t>v</a:t>
+            </a:r>
+            <a:endParaRPr lang="fr-FR" dirty="0"/>
+          </a:p>
+        </p:txBody>
+      </p:sp>
+      <p:sp>
+        <p:nvSpPr>
+          <p:cNvPr id="181" name="Rectangle à coins arrondis 180"/>
+          <p:cNvSpPr/>
+          <p:nvPr/>
+        </p:nvSpPr>
+        <p:spPr>
+          <a:xfrm>
+            <a:off x="2097726" y="4994412"/>
+            <a:ext cx="594991" cy="178332"/>
+          </a:xfrm>
+          <a:prstGeom prst="roundRect">
+            <a:avLst/>
+          </a:prstGeom>
+          <a:noFill/>
+          <a:ln w="19050">
+            <a:solidFill>
+              <a:schemeClr val="bg2">
+                <a:lumMod val="50000"/>
+              </a:schemeClr>
+            </a:solidFill>
+          </a:ln>
+        </p:spPr>
+        <p:style>
+          <a:lnRef idx="2">
+            <a:schemeClr val="accent1">
+              <a:shade val="50000"/>
+            </a:schemeClr>
+          </a:lnRef>
+          <a:fillRef idx="1">
+            <a:schemeClr val="accent1"/>
+          </a:fillRef>
+          <a:effectRef idx="0">
+            <a:schemeClr val="accent1"/>
+          </a:effectRef>
+          <a:fontRef idx="minor">
+            <a:schemeClr val="lt1"/>
+          </a:fontRef>
+        </p:style>
+        <p:txBody>
+          <a:bodyPr rtlCol="0" anchor="ctr"/>
+          <a:lstStyle/>
+          <a:p>
+            <a:pPr algn="ctr"/>
+            <a:r>
+              <a:rPr lang="fr-FR" dirty="0" smtClean="0"/>
+              <a:t>v</a:t>
+            </a:r>
+            <a:endParaRPr lang="fr-FR" dirty="0"/>
+          </a:p>
+        </p:txBody>
+      </p:sp>
+      <p:sp>
+        <p:nvSpPr>
+          <p:cNvPr id="182" name="Rectangle à coins arrondis 181"/>
+          <p:cNvSpPr/>
+          <p:nvPr/>
+        </p:nvSpPr>
+        <p:spPr>
+          <a:xfrm>
+            <a:off x="2917313" y="4994412"/>
+            <a:ext cx="594991" cy="178332"/>
+          </a:xfrm>
+          <a:prstGeom prst="roundRect">
+            <a:avLst/>
+          </a:prstGeom>
+          <a:noFill/>
+          <a:ln w="19050">
+            <a:solidFill>
+              <a:schemeClr val="bg2">
+                <a:lumMod val="50000"/>
+              </a:schemeClr>
+            </a:solidFill>
+          </a:ln>
+        </p:spPr>
+        <p:style>
+          <a:lnRef idx="2">
+            <a:schemeClr val="accent1">
+              <a:shade val="50000"/>
+            </a:schemeClr>
+          </a:lnRef>
+          <a:fillRef idx="1">
+            <a:schemeClr val="accent1"/>
+          </a:fillRef>
+          <a:effectRef idx="0">
+            <a:schemeClr val="accent1"/>
+          </a:effectRef>
+          <a:fontRef idx="minor">
+            <a:schemeClr val="lt1"/>
+          </a:fontRef>
+        </p:style>
+        <p:txBody>
+          <a:bodyPr rtlCol="0" anchor="ctr"/>
+          <a:lstStyle/>
+          <a:p>
+            <a:pPr algn="ctr"/>
+            <a:r>
+              <a:rPr lang="fr-FR" dirty="0" smtClean="0"/>
+              <a:t>v</a:t>
+            </a:r>
+            <a:endParaRPr lang="fr-FR" dirty="0"/>
+          </a:p>
+        </p:txBody>
+      </p:sp>
+      <p:sp>
+        <p:nvSpPr>
+          <p:cNvPr id="183" name="Rectangle à coins arrondis 182"/>
+          <p:cNvSpPr/>
+          <p:nvPr/>
+        </p:nvSpPr>
+        <p:spPr>
+          <a:xfrm>
+            <a:off x="196861" y="3227588"/>
+            <a:ext cx="474781" cy="126705"/>
+          </a:xfrm>
+          <a:prstGeom prst="roundRect">
+            <a:avLst/>
+          </a:prstGeom>
+          <a:noFill/>
+          <a:ln w="19050">
+            <a:solidFill>
+              <a:schemeClr val="bg2">
+                <a:lumMod val="50000"/>
+              </a:schemeClr>
+            </a:solidFill>
+          </a:ln>
+        </p:spPr>
+        <p:style>
+          <a:lnRef idx="2">
+            <a:schemeClr val="accent1">
+              <a:shade val="50000"/>
+            </a:schemeClr>
+          </a:lnRef>
+          <a:fillRef idx="1">
+            <a:schemeClr val="accent1"/>
+          </a:fillRef>
+          <a:effectRef idx="0">
+            <a:schemeClr val="accent1"/>
+          </a:effectRef>
+          <a:fontRef idx="minor">
+            <a:schemeClr val="lt1"/>
+          </a:fontRef>
+        </p:style>
+        <p:txBody>
+          <a:bodyPr rtlCol="0" anchor="ctr"/>
+          <a:lstStyle/>
+          <a:p>
+            <a:pPr algn="ctr"/>
+            <a:endParaRPr lang="fr-FR"/>
+          </a:p>
+        </p:txBody>
+      </p:sp>
+      <p:sp>
+        <p:nvSpPr>
+          <p:cNvPr id="184" name="Rectangle à coins arrondis 183"/>
+          <p:cNvSpPr/>
+          <p:nvPr/>
+        </p:nvSpPr>
+        <p:spPr>
+          <a:xfrm>
+            <a:off x="196861" y="3401439"/>
+            <a:ext cx="474781" cy="126705"/>
+          </a:xfrm>
+          <a:prstGeom prst="roundRect">
+            <a:avLst/>
+          </a:prstGeom>
+          <a:noFill/>
+          <a:ln w="19050">
+            <a:solidFill>
+              <a:schemeClr val="bg2">
+                <a:lumMod val="50000"/>
+              </a:schemeClr>
+            </a:solidFill>
+          </a:ln>
+        </p:spPr>
+        <p:style>
+          <a:lnRef idx="2">
+            <a:schemeClr val="accent1">
+              <a:shade val="50000"/>
+            </a:schemeClr>
+          </a:lnRef>
+          <a:fillRef idx="1">
+            <a:schemeClr val="accent1"/>
+          </a:fillRef>
+          <a:effectRef idx="0">
+            <a:schemeClr val="accent1"/>
+          </a:effectRef>
+          <a:fontRef idx="minor">
+            <a:schemeClr val="lt1"/>
+          </a:fontRef>
+        </p:style>
+        <p:txBody>
+          <a:bodyPr rtlCol="0" anchor="ctr"/>
+          <a:lstStyle/>
+          <a:p>
+            <a:pPr algn="ctr"/>
+            <a:endParaRPr lang="fr-FR"/>
+          </a:p>
+        </p:txBody>
+      </p:sp>
+      <p:sp>
+        <p:nvSpPr>
+          <p:cNvPr id="185" name="Rectangle à coins arrondis 184"/>
+          <p:cNvSpPr/>
+          <p:nvPr/>
+        </p:nvSpPr>
+        <p:spPr>
+          <a:xfrm>
+            <a:off x="209933" y="3580771"/>
+            <a:ext cx="474781" cy="126705"/>
+          </a:xfrm>
+          <a:prstGeom prst="roundRect">
+            <a:avLst/>
+          </a:prstGeom>
+          <a:noFill/>
+          <a:ln w="19050">
+            <a:solidFill>
+              <a:schemeClr val="bg2">
+                <a:lumMod val="50000"/>
+              </a:schemeClr>
+            </a:solidFill>
+          </a:ln>
+        </p:spPr>
+        <p:style>
+          <a:lnRef idx="2">
+            <a:schemeClr val="accent1">
+              <a:shade val="50000"/>
+            </a:schemeClr>
+          </a:lnRef>
+          <a:fillRef idx="1">
+            <a:schemeClr val="accent1"/>
+          </a:fillRef>
+          <a:effectRef idx="0">
+            <a:schemeClr val="accent1"/>
+          </a:effectRef>
+          <a:fontRef idx="minor">
+            <a:schemeClr val="lt1"/>
+          </a:fontRef>
+        </p:style>
+        <p:txBody>
+          <a:bodyPr rtlCol="0" anchor="ctr"/>
+          <a:lstStyle/>
+          <a:p>
+            <a:pPr algn="ctr"/>
+            <a:endParaRPr lang="fr-FR"/>
+          </a:p>
+        </p:txBody>
+      </p:sp>
+      <p:sp>
+        <p:nvSpPr>
+          <p:cNvPr id="186" name="Rectangle à coins arrondis 185"/>
+          <p:cNvSpPr/>
+          <p:nvPr/>
+        </p:nvSpPr>
+        <p:spPr>
+          <a:xfrm>
+            <a:off x="209933" y="3761838"/>
+            <a:ext cx="474781" cy="126705"/>
+          </a:xfrm>
+          <a:prstGeom prst="roundRect">
+            <a:avLst/>
+          </a:prstGeom>
+          <a:noFill/>
+          <a:ln w="19050">
+            <a:solidFill>
+              <a:schemeClr val="bg2">
+                <a:lumMod val="50000"/>
+              </a:schemeClr>
+            </a:solidFill>
+          </a:ln>
+        </p:spPr>
+        <p:style>
+          <a:lnRef idx="2">
+            <a:schemeClr val="accent1">
+              <a:shade val="50000"/>
+            </a:schemeClr>
+          </a:lnRef>
+          <a:fillRef idx="1">
+            <a:schemeClr val="accent1"/>
+          </a:fillRef>
+          <a:effectRef idx="0">
+            <a:schemeClr val="accent1"/>
+          </a:effectRef>
+          <a:fontRef idx="minor">
+            <a:schemeClr val="lt1"/>
+          </a:fontRef>
+        </p:style>
+        <p:txBody>
+          <a:bodyPr rtlCol="0" anchor="ctr"/>
+          <a:lstStyle/>
+          <a:p>
+            <a:pPr algn="ctr"/>
+            <a:endParaRPr lang="fr-FR"/>
+          </a:p>
+        </p:txBody>
+      </p:sp>
+      <p:cxnSp>
+        <p:nvCxnSpPr>
+          <p:cNvPr id="187" name="Connecteur en angle 186"/>
+          <p:cNvCxnSpPr>
+            <a:stCxn id="133" idx="1"/>
+            <a:endCxn id="130" idx="0"/>
+          </p:cNvCxnSpPr>
+          <p:nvPr/>
+        </p:nvCxnSpPr>
+        <p:spPr>
+          <a:xfrm rot="10800000" flipV="1">
+            <a:off x="2438398" y="2482164"/>
+            <a:ext cx="1705438" cy="248261"/>
+          </a:xfrm>
+          <a:prstGeom prst="bentConnector2">
             <a:avLst/>
           </a:prstGeom>
           <a:ln w="19050">
@@ -7978,16 +8900,19 @@
       </p:cxnSp>
       <p:cxnSp>
         <p:nvCxnSpPr>
-          <p:cNvPr id="105" name="Connecteur droit 104"/>
-          <p:cNvCxnSpPr/>
+          <p:cNvPr id="188" name="Connecteur en angle 187"/>
+          <p:cNvCxnSpPr>
+            <a:stCxn id="132" idx="3"/>
+            <a:endCxn id="109" idx="0"/>
+          </p:cNvCxnSpPr>
           <p:nvPr/>
         </p:nvCxnSpPr>
         <p:spPr>
           <a:xfrm>
-            <a:off x="2005539" y="3593119"/>
-            <a:ext cx="856325" cy="5080"/>
-          </a:xfrm>
-          <a:prstGeom prst="line">
+            <a:off x="5000161" y="2245659"/>
+            <a:ext cx="1730302" cy="484767"/>
+          </a:xfrm>
+          <a:prstGeom prst="bentConnector2">
             <a:avLst/>
           </a:prstGeom>
           <a:ln w="19050">
@@ -8015,14 +8940,17 @@
       </p:cxnSp>
       <p:cxnSp>
         <p:nvCxnSpPr>
-          <p:cNvPr id="106" name="Connecteur droit 105"/>
-          <p:cNvCxnSpPr/>
+          <p:cNvPr id="189" name="Connecteur droit 188"/>
+          <p:cNvCxnSpPr>
+            <a:stCxn id="142" idx="6"/>
+            <a:endCxn id="89" idx="1"/>
+          </p:cNvCxnSpPr>
           <p:nvPr/>
         </p:nvCxnSpPr>
         <p:spPr>
-          <a:xfrm>
-            <a:off x="2005538" y="3690295"/>
-            <a:ext cx="856325" cy="5080"/>
+          <a:xfrm flipV="1">
+            <a:off x="7346091" y="3489879"/>
+            <a:ext cx="603348" cy="1"/>
           </a:xfrm>
           <a:prstGeom prst="line">
             <a:avLst/>
@@ -8052,14 +8980,17 @@
       </p:cxnSp>
       <p:cxnSp>
         <p:nvCxnSpPr>
-          <p:cNvPr id="107" name="Connecteur droit 106"/>
-          <p:cNvCxnSpPr/>
+          <p:cNvPr id="190" name="Connecteur droit 189"/>
+          <p:cNvCxnSpPr>
+            <a:stCxn id="86" idx="3"/>
+            <a:endCxn id="83" idx="1"/>
+          </p:cNvCxnSpPr>
           <p:nvPr/>
         </p:nvCxnSpPr>
         <p:spPr>
           <a:xfrm>
-            <a:off x="2005538" y="3790863"/>
-            <a:ext cx="856325" cy="5080"/>
+            <a:off x="1064769" y="3552645"/>
+            <a:ext cx="582157" cy="0"/>
           </a:xfrm>
           <a:prstGeom prst="line">
             <a:avLst/>
@@ -8089,612 +9020,19 @@
       </p:cxnSp>
       <p:cxnSp>
         <p:nvCxnSpPr>
-          <p:cNvPr id="108" name="Connecteur droit 107"/>
-          <p:cNvCxnSpPr/>
+          <p:cNvPr id="191" name="Connecteur droit 190"/>
+          <p:cNvCxnSpPr>
+            <a:stCxn id="152" idx="4"/>
+            <a:endCxn id="121" idx="0"/>
+          </p:cNvCxnSpPr>
           <p:nvPr/>
         </p:nvCxnSpPr>
         <p:spPr>
           <a:xfrm>
-            <a:off x="2005538" y="3891431"/>
-            <a:ext cx="856325" cy="5080"/>
+            <a:off x="7145305" y="3925759"/>
+            <a:ext cx="4740" cy="378822"/>
           </a:xfrm>
           <a:prstGeom prst="line">
-            <a:avLst/>
-          </a:prstGeom>
-          <a:ln w="19050">
-            <a:solidFill>
-              <a:schemeClr val="bg2">
-                <a:lumMod val="50000"/>
-              </a:schemeClr>
-            </a:solidFill>
-          </a:ln>
-        </p:spPr>
-        <p:style>
-          <a:lnRef idx="1">
-            <a:schemeClr val="accent1"/>
-          </a:lnRef>
-          <a:fillRef idx="0">
-            <a:schemeClr val="accent1"/>
-          </a:fillRef>
-          <a:effectRef idx="0">
-            <a:schemeClr val="accent1"/>
-          </a:effectRef>
-          <a:fontRef idx="minor">
-            <a:schemeClr val="tx1"/>
-          </a:fontRef>
-        </p:style>
-      </p:cxnSp>
-      <p:sp>
-        <p:nvSpPr>
-          <p:cNvPr id="110" name="Rectangle à coins arrondis 109"/>
-          <p:cNvSpPr/>
-          <p:nvPr/>
-        </p:nvSpPr>
-        <p:spPr>
-          <a:xfrm>
-            <a:off x="2465927" y="3173349"/>
-            <a:ext cx="685970" cy="242930"/>
-          </a:xfrm>
-          <a:prstGeom prst="roundRect">
-            <a:avLst/>
-          </a:prstGeom>
-          <a:noFill/>
-          <a:ln w="19050">
-            <a:solidFill>
-              <a:schemeClr val="bg2">
-                <a:lumMod val="50000"/>
-              </a:schemeClr>
-            </a:solidFill>
-          </a:ln>
-        </p:spPr>
-        <p:style>
-          <a:lnRef idx="2">
-            <a:schemeClr val="accent1">
-              <a:shade val="50000"/>
-            </a:schemeClr>
-          </a:lnRef>
-          <a:fillRef idx="1">
-            <a:schemeClr val="accent1"/>
-          </a:fillRef>
-          <a:effectRef idx="0">
-            <a:schemeClr val="accent1"/>
-          </a:effectRef>
-          <a:fontRef idx="minor">
-            <a:schemeClr val="lt1"/>
-          </a:fontRef>
-        </p:style>
-        <p:txBody>
-          <a:bodyPr rtlCol="0" anchor="ctr"/>
-          <a:lstStyle/>
-          <a:p>
-            <a:pPr algn="ctr"/>
-            <a:r>
-              <a:rPr lang="fr-FR" dirty="0" smtClean="0"/>
-              <a:t>v</a:t>
-            </a:r>
-            <a:endParaRPr lang="fr-FR" dirty="0"/>
-          </a:p>
-        </p:txBody>
-      </p:sp>
-      <p:sp>
-        <p:nvSpPr>
-          <p:cNvPr id="111" name="Rectangle à coins arrondis 110"/>
-          <p:cNvSpPr/>
-          <p:nvPr/>
-        </p:nvSpPr>
-        <p:spPr>
-          <a:xfrm>
-            <a:off x="1721489" y="3173349"/>
-            <a:ext cx="685970" cy="242930"/>
-          </a:xfrm>
-          <a:prstGeom prst="roundRect">
-            <a:avLst/>
-          </a:prstGeom>
-          <a:noFill/>
-          <a:ln w="19050">
-            <a:solidFill>
-              <a:schemeClr val="bg2">
-                <a:lumMod val="50000"/>
-              </a:schemeClr>
-            </a:solidFill>
-          </a:ln>
-        </p:spPr>
-        <p:style>
-          <a:lnRef idx="2">
-            <a:schemeClr val="accent1">
-              <a:shade val="50000"/>
-            </a:schemeClr>
-          </a:lnRef>
-          <a:fillRef idx="1">
-            <a:schemeClr val="accent1"/>
-          </a:fillRef>
-          <a:effectRef idx="0">
-            <a:schemeClr val="accent1"/>
-          </a:effectRef>
-          <a:fontRef idx="minor">
-            <a:schemeClr val="lt1"/>
-          </a:fontRef>
-        </p:style>
-        <p:txBody>
-          <a:bodyPr rtlCol="0" anchor="ctr"/>
-          <a:lstStyle/>
-          <a:p>
-            <a:pPr algn="ctr"/>
-            <a:r>
-              <a:rPr lang="fr-FR" dirty="0" smtClean="0"/>
-              <a:t>v</a:t>
-            </a:r>
-            <a:endParaRPr lang="fr-FR" dirty="0"/>
-          </a:p>
-        </p:txBody>
-      </p:sp>
-      <p:sp>
-        <p:nvSpPr>
-          <p:cNvPr id="112" name="Rectangle à coins arrondis 111"/>
-          <p:cNvSpPr/>
-          <p:nvPr/>
-        </p:nvSpPr>
-        <p:spPr>
-          <a:xfrm>
-            <a:off x="2122942" y="5212121"/>
-            <a:ext cx="685970" cy="297729"/>
-          </a:xfrm>
-          <a:prstGeom prst="roundRect">
-            <a:avLst/>
-          </a:prstGeom>
-          <a:noFill/>
-          <a:ln w="19050">
-            <a:solidFill>
-              <a:schemeClr val="bg2">
-                <a:lumMod val="50000"/>
-              </a:schemeClr>
-            </a:solidFill>
-          </a:ln>
-        </p:spPr>
-        <p:style>
-          <a:lnRef idx="2">
-            <a:schemeClr val="accent1">
-              <a:shade val="50000"/>
-            </a:schemeClr>
-          </a:lnRef>
-          <a:fillRef idx="1">
-            <a:schemeClr val="accent1"/>
-          </a:fillRef>
-          <a:effectRef idx="0">
-            <a:schemeClr val="accent1"/>
-          </a:effectRef>
-          <a:fontRef idx="minor">
-            <a:schemeClr val="lt1"/>
-          </a:fontRef>
-        </p:style>
-        <p:txBody>
-          <a:bodyPr rtlCol="0" anchor="ctr"/>
-          <a:lstStyle/>
-          <a:p>
-            <a:pPr algn="ctr"/>
-            <a:r>
-              <a:rPr lang="fr-FR" dirty="0" smtClean="0"/>
-              <a:t>v</a:t>
-            </a:r>
-            <a:endParaRPr lang="fr-FR" dirty="0"/>
-          </a:p>
-        </p:txBody>
-      </p:sp>
-      <p:sp>
-        <p:nvSpPr>
-          <p:cNvPr id="113" name="Rectangle à coins arrondis 112"/>
-          <p:cNvSpPr/>
-          <p:nvPr/>
-        </p:nvSpPr>
-        <p:spPr>
-          <a:xfrm>
-            <a:off x="1737318" y="4737264"/>
-            <a:ext cx="594991" cy="178332"/>
-          </a:xfrm>
-          <a:prstGeom prst="roundRect">
-            <a:avLst/>
-          </a:prstGeom>
-          <a:noFill/>
-          <a:ln w="19050">
-            <a:solidFill>
-              <a:schemeClr val="bg2">
-                <a:lumMod val="50000"/>
-              </a:schemeClr>
-            </a:solidFill>
-          </a:ln>
-        </p:spPr>
-        <p:style>
-          <a:lnRef idx="2">
-            <a:schemeClr val="accent1">
-              <a:shade val="50000"/>
-            </a:schemeClr>
-          </a:lnRef>
-          <a:fillRef idx="1">
-            <a:schemeClr val="accent1"/>
-          </a:fillRef>
-          <a:effectRef idx="0">
-            <a:schemeClr val="accent1"/>
-          </a:effectRef>
-          <a:fontRef idx="minor">
-            <a:schemeClr val="lt1"/>
-          </a:fontRef>
-        </p:style>
-        <p:txBody>
-          <a:bodyPr rtlCol="0" anchor="ctr"/>
-          <a:lstStyle/>
-          <a:p>
-            <a:pPr algn="ctr"/>
-            <a:r>
-              <a:rPr lang="fr-FR" dirty="0" smtClean="0"/>
-              <a:t>v</a:t>
-            </a:r>
-            <a:endParaRPr lang="fr-FR" dirty="0"/>
-          </a:p>
-        </p:txBody>
-      </p:sp>
-      <p:sp>
-        <p:nvSpPr>
-          <p:cNvPr id="114" name="Rectangle à coins arrondis 113"/>
-          <p:cNvSpPr/>
-          <p:nvPr/>
-        </p:nvSpPr>
-        <p:spPr>
-          <a:xfrm>
-            <a:off x="2556906" y="4737264"/>
-            <a:ext cx="594991" cy="178332"/>
-          </a:xfrm>
-          <a:prstGeom prst="roundRect">
-            <a:avLst/>
-          </a:prstGeom>
-          <a:noFill/>
-          <a:ln w="19050">
-            <a:solidFill>
-              <a:schemeClr val="bg2">
-                <a:lumMod val="50000"/>
-              </a:schemeClr>
-            </a:solidFill>
-          </a:ln>
-        </p:spPr>
-        <p:style>
-          <a:lnRef idx="2">
-            <a:schemeClr val="accent1">
-              <a:shade val="50000"/>
-            </a:schemeClr>
-          </a:lnRef>
-          <a:fillRef idx="1">
-            <a:schemeClr val="accent1"/>
-          </a:fillRef>
-          <a:effectRef idx="0">
-            <a:schemeClr val="accent1"/>
-          </a:effectRef>
-          <a:fontRef idx="minor">
-            <a:schemeClr val="lt1"/>
-          </a:fontRef>
-        </p:style>
-        <p:txBody>
-          <a:bodyPr rtlCol="0" anchor="ctr"/>
-          <a:lstStyle/>
-          <a:p>
-            <a:pPr algn="ctr"/>
-            <a:r>
-              <a:rPr lang="fr-FR" dirty="0" smtClean="0"/>
-              <a:t>v</a:t>
-            </a:r>
-            <a:endParaRPr lang="fr-FR" dirty="0"/>
-          </a:p>
-        </p:txBody>
-      </p:sp>
-      <p:sp>
-        <p:nvSpPr>
-          <p:cNvPr id="115" name="Rectangle à coins arrondis 114"/>
-          <p:cNvSpPr/>
-          <p:nvPr/>
-        </p:nvSpPr>
-        <p:spPr>
-          <a:xfrm>
-            <a:off x="1737318" y="4962187"/>
-            <a:ext cx="594991" cy="178332"/>
-          </a:xfrm>
-          <a:prstGeom prst="roundRect">
-            <a:avLst/>
-          </a:prstGeom>
-          <a:noFill/>
-          <a:ln w="19050">
-            <a:solidFill>
-              <a:schemeClr val="bg2">
-                <a:lumMod val="50000"/>
-              </a:schemeClr>
-            </a:solidFill>
-          </a:ln>
-        </p:spPr>
-        <p:style>
-          <a:lnRef idx="2">
-            <a:schemeClr val="accent1">
-              <a:shade val="50000"/>
-            </a:schemeClr>
-          </a:lnRef>
-          <a:fillRef idx="1">
-            <a:schemeClr val="accent1"/>
-          </a:fillRef>
-          <a:effectRef idx="0">
-            <a:schemeClr val="accent1"/>
-          </a:effectRef>
-          <a:fontRef idx="minor">
-            <a:schemeClr val="lt1"/>
-          </a:fontRef>
-        </p:style>
-        <p:txBody>
-          <a:bodyPr rtlCol="0" anchor="ctr"/>
-          <a:lstStyle/>
-          <a:p>
-            <a:pPr algn="ctr"/>
-            <a:r>
-              <a:rPr lang="fr-FR" dirty="0" smtClean="0"/>
-              <a:t>v</a:t>
-            </a:r>
-            <a:endParaRPr lang="fr-FR" dirty="0"/>
-          </a:p>
-        </p:txBody>
-      </p:sp>
-      <p:sp>
-        <p:nvSpPr>
-          <p:cNvPr id="116" name="Rectangle à coins arrondis 115"/>
-          <p:cNvSpPr/>
-          <p:nvPr/>
-        </p:nvSpPr>
-        <p:spPr>
-          <a:xfrm>
-            <a:off x="2556905" y="4962187"/>
-            <a:ext cx="594991" cy="178332"/>
-          </a:xfrm>
-          <a:prstGeom prst="roundRect">
-            <a:avLst/>
-          </a:prstGeom>
-          <a:noFill/>
-          <a:ln w="19050">
-            <a:solidFill>
-              <a:schemeClr val="bg2">
-                <a:lumMod val="50000"/>
-              </a:schemeClr>
-            </a:solidFill>
-          </a:ln>
-        </p:spPr>
-        <p:style>
-          <a:lnRef idx="2">
-            <a:schemeClr val="accent1">
-              <a:shade val="50000"/>
-            </a:schemeClr>
-          </a:lnRef>
-          <a:fillRef idx="1">
-            <a:schemeClr val="accent1"/>
-          </a:fillRef>
-          <a:effectRef idx="0">
-            <a:schemeClr val="accent1"/>
-          </a:effectRef>
-          <a:fontRef idx="minor">
-            <a:schemeClr val="lt1"/>
-          </a:fontRef>
-        </p:style>
-        <p:txBody>
-          <a:bodyPr rtlCol="0" anchor="ctr"/>
-          <a:lstStyle/>
-          <a:p>
-            <a:pPr algn="ctr"/>
-            <a:r>
-              <a:rPr lang="fr-FR" dirty="0" smtClean="0"/>
-              <a:t>v</a:t>
-            </a:r>
-            <a:endParaRPr lang="fr-FR" dirty="0"/>
-          </a:p>
-        </p:txBody>
-      </p:sp>
-      <p:sp>
-        <p:nvSpPr>
-          <p:cNvPr id="117" name="Rectangle à coins arrondis 116"/>
-          <p:cNvSpPr/>
-          <p:nvPr/>
-        </p:nvSpPr>
-        <p:spPr>
-          <a:xfrm>
-            <a:off x="196861" y="3227588"/>
-            <a:ext cx="474781" cy="126705"/>
-          </a:xfrm>
-          <a:prstGeom prst="roundRect">
-            <a:avLst/>
-          </a:prstGeom>
-          <a:noFill/>
-          <a:ln w="19050">
-            <a:solidFill>
-              <a:schemeClr val="bg2">
-                <a:lumMod val="50000"/>
-              </a:schemeClr>
-            </a:solidFill>
-          </a:ln>
-        </p:spPr>
-        <p:style>
-          <a:lnRef idx="2">
-            <a:schemeClr val="accent1">
-              <a:shade val="50000"/>
-            </a:schemeClr>
-          </a:lnRef>
-          <a:fillRef idx="1">
-            <a:schemeClr val="accent1"/>
-          </a:fillRef>
-          <a:effectRef idx="0">
-            <a:schemeClr val="accent1"/>
-          </a:effectRef>
-          <a:fontRef idx="minor">
-            <a:schemeClr val="lt1"/>
-          </a:fontRef>
-        </p:style>
-        <p:txBody>
-          <a:bodyPr rtlCol="0" anchor="ctr"/>
-          <a:lstStyle/>
-          <a:p>
-            <a:pPr algn="ctr"/>
-            <a:endParaRPr lang="fr-FR"/>
-          </a:p>
-        </p:txBody>
-      </p:sp>
-      <p:sp>
-        <p:nvSpPr>
-          <p:cNvPr id="118" name="Rectangle à coins arrondis 117"/>
-          <p:cNvSpPr/>
-          <p:nvPr/>
-        </p:nvSpPr>
-        <p:spPr>
-          <a:xfrm>
-            <a:off x="196861" y="3401439"/>
-            <a:ext cx="474781" cy="126705"/>
-          </a:xfrm>
-          <a:prstGeom prst="roundRect">
-            <a:avLst/>
-          </a:prstGeom>
-          <a:noFill/>
-          <a:ln w="19050">
-            <a:solidFill>
-              <a:schemeClr val="bg2">
-                <a:lumMod val="50000"/>
-              </a:schemeClr>
-            </a:solidFill>
-          </a:ln>
-        </p:spPr>
-        <p:style>
-          <a:lnRef idx="2">
-            <a:schemeClr val="accent1">
-              <a:shade val="50000"/>
-            </a:schemeClr>
-          </a:lnRef>
-          <a:fillRef idx="1">
-            <a:schemeClr val="accent1"/>
-          </a:fillRef>
-          <a:effectRef idx="0">
-            <a:schemeClr val="accent1"/>
-          </a:effectRef>
-          <a:fontRef idx="minor">
-            <a:schemeClr val="lt1"/>
-          </a:fontRef>
-        </p:style>
-        <p:txBody>
-          <a:bodyPr rtlCol="0" anchor="ctr"/>
-          <a:lstStyle/>
-          <a:p>
-            <a:pPr algn="ctr"/>
-            <a:endParaRPr lang="fr-FR"/>
-          </a:p>
-        </p:txBody>
-      </p:sp>
-      <p:sp>
-        <p:nvSpPr>
-          <p:cNvPr id="119" name="Rectangle à coins arrondis 118"/>
-          <p:cNvSpPr/>
-          <p:nvPr/>
-        </p:nvSpPr>
-        <p:spPr>
-          <a:xfrm>
-            <a:off x="209933" y="3580771"/>
-            <a:ext cx="474781" cy="126705"/>
-          </a:xfrm>
-          <a:prstGeom prst="roundRect">
-            <a:avLst/>
-          </a:prstGeom>
-          <a:noFill/>
-          <a:ln w="19050">
-            <a:solidFill>
-              <a:schemeClr val="bg2">
-                <a:lumMod val="50000"/>
-              </a:schemeClr>
-            </a:solidFill>
-          </a:ln>
-        </p:spPr>
-        <p:style>
-          <a:lnRef idx="2">
-            <a:schemeClr val="accent1">
-              <a:shade val="50000"/>
-            </a:schemeClr>
-          </a:lnRef>
-          <a:fillRef idx="1">
-            <a:schemeClr val="accent1"/>
-          </a:fillRef>
-          <a:effectRef idx="0">
-            <a:schemeClr val="accent1"/>
-          </a:effectRef>
-          <a:fontRef idx="minor">
-            <a:schemeClr val="lt1"/>
-          </a:fontRef>
-        </p:style>
-        <p:txBody>
-          <a:bodyPr rtlCol="0" anchor="ctr"/>
-          <a:lstStyle/>
-          <a:p>
-            <a:pPr algn="ctr"/>
-            <a:endParaRPr lang="fr-FR"/>
-          </a:p>
-        </p:txBody>
-      </p:sp>
-      <p:sp>
-        <p:nvSpPr>
-          <p:cNvPr id="120" name="Rectangle à coins arrondis 119"/>
-          <p:cNvSpPr/>
-          <p:nvPr/>
-        </p:nvSpPr>
-        <p:spPr>
-          <a:xfrm>
-            <a:off x="209933" y="3761838"/>
-            <a:ext cx="474781" cy="126705"/>
-          </a:xfrm>
-          <a:prstGeom prst="roundRect">
-            <a:avLst/>
-          </a:prstGeom>
-          <a:noFill/>
-          <a:ln w="19050">
-            <a:solidFill>
-              <a:schemeClr val="bg2">
-                <a:lumMod val="50000"/>
-              </a:schemeClr>
-            </a:solidFill>
-          </a:ln>
-        </p:spPr>
-        <p:style>
-          <a:lnRef idx="2">
-            <a:schemeClr val="accent1">
-              <a:shade val="50000"/>
-            </a:schemeClr>
-          </a:lnRef>
-          <a:fillRef idx="1">
-            <a:schemeClr val="accent1"/>
-          </a:fillRef>
-          <a:effectRef idx="0">
-            <a:schemeClr val="accent1"/>
-          </a:effectRef>
-          <a:fontRef idx="minor">
-            <a:schemeClr val="lt1"/>
-          </a:fontRef>
-        </p:style>
-        <p:txBody>
-          <a:bodyPr rtlCol="0" anchor="ctr"/>
-          <a:lstStyle/>
-          <a:p>
-            <a:pPr algn="ctr"/>
-            <a:endParaRPr lang="fr-FR"/>
-          </a:p>
-        </p:txBody>
-      </p:sp>
-      <p:cxnSp>
-        <p:nvCxnSpPr>
-          <p:cNvPr id="122" name="Connecteur en angle 121"/>
-          <p:cNvCxnSpPr>
-            <a:stCxn id="22" idx="1"/>
-            <a:endCxn id="19" idx="0"/>
-          </p:cNvCxnSpPr>
-          <p:nvPr/>
-        </p:nvCxnSpPr>
-        <p:spPr>
-          <a:xfrm rot="10800000" flipV="1">
-            <a:off x="2438398" y="2482164"/>
-            <a:ext cx="1705438" cy="248261"/>
-          </a:xfrm>
-          <a:prstGeom prst="bentConnector2">
             <a:avLst/>
           </a:prstGeom>
           <a:ln w="19050">
@@ -8722,17 +9060,17 @@
       </p:cxnSp>
       <p:cxnSp>
         <p:nvCxnSpPr>
-          <p:cNvPr id="124" name="Connecteur en angle 123"/>
+          <p:cNvPr id="192" name="Connecteur en angle 191"/>
           <p:cNvCxnSpPr>
-            <a:stCxn id="21" idx="3"/>
-            <a:endCxn id="14" idx="0"/>
+            <a:stCxn id="85" idx="1"/>
+            <a:endCxn id="126" idx="0"/>
           </p:cNvCxnSpPr>
           <p:nvPr/>
         </p:nvCxnSpPr>
         <p:spPr>
-          <a:xfrm>
-            <a:off x="5000161" y="2245659"/>
-            <a:ext cx="1730302" cy="484767"/>
+          <a:xfrm rot="10800000" flipV="1">
+            <a:off x="4619673" y="5126800"/>
+            <a:ext cx="1738901" cy="151044"/>
           </a:xfrm>
           <a:prstGeom prst="bentConnector2">
             <a:avLst/>
@@ -8760,71 +9098,948 @@
           </a:fontRef>
         </p:style>
       </p:cxnSp>
-      <p:sp>
-        <p:nvSpPr>
-          <p:cNvPr id="128" name="Titre 1"/>
-          <p:cNvSpPr>
-            <a:spLocks noGrp="1"/>
-          </p:cNvSpPr>
-          <p:nvPr>
-            <p:ph type="title"/>
-          </p:nvPr>
-        </p:nvSpPr>
-        <p:spPr>
-          <a:xfrm>
-            <a:off x="628650" y="92322"/>
-            <a:ext cx="7886700" cy="1325563"/>
-          </a:xfrm>
-        </p:spPr>
-        <p:txBody>
-          <a:bodyPr>
-            <a:noAutofit/>
-          </a:bodyPr>
+      <p:cxnSp>
+        <p:nvCxnSpPr>
+          <p:cNvPr id="193" name="Connecteur droit 192"/>
+          <p:cNvCxnSpPr>
+            <a:stCxn id="211" idx="4"/>
+            <a:endCxn id="127" idx="0"/>
+          </p:cNvCxnSpPr>
+          <p:nvPr/>
+        </p:nvCxnSpPr>
+        <p:spPr>
+          <a:xfrm>
+            <a:off x="2790210" y="3941993"/>
+            <a:ext cx="8595" cy="362588"/>
+          </a:xfrm>
+          <a:prstGeom prst="line">
+            <a:avLst/>
+          </a:prstGeom>
+          <a:ln w="19050">
+            <a:solidFill>
+              <a:schemeClr val="bg2">
+                <a:lumMod val="50000"/>
+              </a:schemeClr>
+            </a:solidFill>
+          </a:ln>
+        </p:spPr>
+        <p:style>
+          <a:lnRef idx="1">
+            <a:schemeClr val="accent1"/>
+          </a:lnRef>
+          <a:fillRef idx="0">
+            <a:schemeClr val="accent1"/>
+          </a:fillRef>
+          <a:effectRef idx="0">
+            <a:schemeClr val="accent1"/>
+          </a:effectRef>
+          <a:fontRef idx="minor">
+            <a:schemeClr val="tx1"/>
+          </a:fontRef>
+        </p:style>
+      </p:cxnSp>
+      <p:cxnSp>
+        <p:nvCxnSpPr>
+          <p:cNvPr id="194" name="Connecteur droit 193"/>
+          <p:cNvCxnSpPr/>
+          <p:nvPr/>
+        </p:nvCxnSpPr>
+        <p:spPr>
+          <a:xfrm>
+            <a:off x="1870678" y="3609074"/>
+            <a:ext cx="856325" cy="5080"/>
+          </a:xfrm>
+          <a:prstGeom prst="line">
+            <a:avLst/>
+          </a:prstGeom>
+          <a:ln w="19050">
+            <a:solidFill>
+              <a:schemeClr val="bg2">
+                <a:lumMod val="50000"/>
+              </a:schemeClr>
+            </a:solidFill>
+          </a:ln>
+        </p:spPr>
+        <p:style>
+          <a:lnRef idx="1">
+            <a:schemeClr val="accent1"/>
+          </a:lnRef>
+          <a:fillRef idx="0">
+            <a:schemeClr val="accent1"/>
+          </a:fillRef>
+          <a:effectRef idx="0">
+            <a:schemeClr val="accent1"/>
+          </a:effectRef>
+          <a:fontRef idx="minor">
+            <a:schemeClr val="tx1"/>
+          </a:fontRef>
+        </p:style>
+      </p:cxnSp>
+      <p:cxnSp>
+        <p:nvCxnSpPr>
+          <p:cNvPr id="195" name="Connecteur droit 194"/>
+          <p:cNvCxnSpPr/>
+          <p:nvPr/>
+        </p:nvCxnSpPr>
+        <p:spPr>
+          <a:xfrm>
+            <a:off x="1870677" y="3706250"/>
+            <a:ext cx="856325" cy="5080"/>
+          </a:xfrm>
+          <a:prstGeom prst="line">
+            <a:avLst/>
+          </a:prstGeom>
+          <a:ln w="19050">
+            <a:solidFill>
+              <a:schemeClr val="bg2">
+                <a:lumMod val="50000"/>
+              </a:schemeClr>
+            </a:solidFill>
+          </a:ln>
+        </p:spPr>
+        <p:style>
+          <a:lnRef idx="1">
+            <a:schemeClr val="accent1"/>
+          </a:lnRef>
+          <a:fillRef idx="0">
+            <a:schemeClr val="accent1"/>
+          </a:fillRef>
+          <a:effectRef idx="0">
+            <a:schemeClr val="accent1"/>
+          </a:effectRef>
+          <a:fontRef idx="minor">
+            <a:schemeClr val="tx1"/>
+          </a:fontRef>
+        </p:style>
+      </p:cxnSp>
+      <p:cxnSp>
+        <p:nvCxnSpPr>
+          <p:cNvPr id="196" name="Connecteur droit 195"/>
+          <p:cNvCxnSpPr/>
+          <p:nvPr/>
+        </p:nvCxnSpPr>
+        <p:spPr>
+          <a:xfrm>
+            <a:off x="1870677" y="3806818"/>
+            <a:ext cx="856325" cy="5080"/>
+          </a:xfrm>
+          <a:prstGeom prst="line">
+            <a:avLst/>
+          </a:prstGeom>
+          <a:ln w="19050">
+            <a:solidFill>
+              <a:schemeClr val="bg2">
+                <a:lumMod val="50000"/>
+              </a:schemeClr>
+            </a:solidFill>
+          </a:ln>
+        </p:spPr>
+        <p:style>
+          <a:lnRef idx="1">
+            <a:schemeClr val="accent1"/>
+          </a:lnRef>
+          <a:fillRef idx="0">
+            <a:schemeClr val="accent1"/>
+          </a:fillRef>
+          <a:effectRef idx="0">
+            <a:schemeClr val="accent1"/>
+          </a:effectRef>
+          <a:fontRef idx="minor">
+            <a:schemeClr val="tx1"/>
+          </a:fontRef>
+        </p:style>
+      </p:cxnSp>
+      <p:cxnSp>
+        <p:nvCxnSpPr>
+          <p:cNvPr id="197" name="Connecteur droit 196"/>
+          <p:cNvCxnSpPr/>
+          <p:nvPr/>
+        </p:nvCxnSpPr>
+        <p:spPr>
+          <a:xfrm>
+            <a:off x="1870677" y="3907386"/>
+            <a:ext cx="856325" cy="5080"/>
+          </a:xfrm>
+          <a:prstGeom prst="line">
+            <a:avLst/>
+          </a:prstGeom>
+          <a:ln w="19050">
+            <a:solidFill>
+              <a:schemeClr val="bg2">
+                <a:lumMod val="50000"/>
+              </a:schemeClr>
+            </a:solidFill>
+          </a:ln>
+        </p:spPr>
+        <p:style>
+          <a:lnRef idx="1">
+            <a:schemeClr val="accent1"/>
+          </a:lnRef>
+          <a:fillRef idx="0">
+            <a:schemeClr val="accent1"/>
+          </a:fillRef>
+          <a:effectRef idx="0">
+            <a:schemeClr val="accent1"/>
+          </a:effectRef>
+          <a:fontRef idx="minor">
+            <a:schemeClr val="tx1"/>
+          </a:fontRef>
+        </p:style>
+      </p:cxnSp>
+      <p:cxnSp>
+        <p:nvCxnSpPr>
+          <p:cNvPr id="198" name="Connecteur droit 197"/>
+          <p:cNvCxnSpPr/>
+          <p:nvPr/>
+        </p:nvCxnSpPr>
+        <p:spPr>
+          <a:xfrm>
+            <a:off x="1870677" y="3506114"/>
+            <a:ext cx="856325" cy="5080"/>
+          </a:xfrm>
+          <a:prstGeom prst="line">
+            <a:avLst/>
+          </a:prstGeom>
+          <a:ln w="19050">
+            <a:solidFill>
+              <a:schemeClr val="bg2">
+                <a:lumMod val="50000"/>
+              </a:schemeClr>
+            </a:solidFill>
+          </a:ln>
+        </p:spPr>
+        <p:style>
+          <a:lnRef idx="1">
+            <a:schemeClr val="accent1"/>
+          </a:lnRef>
+          <a:fillRef idx="0">
+            <a:schemeClr val="accent1"/>
+          </a:fillRef>
+          <a:effectRef idx="0">
+            <a:schemeClr val="accent1"/>
+          </a:effectRef>
+          <a:fontRef idx="minor">
+            <a:schemeClr val="tx1"/>
+          </a:fontRef>
+        </p:style>
+      </p:cxnSp>
+      <p:sp>
+        <p:nvSpPr>
+          <p:cNvPr id="199" name="Ellipse 198"/>
+          <p:cNvSpPr/>
+          <p:nvPr/>
+        </p:nvSpPr>
+        <p:spPr>
+          <a:xfrm>
+            <a:off x="2754040" y="3476586"/>
+            <a:ext cx="60960" cy="59055"/>
+          </a:xfrm>
+          <a:prstGeom prst="ellipse">
+            <a:avLst/>
+          </a:prstGeom>
+          <a:noFill/>
+          <a:ln>
+            <a:solidFill>
+              <a:schemeClr val="bg2">
+                <a:lumMod val="50000"/>
+              </a:schemeClr>
+            </a:solidFill>
+          </a:ln>
+        </p:spPr>
+        <p:style>
+          <a:lnRef idx="2">
+            <a:schemeClr val="accent1">
+              <a:shade val="50000"/>
+            </a:schemeClr>
+          </a:lnRef>
+          <a:fillRef idx="1">
+            <a:schemeClr val="accent1"/>
+          </a:fillRef>
+          <a:effectRef idx="0">
+            <a:schemeClr val="accent1"/>
+          </a:effectRef>
+          <a:fontRef idx="minor">
+            <a:schemeClr val="lt1"/>
+          </a:fontRef>
+        </p:style>
+        <p:txBody>
+          <a:bodyPr rtlCol="0" anchor="ctr"/>
           <a:lstStyle/>
           <a:p>
             <a:pPr algn="ctr"/>
-            <a:r>
-              <a:rPr lang="fr-FR" sz="3600" dirty="0" smtClean="0">
-                <a:solidFill>
-                  <a:schemeClr val="bg1"/>
-                </a:solidFill>
-              </a:rPr>
-              <a:t>Panel d’administration</a:t>
-            </a:r>
-            <a:endParaRPr lang="fr-FR" sz="3600" dirty="0">
-              <a:solidFill>
-                <a:schemeClr val="bg1"/>
-              </a:solidFill>
-            </a:endParaRPr>
-          </a:p>
-        </p:txBody>
-      </p:sp>
-      <p:sp>
-        <p:nvSpPr>
-          <p:cNvPr id="129" name="ZoneTexte 128"/>
-          <p:cNvSpPr txBox="1"/>
-          <p:nvPr/>
-        </p:nvSpPr>
-        <p:spPr>
-          <a:xfrm>
-            <a:off x="127063" y="6376908"/>
-            <a:ext cx="301686" cy="369332"/>
-          </a:xfrm>
-          <a:prstGeom prst="rect">
+            <a:endParaRPr lang="fr-FR"/>
+          </a:p>
+        </p:txBody>
+      </p:sp>
+      <p:sp>
+        <p:nvSpPr>
+          <p:cNvPr id="200" name="Ellipse 199"/>
+          <p:cNvSpPr/>
+          <p:nvPr/>
+        </p:nvSpPr>
+        <p:spPr>
+          <a:xfrm>
+            <a:off x="2842038" y="3476586"/>
+            <a:ext cx="60960" cy="59055"/>
+          </a:xfrm>
+          <a:prstGeom prst="ellipse">
             <a:avLst/>
           </a:prstGeom>
           <a:noFill/>
-        </p:spPr>
-        <p:txBody>
-          <a:bodyPr wrap="none" rtlCol="0">
-            <a:spAutoFit/>
-          </a:bodyPr>
-          <a:lstStyle/>
-          <a:p>
-            <a:r>
-              <a:rPr lang="fr-FR" dirty="0"/>
-              <a:t>5</a:t>
-            </a:r>
+          <a:ln>
+            <a:solidFill>
+              <a:schemeClr val="bg2">
+                <a:lumMod val="50000"/>
+              </a:schemeClr>
+            </a:solidFill>
+          </a:ln>
+        </p:spPr>
+        <p:style>
+          <a:lnRef idx="2">
+            <a:schemeClr val="accent1">
+              <a:shade val="50000"/>
+            </a:schemeClr>
+          </a:lnRef>
+          <a:fillRef idx="1">
+            <a:schemeClr val="accent1"/>
+          </a:fillRef>
+          <a:effectRef idx="0">
+            <a:schemeClr val="accent1"/>
+          </a:effectRef>
+          <a:fontRef idx="minor">
+            <a:schemeClr val="lt1"/>
+          </a:fontRef>
+        </p:style>
+        <p:txBody>
+          <a:bodyPr rtlCol="0" anchor="ctr"/>
+          <a:lstStyle/>
+          <a:p>
+            <a:pPr algn="ctr"/>
+            <a:endParaRPr lang="fr-FR"/>
+          </a:p>
+        </p:txBody>
+      </p:sp>
+      <p:sp>
+        <p:nvSpPr>
+          <p:cNvPr id="201" name="Ellipse 200"/>
+          <p:cNvSpPr/>
+          <p:nvPr/>
+        </p:nvSpPr>
+        <p:spPr>
+          <a:xfrm>
+            <a:off x="2930036" y="3476586"/>
+            <a:ext cx="60960" cy="59055"/>
+          </a:xfrm>
+          <a:prstGeom prst="ellipse">
+            <a:avLst/>
+          </a:prstGeom>
+          <a:noFill/>
+          <a:ln>
+            <a:solidFill>
+              <a:schemeClr val="bg2">
+                <a:lumMod val="50000"/>
+              </a:schemeClr>
+            </a:solidFill>
+          </a:ln>
+        </p:spPr>
+        <p:style>
+          <a:lnRef idx="2">
+            <a:schemeClr val="accent1">
+              <a:shade val="50000"/>
+            </a:schemeClr>
+          </a:lnRef>
+          <a:fillRef idx="1">
+            <a:schemeClr val="accent1"/>
+          </a:fillRef>
+          <a:effectRef idx="0">
+            <a:schemeClr val="accent1"/>
+          </a:effectRef>
+          <a:fontRef idx="minor">
+            <a:schemeClr val="lt1"/>
+          </a:fontRef>
+        </p:style>
+        <p:txBody>
+          <a:bodyPr rtlCol="0" anchor="ctr"/>
+          <a:lstStyle/>
+          <a:p>
+            <a:pPr algn="ctr"/>
+            <a:endParaRPr lang="fr-FR"/>
+          </a:p>
+        </p:txBody>
+      </p:sp>
+      <p:sp>
+        <p:nvSpPr>
+          <p:cNvPr id="202" name="Ellipse 201"/>
+          <p:cNvSpPr/>
+          <p:nvPr/>
+        </p:nvSpPr>
+        <p:spPr>
+          <a:xfrm>
+            <a:off x="2759730" y="3579546"/>
+            <a:ext cx="60960" cy="59055"/>
+          </a:xfrm>
+          <a:prstGeom prst="ellipse">
+            <a:avLst/>
+          </a:prstGeom>
+          <a:noFill/>
+          <a:ln>
+            <a:solidFill>
+              <a:schemeClr val="bg2">
+                <a:lumMod val="50000"/>
+              </a:schemeClr>
+            </a:solidFill>
+          </a:ln>
+        </p:spPr>
+        <p:style>
+          <a:lnRef idx="2">
+            <a:schemeClr val="accent1">
+              <a:shade val="50000"/>
+            </a:schemeClr>
+          </a:lnRef>
+          <a:fillRef idx="1">
+            <a:schemeClr val="accent1"/>
+          </a:fillRef>
+          <a:effectRef idx="0">
+            <a:schemeClr val="accent1"/>
+          </a:effectRef>
+          <a:fontRef idx="minor">
+            <a:schemeClr val="lt1"/>
+          </a:fontRef>
+        </p:style>
+        <p:txBody>
+          <a:bodyPr rtlCol="0" anchor="ctr"/>
+          <a:lstStyle/>
+          <a:p>
+            <a:pPr algn="ctr"/>
+            <a:endParaRPr lang="fr-FR"/>
+          </a:p>
+        </p:txBody>
+      </p:sp>
+      <p:sp>
+        <p:nvSpPr>
+          <p:cNvPr id="203" name="Ellipse 202"/>
+          <p:cNvSpPr/>
+          <p:nvPr/>
+        </p:nvSpPr>
+        <p:spPr>
+          <a:xfrm>
+            <a:off x="2847728" y="3579546"/>
+            <a:ext cx="60960" cy="59055"/>
+          </a:xfrm>
+          <a:prstGeom prst="ellipse">
+            <a:avLst/>
+          </a:prstGeom>
+          <a:noFill/>
+          <a:ln>
+            <a:solidFill>
+              <a:schemeClr val="bg2">
+                <a:lumMod val="50000"/>
+              </a:schemeClr>
+            </a:solidFill>
+          </a:ln>
+        </p:spPr>
+        <p:style>
+          <a:lnRef idx="2">
+            <a:schemeClr val="accent1">
+              <a:shade val="50000"/>
+            </a:schemeClr>
+          </a:lnRef>
+          <a:fillRef idx="1">
+            <a:schemeClr val="accent1"/>
+          </a:fillRef>
+          <a:effectRef idx="0">
+            <a:schemeClr val="accent1"/>
+          </a:effectRef>
+          <a:fontRef idx="minor">
+            <a:schemeClr val="lt1"/>
+          </a:fontRef>
+        </p:style>
+        <p:txBody>
+          <a:bodyPr rtlCol="0" anchor="ctr"/>
+          <a:lstStyle/>
+          <a:p>
+            <a:pPr algn="ctr"/>
+            <a:endParaRPr lang="fr-FR"/>
+          </a:p>
+        </p:txBody>
+      </p:sp>
+      <p:sp>
+        <p:nvSpPr>
+          <p:cNvPr id="204" name="Ellipse 203"/>
+          <p:cNvSpPr/>
+          <p:nvPr/>
+        </p:nvSpPr>
+        <p:spPr>
+          <a:xfrm>
+            <a:off x="2935726" y="3579546"/>
+            <a:ext cx="60960" cy="59055"/>
+          </a:xfrm>
+          <a:prstGeom prst="ellipse">
+            <a:avLst/>
+          </a:prstGeom>
+          <a:noFill/>
+          <a:ln>
+            <a:solidFill>
+              <a:schemeClr val="bg2">
+                <a:lumMod val="50000"/>
+              </a:schemeClr>
+            </a:solidFill>
+          </a:ln>
+        </p:spPr>
+        <p:style>
+          <a:lnRef idx="2">
+            <a:schemeClr val="accent1">
+              <a:shade val="50000"/>
+            </a:schemeClr>
+          </a:lnRef>
+          <a:fillRef idx="1">
+            <a:schemeClr val="accent1"/>
+          </a:fillRef>
+          <a:effectRef idx="0">
+            <a:schemeClr val="accent1"/>
+          </a:effectRef>
+          <a:fontRef idx="minor">
+            <a:schemeClr val="lt1"/>
+          </a:fontRef>
+        </p:style>
+        <p:txBody>
+          <a:bodyPr rtlCol="0" anchor="ctr"/>
+          <a:lstStyle/>
+          <a:p>
+            <a:pPr algn="ctr"/>
+            <a:endParaRPr lang="fr-FR"/>
+          </a:p>
+        </p:txBody>
+      </p:sp>
+      <p:sp>
+        <p:nvSpPr>
+          <p:cNvPr id="205" name="Ellipse 204"/>
+          <p:cNvSpPr/>
+          <p:nvPr/>
+        </p:nvSpPr>
+        <p:spPr>
+          <a:xfrm>
+            <a:off x="2759730" y="3682506"/>
+            <a:ext cx="60960" cy="59055"/>
+          </a:xfrm>
+          <a:prstGeom prst="ellipse">
+            <a:avLst/>
+          </a:prstGeom>
+          <a:noFill/>
+          <a:ln>
+            <a:solidFill>
+              <a:schemeClr val="bg2">
+                <a:lumMod val="50000"/>
+              </a:schemeClr>
+            </a:solidFill>
+          </a:ln>
+        </p:spPr>
+        <p:style>
+          <a:lnRef idx="2">
+            <a:schemeClr val="accent1">
+              <a:shade val="50000"/>
+            </a:schemeClr>
+          </a:lnRef>
+          <a:fillRef idx="1">
+            <a:schemeClr val="accent1"/>
+          </a:fillRef>
+          <a:effectRef idx="0">
+            <a:schemeClr val="accent1"/>
+          </a:effectRef>
+          <a:fontRef idx="minor">
+            <a:schemeClr val="lt1"/>
+          </a:fontRef>
+        </p:style>
+        <p:txBody>
+          <a:bodyPr rtlCol="0" anchor="ctr"/>
+          <a:lstStyle/>
+          <a:p>
+            <a:pPr algn="ctr"/>
+            <a:endParaRPr lang="fr-FR"/>
+          </a:p>
+        </p:txBody>
+      </p:sp>
+      <p:sp>
+        <p:nvSpPr>
+          <p:cNvPr id="206" name="Ellipse 205"/>
+          <p:cNvSpPr/>
+          <p:nvPr/>
+        </p:nvSpPr>
+        <p:spPr>
+          <a:xfrm>
+            <a:off x="2847728" y="3682506"/>
+            <a:ext cx="60960" cy="59055"/>
+          </a:xfrm>
+          <a:prstGeom prst="ellipse">
+            <a:avLst/>
+          </a:prstGeom>
+          <a:noFill/>
+          <a:ln>
+            <a:solidFill>
+              <a:schemeClr val="bg2">
+                <a:lumMod val="50000"/>
+              </a:schemeClr>
+            </a:solidFill>
+          </a:ln>
+        </p:spPr>
+        <p:style>
+          <a:lnRef idx="2">
+            <a:schemeClr val="accent1">
+              <a:shade val="50000"/>
+            </a:schemeClr>
+          </a:lnRef>
+          <a:fillRef idx="1">
+            <a:schemeClr val="accent1"/>
+          </a:fillRef>
+          <a:effectRef idx="0">
+            <a:schemeClr val="accent1"/>
+          </a:effectRef>
+          <a:fontRef idx="minor">
+            <a:schemeClr val="lt1"/>
+          </a:fontRef>
+        </p:style>
+        <p:txBody>
+          <a:bodyPr rtlCol="0" anchor="ctr"/>
+          <a:lstStyle/>
+          <a:p>
+            <a:pPr algn="ctr"/>
+            <a:endParaRPr lang="fr-FR"/>
+          </a:p>
+        </p:txBody>
+      </p:sp>
+      <p:sp>
+        <p:nvSpPr>
+          <p:cNvPr id="207" name="Ellipse 206"/>
+          <p:cNvSpPr/>
+          <p:nvPr/>
+        </p:nvSpPr>
+        <p:spPr>
+          <a:xfrm>
+            <a:off x="2935726" y="3682506"/>
+            <a:ext cx="60960" cy="59055"/>
+          </a:xfrm>
+          <a:prstGeom prst="ellipse">
+            <a:avLst/>
+          </a:prstGeom>
+          <a:noFill/>
+          <a:ln>
+            <a:solidFill>
+              <a:schemeClr val="bg2">
+                <a:lumMod val="50000"/>
+              </a:schemeClr>
+            </a:solidFill>
+          </a:ln>
+        </p:spPr>
+        <p:style>
+          <a:lnRef idx="2">
+            <a:schemeClr val="accent1">
+              <a:shade val="50000"/>
+            </a:schemeClr>
+          </a:lnRef>
+          <a:fillRef idx="1">
+            <a:schemeClr val="accent1"/>
+          </a:fillRef>
+          <a:effectRef idx="0">
+            <a:schemeClr val="accent1"/>
+          </a:effectRef>
+          <a:fontRef idx="minor">
+            <a:schemeClr val="lt1"/>
+          </a:fontRef>
+        </p:style>
+        <p:txBody>
+          <a:bodyPr rtlCol="0" anchor="ctr"/>
+          <a:lstStyle/>
+          <a:p>
+            <a:pPr algn="ctr"/>
+            <a:endParaRPr lang="fr-FR"/>
+          </a:p>
+        </p:txBody>
+      </p:sp>
+      <p:sp>
+        <p:nvSpPr>
+          <p:cNvPr id="208" name="Ellipse 207"/>
+          <p:cNvSpPr/>
+          <p:nvPr/>
+        </p:nvSpPr>
+        <p:spPr>
+          <a:xfrm>
+            <a:off x="2759730" y="3782370"/>
+            <a:ext cx="60960" cy="59055"/>
+          </a:xfrm>
+          <a:prstGeom prst="ellipse">
+            <a:avLst/>
+          </a:prstGeom>
+          <a:noFill/>
+          <a:ln>
+            <a:solidFill>
+              <a:schemeClr val="bg2">
+                <a:lumMod val="50000"/>
+              </a:schemeClr>
+            </a:solidFill>
+          </a:ln>
+        </p:spPr>
+        <p:style>
+          <a:lnRef idx="2">
+            <a:schemeClr val="accent1">
+              <a:shade val="50000"/>
+            </a:schemeClr>
+          </a:lnRef>
+          <a:fillRef idx="1">
+            <a:schemeClr val="accent1"/>
+          </a:fillRef>
+          <a:effectRef idx="0">
+            <a:schemeClr val="accent1"/>
+          </a:effectRef>
+          <a:fontRef idx="minor">
+            <a:schemeClr val="lt1"/>
+          </a:fontRef>
+        </p:style>
+        <p:txBody>
+          <a:bodyPr rtlCol="0" anchor="ctr"/>
+          <a:lstStyle/>
+          <a:p>
+            <a:pPr algn="ctr"/>
+            <a:endParaRPr lang="fr-FR"/>
+          </a:p>
+        </p:txBody>
+      </p:sp>
+      <p:sp>
+        <p:nvSpPr>
+          <p:cNvPr id="209" name="Ellipse 208"/>
+          <p:cNvSpPr/>
+          <p:nvPr/>
+        </p:nvSpPr>
+        <p:spPr>
+          <a:xfrm>
+            <a:off x="2847728" y="3782370"/>
+            <a:ext cx="60960" cy="59055"/>
+          </a:xfrm>
+          <a:prstGeom prst="ellipse">
+            <a:avLst/>
+          </a:prstGeom>
+          <a:noFill/>
+          <a:ln>
+            <a:solidFill>
+              <a:schemeClr val="bg2">
+                <a:lumMod val="50000"/>
+              </a:schemeClr>
+            </a:solidFill>
+          </a:ln>
+        </p:spPr>
+        <p:style>
+          <a:lnRef idx="2">
+            <a:schemeClr val="accent1">
+              <a:shade val="50000"/>
+            </a:schemeClr>
+          </a:lnRef>
+          <a:fillRef idx="1">
+            <a:schemeClr val="accent1"/>
+          </a:fillRef>
+          <a:effectRef idx="0">
+            <a:schemeClr val="accent1"/>
+          </a:effectRef>
+          <a:fontRef idx="minor">
+            <a:schemeClr val="lt1"/>
+          </a:fontRef>
+        </p:style>
+        <p:txBody>
+          <a:bodyPr rtlCol="0" anchor="ctr"/>
+          <a:lstStyle/>
+          <a:p>
+            <a:pPr algn="ctr"/>
+            <a:endParaRPr lang="fr-FR"/>
+          </a:p>
+        </p:txBody>
+      </p:sp>
+      <p:sp>
+        <p:nvSpPr>
+          <p:cNvPr id="210" name="Ellipse 209"/>
+          <p:cNvSpPr/>
+          <p:nvPr/>
+        </p:nvSpPr>
+        <p:spPr>
+          <a:xfrm>
+            <a:off x="2935726" y="3782370"/>
+            <a:ext cx="60960" cy="59055"/>
+          </a:xfrm>
+          <a:prstGeom prst="ellipse">
+            <a:avLst/>
+          </a:prstGeom>
+          <a:noFill/>
+          <a:ln>
+            <a:solidFill>
+              <a:schemeClr val="bg2">
+                <a:lumMod val="50000"/>
+              </a:schemeClr>
+            </a:solidFill>
+          </a:ln>
+        </p:spPr>
+        <p:style>
+          <a:lnRef idx="2">
+            <a:schemeClr val="accent1">
+              <a:shade val="50000"/>
+            </a:schemeClr>
+          </a:lnRef>
+          <a:fillRef idx="1">
+            <a:schemeClr val="accent1"/>
+          </a:fillRef>
+          <a:effectRef idx="0">
+            <a:schemeClr val="accent1"/>
+          </a:effectRef>
+          <a:fontRef idx="minor">
+            <a:schemeClr val="lt1"/>
+          </a:fontRef>
+        </p:style>
+        <p:txBody>
+          <a:bodyPr rtlCol="0" anchor="ctr"/>
+          <a:lstStyle/>
+          <a:p>
+            <a:pPr algn="ctr"/>
+            <a:endParaRPr lang="fr-FR"/>
+          </a:p>
+        </p:txBody>
+      </p:sp>
+      <p:sp>
+        <p:nvSpPr>
+          <p:cNvPr id="211" name="Ellipse 210"/>
+          <p:cNvSpPr/>
+          <p:nvPr/>
+        </p:nvSpPr>
+        <p:spPr>
+          <a:xfrm>
+            <a:off x="2759730" y="3882938"/>
+            <a:ext cx="60960" cy="59055"/>
+          </a:xfrm>
+          <a:prstGeom prst="ellipse">
+            <a:avLst/>
+          </a:prstGeom>
+          <a:noFill/>
+          <a:ln>
+            <a:solidFill>
+              <a:schemeClr val="bg2">
+                <a:lumMod val="50000"/>
+              </a:schemeClr>
+            </a:solidFill>
+          </a:ln>
+        </p:spPr>
+        <p:style>
+          <a:lnRef idx="2">
+            <a:schemeClr val="accent1">
+              <a:shade val="50000"/>
+            </a:schemeClr>
+          </a:lnRef>
+          <a:fillRef idx="1">
+            <a:schemeClr val="accent1"/>
+          </a:fillRef>
+          <a:effectRef idx="0">
+            <a:schemeClr val="accent1"/>
+          </a:effectRef>
+          <a:fontRef idx="minor">
+            <a:schemeClr val="lt1"/>
+          </a:fontRef>
+        </p:style>
+        <p:txBody>
+          <a:bodyPr rtlCol="0" anchor="ctr"/>
+          <a:lstStyle/>
+          <a:p>
+            <a:pPr algn="ctr"/>
+            <a:endParaRPr lang="fr-FR"/>
+          </a:p>
+        </p:txBody>
+      </p:sp>
+      <p:sp>
+        <p:nvSpPr>
+          <p:cNvPr id="212" name="Ellipse 211"/>
+          <p:cNvSpPr/>
+          <p:nvPr/>
+        </p:nvSpPr>
+        <p:spPr>
+          <a:xfrm>
+            <a:off x="2847728" y="3882938"/>
+            <a:ext cx="60960" cy="59055"/>
+          </a:xfrm>
+          <a:prstGeom prst="ellipse">
+            <a:avLst/>
+          </a:prstGeom>
+          <a:noFill/>
+          <a:ln>
+            <a:solidFill>
+              <a:schemeClr val="bg2">
+                <a:lumMod val="50000"/>
+              </a:schemeClr>
+            </a:solidFill>
+          </a:ln>
+        </p:spPr>
+        <p:style>
+          <a:lnRef idx="2">
+            <a:schemeClr val="accent1">
+              <a:shade val="50000"/>
+            </a:schemeClr>
+          </a:lnRef>
+          <a:fillRef idx="1">
+            <a:schemeClr val="accent1"/>
+          </a:fillRef>
+          <a:effectRef idx="0">
+            <a:schemeClr val="accent1"/>
+          </a:effectRef>
+          <a:fontRef idx="minor">
+            <a:schemeClr val="lt1"/>
+          </a:fontRef>
+        </p:style>
+        <p:txBody>
+          <a:bodyPr rtlCol="0" anchor="ctr"/>
+          <a:lstStyle/>
+          <a:p>
+            <a:pPr algn="ctr"/>
+            <a:endParaRPr lang="fr-FR"/>
+          </a:p>
+        </p:txBody>
+      </p:sp>
+      <p:sp>
+        <p:nvSpPr>
+          <p:cNvPr id="213" name="Ellipse 212"/>
+          <p:cNvSpPr/>
+          <p:nvPr/>
+        </p:nvSpPr>
+        <p:spPr>
+          <a:xfrm>
+            <a:off x="2935726" y="3882938"/>
+            <a:ext cx="60960" cy="59055"/>
+          </a:xfrm>
+          <a:prstGeom prst="ellipse">
+            <a:avLst/>
+          </a:prstGeom>
+          <a:noFill/>
+          <a:ln>
+            <a:solidFill>
+              <a:schemeClr val="bg2">
+                <a:lumMod val="50000"/>
+              </a:schemeClr>
+            </a:solidFill>
+          </a:ln>
+        </p:spPr>
+        <p:style>
+          <a:lnRef idx="2">
+            <a:schemeClr val="accent1">
+              <a:shade val="50000"/>
+            </a:schemeClr>
+          </a:lnRef>
+          <a:fillRef idx="1">
+            <a:schemeClr val="accent1"/>
+          </a:fillRef>
+          <a:effectRef idx="0">
+            <a:schemeClr val="accent1"/>
+          </a:effectRef>
+          <a:fontRef idx="minor">
+            <a:schemeClr val="lt1"/>
+          </a:fontRef>
+        </p:style>
+        <p:txBody>
+          <a:bodyPr rtlCol="0" anchor="ctr"/>
+          <a:lstStyle/>
+          <a:p>
+            <a:pPr algn="ctr"/>
+            <a:endParaRPr lang="fr-FR"/>
           </a:p>
         </p:txBody>
       </p:sp>

--- a/projet/Projet bdd.pptx
+++ b/projet/Projet bdd.pptx
@@ -4,6 +4,9 @@
   <p:sldMasterIdLst>
     <p:sldMasterId id="2147483660" r:id="rId1"/>
   </p:sldMasterIdLst>
+  <p:notesMasterIdLst>
+    <p:notesMasterId r:id="rId10"/>
+  </p:notesMasterIdLst>
   <p:sldIdLst>
     <p:sldId id="256" r:id="rId2"/>
     <p:sldId id="257" r:id="rId3"/>
@@ -130,6 +133,1060 @@
 </p:presentation>
 </file>
 
+<file path=ppt/notesMasters/notesMaster1.xml><?xml version="1.0" encoding="utf-8"?>
+<p:notesMaster xmlns:a="http://schemas.openxmlformats.org/drawingml/2006/main" xmlns:r="http://schemas.openxmlformats.org/officeDocument/2006/relationships" xmlns:p="http://schemas.openxmlformats.org/presentationml/2006/main">
+  <p:cSld>
+    <p:bg>
+      <p:bgRef idx="1001">
+        <a:schemeClr val="bg1"/>
+      </p:bgRef>
+    </p:bg>
+    <p:spTree>
+      <p:nvGrpSpPr>
+        <p:cNvPr id="1" name=""/>
+        <p:cNvGrpSpPr/>
+        <p:nvPr/>
+      </p:nvGrpSpPr>
+      <p:grpSpPr>
+        <a:xfrm>
+          <a:off x="0" y="0"/>
+          <a:ext cx="0" cy="0"/>
+          <a:chOff x="0" y="0"/>
+          <a:chExt cx="0" cy="0"/>
+        </a:xfrm>
+      </p:grpSpPr>
+      <p:sp>
+        <p:nvSpPr>
+          <p:cNvPr id="2" name="Espace réservé de l’en-tête 1"/>
+          <p:cNvSpPr>
+            <a:spLocks noGrp="1"/>
+          </p:cNvSpPr>
+          <p:nvPr>
+            <p:ph type="hdr" sz="quarter"/>
+          </p:nvPr>
+        </p:nvSpPr>
+        <p:spPr>
+          <a:xfrm>
+            <a:off x="0" y="0"/>
+            <a:ext cx="2971800" cy="458788"/>
+          </a:xfrm>
+          <a:prstGeom prst="rect">
+            <a:avLst/>
+          </a:prstGeom>
+        </p:spPr>
+        <p:txBody>
+          <a:bodyPr vert="horz" lIns="91440" tIns="45720" rIns="91440" bIns="45720" rtlCol="0"/>
+          <a:lstStyle>
+            <a:lvl1pPr algn="l">
+              <a:defRPr sz="1200"/>
+            </a:lvl1pPr>
+          </a:lstStyle>
+          <a:p>
+            <a:endParaRPr lang="fr-FR"/>
+          </a:p>
+        </p:txBody>
+      </p:sp>
+      <p:sp>
+        <p:nvSpPr>
+          <p:cNvPr id="3" name="Espace réservé de la date 2"/>
+          <p:cNvSpPr>
+            <a:spLocks noGrp="1"/>
+          </p:cNvSpPr>
+          <p:nvPr>
+            <p:ph type="dt" idx="1"/>
+          </p:nvPr>
+        </p:nvSpPr>
+        <p:spPr>
+          <a:xfrm>
+            <a:off x="3884613" y="0"/>
+            <a:ext cx="2971800" cy="458788"/>
+          </a:xfrm>
+          <a:prstGeom prst="rect">
+            <a:avLst/>
+          </a:prstGeom>
+        </p:spPr>
+        <p:txBody>
+          <a:bodyPr vert="horz" lIns="91440" tIns="45720" rIns="91440" bIns="45720" rtlCol="0"/>
+          <a:lstStyle>
+            <a:lvl1pPr algn="r">
+              <a:defRPr sz="1200"/>
+            </a:lvl1pPr>
+          </a:lstStyle>
+          <a:p>
+            <a:fld id="{484E70A5-E1AB-7D46-819D-F6C5566C6D42}" type="datetimeFigureOut">
+              <a:rPr lang="fr-FR" smtClean="0"/>
+              <a:t>12/12/2017</a:t>
+            </a:fld>
+            <a:endParaRPr lang="fr-FR"/>
+          </a:p>
+        </p:txBody>
+      </p:sp>
+      <p:sp>
+        <p:nvSpPr>
+          <p:cNvPr id="4" name="Espace réservé de l’image des diapositives 3"/>
+          <p:cNvSpPr>
+            <a:spLocks noGrp="1" noRot="1" noChangeAspect="1"/>
+          </p:cNvSpPr>
+          <p:nvPr>
+            <p:ph type="sldImg" idx="2"/>
+          </p:nvPr>
+        </p:nvSpPr>
+        <p:spPr>
+          <a:xfrm>
+            <a:off x="1371600" y="1143000"/>
+            <a:ext cx="4114800" cy="3086100"/>
+          </a:xfrm>
+          <a:prstGeom prst="rect">
+            <a:avLst/>
+          </a:prstGeom>
+          <a:noFill/>
+          <a:ln w="12700">
+            <a:solidFill>
+              <a:prstClr val="black"/>
+            </a:solidFill>
+          </a:ln>
+        </p:spPr>
+        <p:txBody>
+          <a:bodyPr vert="horz" lIns="91440" tIns="45720" rIns="91440" bIns="45720" rtlCol="0" anchor="ctr"/>
+          <a:lstStyle/>
+          <a:p>
+            <a:endParaRPr lang="fr-FR"/>
+          </a:p>
+        </p:txBody>
+      </p:sp>
+      <p:sp>
+        <p:nvSpPr>
+          <p:cNvPr id="5" name="Espace réservé des commentaires 4"/>
+          <p:cNvSpPr>
+            <a:spLocks noGrp="1"/>
+          </p:cNvSpPr>
+          <p:nvPr>
+            <p:ph type="body" sz="quarter" idx="3"/>
+          </p:nvPr>
+        </p:nvSpPr>
+        <p:spPr>
+          <a:xfrm>
+            <a:off x="685800" y="4400550"/>
+            <a:ext cx="5486400" cy="3600450"/>
+          </a:xfrm>
+          <a:prstGeom prst="rect">
+            <a:avLst/>
+          </a:prstGeom>
+        </p:spPr>
+        <p:txBody>
+          <a:bodyPr vert="horz" lIns="91440" tIns="45720" rIns="91440" bIns="45720" rtlCol="0"/>
+          <a:lstStyle/>
+          <a:p>
+            <a:pPr lvl="0"/>
+            <a:r>
+              <a:rPr lang="fr-FR" smtClean="0"/>
+              <a:t>Cliquez pour modifier les styles du texte du masque</a:t>
+            </a:r>
+          </a:p>
+          <a:p>
+            <a:pPr lvl="1"/>
+            <a:r>
+              <a:rPr lang="fr-FR" smtClean="0"/>
+              <a:t>Deuxième niveau</a:t>
+            </a:r>
+          </a:p>
+          <a:p>
+            <a:pPr lvl="2"/>
+            <a:r>
+              <a:rPr lang="fr-FR" smtClean="0"/>
+              <a:t>Troisième niveau</a:t>
+            </a:r>
+          </a:p>
+          <a:p>
+            <a:pPr lvl="3"/>
+            <a:r>
+              <a:rPr lang="fr-FR" smtClean="0"/>
+              <a:t>Quatrième niveau</a:t>
+            </a:r>
+          </a:p>
+          <a:p>
+            <a:pPr lvl="4"/>
+            <a:r>
+              <a:rPr lang="fr-FR" smtClean="0"/>
+              <a:t>Cinquième niveau</a:t>
+            </a:r>
+            <a:endParaRPr lang="fr-FR"/>
+          </a:p>
+        </p:txBody>
+      </p:sp>
+      <p:sp>
+        <p:nvSpPr>
+          <p:cNvPr id="6" name="Espace réservé du pied de page 5"/>
+          <p:cNvSpPr>
+            <a:spLocks noGrp="1"/>
+          </p:cNvSpPr>
+          <p:nvPr>
+            <p:ph type="ftr" sz="quarter" idx="4"/>
+          </p:nvPr>
+        </p:nvSpPr>
+        <p:spPr>
+          <a:xfrm>
+            <a:off x="0" y="8685213"/>
+            <a:ext cx="2971800" cy="458787"/>
+          </a:xfrm>
+          <a:prstGeom prst="rect">
+            <a:avLst/>
+          </a:prstGeom>
+        </p:spPr>
+        <p:txBody>
+          <a:bodyPr vert="horz" lIns="91440" tIns="45720" rIns="91440" bIns="45720" rtlCol="0" anchor="b"/>
+          <a:lstStyle>
+            <a:lvl1pPr algn="l">
+              <a:defRPr sz="1200"/>
+            </a:lvl1pPr>
+          </a:lstStyle>
+          <a:p>
+            <a:endParaRPr lang="fr-FR"/>
+          </a:p>
+        </p:txBody>
+      </p:sp>
+      <p:sp>
+        <p:nvSpPr>
+          <p:cNvPr id="7" name="Espace réservé du numéro de diapositive 6"/>
+          <p:cNvSpPr>
+            <a:spLocks noGrp="1"/>
+          </p:cNvSpPr>
+          <p:nvPr>
+            <p:ph type="sldNum" sz="quarter" idx="5"/>
+          </p:nvPr>
+        </p:nvSpPr>
+        <p:spPr>
+          <a:xfrm>
+            <a:off x="3884613" y="8685213"/>
+            <a:ext cx="2971800" cy="458787"/>
+          </a:xfrm>
+          <a:prstGeom prst="rect">
+            <a:avLst/>
+          </a:prstGeom>
+        </p:spPr>
+        <p:txBody>
+          <a:bodyPr vert="horz" lIns="91440" tIns="45720" rIns="91440" bIns="45720" rtlCol="0" anchor="b"/>
+          <a:lstStyle>
+            <a:lvl1pPr algn="r">
+              <a:defRPr sz="1200"/>
+            </a:lvl1pPr>
+          </a:lstStyle>
+          <a:p>
+            <a:fld id="{C0DB4AF5-DAFD-4548-9C4A-55FA99145115}" type="slidenum">
+              <a:rPr lang="fr-FR" smtClean="0"/>
+              <a:t>‹#›</a:t>
+            </a:fld>
+            <a:endParaRPr lang="fr-FR"/>
+          </a:p>
+        </p:txBody>
+      </p:sp>
+    </p:spTree>
+    <p:extLst>
+      <p:ext uri="{BB962C8B-B14F-4D97-AF65-F5344CB8AC3E}">
+        <p14:creationId xmlns:p14="http://schemas.microsoft.com/office/powerpoint/2010/main" val="994933469"/>
+      </p:ext>
+    </p:extLst>
+  </p:cSld>
+  <p:clrMap bg1="lt1" tx1="dk1" bg2="lt2" tx2="dk2" accent1="accent1" accent2="accent2" accent3="accent3" accent4="accent4" accent5="accent5" accent6="accent6" hlink="hlink" folHlink="folHlink"/>
+  <p:notesStyle>
+    <a:lvl1pPr marL="0" algn="l" defTabSz="914400" rtl="0" eaLnBrk="1" latinLnBrk="0" hangingPunct="1">
+      <a:defRPr sz="1200" kern="1200">
+        <a:solidFill>
+          <a:schemeClr val="tx1"/>
+        </a:solidFill>
+        <a:latin typeface="+mn-lt"/>
+        <a:ea typeface="+mn-ea"/>
+        <a:cs typeface="+mn-cs"/>
+      </a:defRPr>
+    </a:lvl1pPr>
+    <a:lvl2pPr marL="457200" algn="l" defTabSz="914400" rtl="0" eaLnBrk="1" latinLnBrk="0" hangingPunct="1">
+      <a:defRPr sz="1200" kern="1200">
+        <a:solidFill>
+          <a:schemeClr val="tx1"/>
+        </a:solidFill>
+        <a:latin typeface="+mn-lt"/>
+        <a:ea typeface="+mn-ea"/>
+        <a:cs typeface="+mn-cs"/>
+      </a:defRPr>
+    </a:lvl2pPr>
+    <a:lvl3pPr marL="914400" algn="l" defTabSz="914400" rtl="0" eaLnBrk="1" latinLnBrk="0" hangingPunct="1">
+      <a:defRPr sz="1200" kern="1200">
+        <a:solidFill>
+          <a:schemeClr val="tx1"/>
+        </a:solidFill>
+        <a:latin typeface="+mn-lt"/>
+        <a:ea typeface="+mn-ea"/>
+        <a:cs typeface="+mn-cs"/>
+      </a:defRPr>
+    </a:lvl3pPr>
+    <a:lvl4pPr marL="1371600" algn="l" defTabSz="914400" rtl="0" eaLnBrk="1" latinLnBrk="0" hangingPunct="1">
+      <a:defRPr sz="1200" kern="1200">
+        <a:solidFill>
+          <a:schemeClr val="tx1"/>
+        </a:solidFill>
+        <a:latin typeface="+mn-lt"/>
+        <a:ea typeface="+mn-ea"/>
+        <a:cs typeface="+mn-cs"/>
+      </a:defRPr>
+    </a:lvl4pPr>
+    <a:lvl5pPr marL="1828800" algn="l" defTabSz="914400" rtl="0" eaLnBrk="1" latinLnBrk="0" hangingPunct="1">
+      <a:defRPr sz="1200" kern="1200">
+        <a:solidFill>
+          <a:schemeClr val="tx1"/>
+        </a:solidFill>
+        <a:latin typeface="+mn-lt"/>
+        <a:ea typeface="+mn-ea"/>
+        <a:cs typeface="+mn-cs"/>
+      </a:defRPr>
+    </a:lvl5pPr>
+    <a:lvl6pPr marL="2286000" algn="l" defTabSz="914400" rtl="0" eaLnBrk="1" latinLnBrk="0" hangingPunct="1">
+      <a:defRPr sz="1200" kern="1200">
+        <a:solidFill>
+          <a:schemeClr val="tx1"/>
+        </a:solidFill>
+        <a:latin typeface="+mn-lt"/>
+        <a:ea typeface="+mn-ea"/>
+        <a:cs typeface="+mn-cs"/>
+      </a:defRPr>
+    </a:lvl6pPr>
+    <a:lvl7pPr marL="2743200" algn="l" defTabSz="914400" rtl="0" eaLnBrk="1" latinLnBrk="0" hangingPunct="1">
+      <a:defRPr sz="1200" kern="1200">
+        <a:solidFill>
+          <a:schemeClr val="tx1"/>
+        </a:solidFill>
+        <a:latin typeface="+mn-lt"/>
+        <a:ea typeface="+mn-ea"/>
+        <a:cs typeface="+mn-cs"/>
+      </a:defRPr>
+    </a:lvl7pPr>
+    <a:lvl8pPr marL="3200400" algn="l" defTabSz="914400" rtl="0" eaLnBrk="1" latinLnBrk="0" hangingPunct="1">
+      <a:defRPr sz="1200" kern="1200">
+        <a:solidFill>
+          <a:schemeClr val="tx1"/>
+        </a:solidFill>
+        <a:latin typeface="+mn-lt"/>
+        <a:ea typeface="+mn-ea"/>
+        <a:cs typeface="+mn-cs"/>
+      </a:defRPr>
+    </a:lvl8pPr>
+    <a:lvl9pPr marL="3657600" algn="l" defTabSz="914400" rtl="0" eaLnBrk="1" latinLnBrk="0" hangingPunct="1">
+      <a:defRPr sz="1200" kern="1200">
+        <a:solidFill>
+          <a:schemeClr val="tx1"/>
+        </a:solidFill>
+        <a:latin typeface="+mn-lt"/>
+        <a:ea typeface="+mn-ea"/>
+        <a:cs typeface="+mn-cs"/>
+      </a:defRPr>
+    </a:lvl9pPr>
+  </p:notesStyle>
+</p:notesMaster>
+</file>
+
+<file path=ppt/notesSlides/notesSlide1.xml><?xml version="1.0" encoding="utf-8"?>
+<p:notes xmlns:a="http://schemas.openxmlformats.org/drawingml/2006/main" xmlns:r="http://schemas.openxmlformats.org/officeDocument/2006/relationships" xmlns:p="http://schemas.openxmlformats.org/presentationml/2006/main">
+  <p:cSld>
+    <p:spTree>
+      <p:nvGrpSpPr>
+        <p:cNvPr id="1" name=""/>
+        <p:cNvGrpSpPr/>
+        <p:nvPr/>
+      </p:nvGrpSpPr>
+      <p:grpSpPr>
+        <a:xfrm>
+          <a:off x="0" y="0"/>
+          <a:ext cx="0" cy="0"/>
+          <a:chOff x="0" y="0"/>
+          <a:chExt cx="0" cy="0"/>
+        </a:xfrm>
+      </p:grpSpPr>
+      <p:sp>
+        <p:nvSpPr>
+          <p:cNvPr id="2" name="Espace réservé de l’image des diapositives 1"/>
+          <p:cNvSpPr>
+            <a:spLocks noGrp="1" noRot="1" noChangeAspect="1"/>
+          </p:cNvSpPr>
+          <p:nvPr>
+            <p:ph type="sldImg"/>
+          </p:nvPr>
+        </p:nvSpPr>
+        <p:spPr/>
+      </p:sp>
+      <p:sp>
+        <p:nvSpPr>
+          <p:cNvPr id="3" name="Espace réservé des commentaires 2"/>
+          <p:cNvSpPr>
+            <a:spLocks noGrp="1"/>
+          </p:cNvSpPr>
+          <p:nvPr>
+            <p:ph type="body" idx="1"/>
+          </p:nvPr>
+        </p:nvSpPr>
+        <p:spPr/>
+        <p:txBody>
+          <a:bodyPr/>
+          <a:lstStyle/>
+          <a:p>
+            <a:r>
+              <a:rPr lang="fr-FR" dirty="0" smtClean="0"/>
+              <a:t>Matthieu</a:t>
+            </a:r>
+            <a:endParaRPr lang="fr-FR" dirty="0"/>
+          </a:p>
+        </p:txBody>
+      </p:sp>
+      <p:sp>
+        <p:nvSpPr>
+          <p:cNvPr id="4" name="Espace réservé du numéro de diapositive 3"/>
+          <p:cNvSpPr>
+            <a:spLocks noGrp="1"/>
+          </p:cNvSpPr>
+          <p:nvPr>
+            <p:ph type="sldNum" sz="quarter" idx="10"/>
+          </p:nvPr>
+        </p:nvSpPr>
+        <p:spPr/>
+        <p:txBody>
+          <a:bodyPr/>
+          <a:lstStyle/>
+          <a:p>
+            <a:fld id="{C0DB4AF5-DAFD-4548-9C4A-55FA99145115}" type="slidenum">
+              <a:rPr lang="fr-FR" smtClean="0"/>
+              <a:t>1</a:t>
+            </a:fld>
+            <a:endParaRPr lang="fr-FR"/>
+          </a:p>
+        </p:txBody>
+      </p:sp>
+    </p:spTree>
+    <p:extLst>
+      <p:ext uri="{BB962C8B-B14F-4D97-AF65-F5344CB8AC3E}">
+        <p14:creationId xmlns:p14="http://schemas.microsoft.com/office/powerpoint/2010/main" val="1539137941"/>
+      </p:ext>
+    </p:extLst>
+  </p:cSld>
+  <p:clrMapOvr>
+    <a:masterClrMapping/>
+  </p:clrMapOvr>
+</p:notes>
+</file>
+
+<file path=ppt/notesSlides/notesSlide2.xml><?xml version="1.0" encoding="utf-8"?>
+<p:notes xmlns:a="http://schemas.openxmlformats.org/drawingml/2006/main" xmlns:r="http://schemas.openxmlformats.org/officeDocument/2006/relationships" xmlns:p="http://schemas.openxmlformats.org/presentationml/2006/main">
+  <p:cSld>
+    <p:spTree>
+      <p:nvGrpSpPr>
+        <p:cNvPr id="1" name=""/>
+        <p:cNvGrpSpPr/>
+        <p:nvPr/>
+      </p:nvGrpSpPr>
+      <p:grpSpPr>
+        <a:xfrm>
+          <a:off x="0" y="0"/>
+          <a:ext cx="0" cy="0"/>
+          <a:chOff x="0" y="0"/>
+          <a:chExt cx="0" cy="0"/>
+        </a:xfrm>
+      </p:grpSpPr>
+      <p:sp>
+        <p:nvSpPr>
+          <p:cNvPr id="2" name="Espace réservé de l’image des diapositives 1"/>
+          <p:cNvSpPr>
+            <a:spLocks noGrp="1" noRot="1" noChangeAspect="1"/>
+          </p:cNvSpPr>
+          <p:nvPr>
+            <p:ph type="sldImg"/>
+          </p:nvPr>
+        </p:nvSpPr>
+        <p:spPr/>
+      </p:sp>
+      <p:sp>
+        <p:nvSpPr>
+          <p:cNvPr id="3" name="Espace réservé des commentaires 2"/>
+          <p:cNvSpPr>
+            <a:spLocks noGrp="1"/>
+          </p:cNvSpPr>
+          <p:nvPr>
+            <p:ph type="body" idx="1"/>
+          </p:nvPr>
+        </p:nvSpPr>
+        <p:spPr/>
+        <p:txBody>
+          <a:bodyPr/>
+          <a:lstStyle/>
+          <a:p>
+            <a:r>
+              <a:rPr lang="fr-FR" dirty="0" smtClean="0"/>
+              <a:t>Matthieu</a:t>
+            </a:r>
+            <a:endParaRPr lang="fr-FR" dirty="0"/>
+          </a:p>
+        </p:txBody>
+      </p:sp>
+      <p:sp>
+        <p:nvSpPr>
+          <p:cNvPr id="4" name="Espace réservé du numéro de diapositive 3"/>
+          <p:cNvSpPr>
+            <a:spLocks noGrp="1"/>
+          </p:cNvSpPr>
+          <p:nvPr>
+            <p:ph type="sldNum" sz="quarter" idx="10"/>
+          </p:nvPr>
+        </p:nvSpPr>
+        <p:spPr/>
+        <p:txBody>
+          <a:bodyPr/>
+          <a:lstStyle/>
+          <a:p>
+            <a:fld id="{C0DB4AF5-DAFD-4548-9C4A-55FA99145115}" type="slidenum">
+              <a:rPr lang="fr-FR" smtClean="0"/>
+              <a:t>2</a:t>
+            </a:fld>
+            <a:endParaRPr lang="fr-FR"/>
+          </a:p>
+        </p:txBody>
+      </p:sp>
+    </p:spTree>
+    <p:extLst>
+      <p:ext uri="{BB962C8B-B14F-4D97-AF65-F5344CB8AC3E}">
+        <p14:creationId xmlns:p14="http://schemas.microsoft.com/office/powerpoint/2010/main" val="264929682"/>
+      </p:ext>
+    </p:extLst>
+  </p:cSld>
+  <p:clrMapOvr>
+    <a:masterClrMapping/>
+  </p:clrMapOvr>
+</p:notes>
+</file>
+
+<file path=ppt/notesSlides/notesSlide3.xml><?xml version="1.0" encoding="utf-8"?>
+<p:notes xmlns:a="http://schemas.openxmlformats.org/drawingml/2006/main" xmlns:r="http://schemas.openxmlformats.org/officeDocument/2006/relationships" xmlns:p="http://schemas.openxmlformats.org/presentationml/2006/main">
+  <p:cSld>
+    <p:spTree>
+      <p:nvGrpSpPr>
+        <p:cNvPr id="1" name=""/>
+        <p:cNvGrpSpPr/>
+        <p:nvPr/>
+      </p:nvGrpSpPr>
+      <p:grpSpPr>
+        <a:xfrm>
+          <a:off x="0" y="0"/>
+          <a:ext cx="0" cy="0"/>
+          <a:chOff x="0" y="0"/>
+          <a:chExt cx="0" cy="0"/>
+        </a:xfrm>
+      </p:grpSpPr>
+      <p:sp>
+        <p:nvSpPr>
+          <p:cNvPr id="2" name="Espace réservé de l’image des diapositives 1"/>
+          <p:cNvSpPr>
+            <a:spLocks noGrp="1" noRot="1" noChangeAspect="1"/>
+          </p:cNvSpPr>
+          <p:nvPr>
+            <p:ph type="sldImg"/>
+          </p:nvPr>
+        </p:nvSpPr>
+        <p:spPr/>
+      </p:sp>
+      <p:sp>
+        <p:nvSpPr>
+          <p:cNvPr id="3" name="Espace réservé des commentaires 2"/>
+          <p:cNvSpPr>
+            <a:spLocks noGrp="1"/>
+          </p:cNvSpPr>
+          <p:nvPr>
+            <p:ph type="body" idx="1"/>
+          </p:nvPr>
+        </p:nvSpPr>
+        <p:spPr/>
+        <p:txBody>
+          <a:bodyPr/>
+          <a:lstStyle/>
+          <a:p>
+            <a:r>
+              <a:rPr lang="fr-FR" dirty="0" smtClean="0"/>
+              <a:t>Quentin</a:t>
+            </a:r>
+            <a:endParaRPr lang="fr-FR" dirty="0"/>
+          </a:p>
+        </p:txBody>
+      </p:sp>
+      <p:sp>
+        <p:nvSpPr>
+          <p:cNvPr id="4" name="Espace réservé du numéro de diapositive 3"/>
+          <p:cNvSpPr>
+            <a:spLocks noGrp="1"/>
+          </p:cNvSpPr>
+          <p:nvPr>
+            <p:ph type="sldNum" sz="quarter" idx="10"/>
+          </p:nvPr>
+        </p:nvSpPr>
+        <p:spPr/>
+        <p:txBody>
+          <a:bodyPr/>
+          <a:lstStyle/>
+          <a:p>
+            <a:fld id="{C0DB4AF5-DAFD-4548-9C4A-55FA99145115}" type="slidenum">
+              <a:rPr lang="fr-FR" smtClean="0"/>
+              <a:t>3</a:t>
+            </a:fld>
+            <a:endParaRPr lang="fr-FR"/>
+          </a:p>
+        </p:txBody>
+      </p:sp>
+    </p:spTree>
+    <p:extLst>
+      <p:ext uri="{BB962C8B-B14F-4D97-AF65-F5344CB8AC3E}">
+        <p14:creationId xmlns:p14="http://schemas.microsoft.com/office/powerpoint/2010/main" val="1679410826"/>
+      </p:ext>
+    </p:extLst>
+  </p:cSld>
+  <p:clrMapOvr>
+    <a:masterClrMapping/>
+  </p:clrMapOvr>
+</p:notes>
+</file>
+
+<file path=ppt/notesSlides/notesSlide4.xml><?xml version="1.0" encoding="utf-8"?>
+<p:notes xmlns:a="http://schemas.openxmlformats.org/drawingml/2006/main" xmlns:r="http://schemas.openxmlformats.org/officeDocument/2006/relationships" xmlns:p="http://schemas.openxmlformats.org/presentationml/2006/main">
+  <p:cSld>
+    <p:spTree>
+      <p:nvGrpSpPr>
+        <p:cNvPr id="1" name=""/>
+        <p:cNvGrpSpPr/>
+        <p:nvPr/>
+      </p:nvGrpSpPr>
+      <p:grpSpPr>
+        <a:xfrm>
+          <a:off x="0" y="0"/>
+          <a:ext cx="0" cy="0"/>
+          <a:chOff x="0" y="0"/>
+          <a:chExt cx="0" cy="0"/>
+        </a:xfrm>
+      </p:grpSpPr>
+      <p:sp>
+        <p:nvSpPr>
+          <p:cNvPr id="2" name="Espace réservé de l’image des diapositives 1"/>
+          <p:cNvSpPr>
+            <a:spLocks noGrp="1" noRot="1" noChangeAspect="1"/>
+          </p:cNvSpPr>
+          <p:nvPr>
+            <p:ph type="sldImg"/>
+          </p:nvPr>
+        </p:nvSpPr>
+        <p:spPr/>
+      </p:sp>
+      <p:sp>
+        <p:nvSpPr>
+          <p:cNvPr id="3" name="Espace réservé des commentaires 2"/>
+          <p:cNvSpPr>
+            <a:spLocks noGrp="1"/>
+          </p:cNvSpPr>
+          <p:nvPr>
+            <p:ph type="body" idx="1"/>
+          </p:nvPr>
+        </p:nvSpPr>
+        <p:spPr/>
+        <p:txBody>
+          <a:bodyPr/>
+          <a:lstStyle/>
+          <a:p>
+            <a:r>
+              <a:rPr lang="fr-FR" dirty="0" smtClean="0"/>
+              <a:t>Quentin</a:t>
+            </a:r>
+            <a:endParaRPr lang="fr-FR" dirty="0"/>
+          </a:p>
+        </p:txBody>
+      </p:sp>
+      <p:sp>
+        <p:nvSpPr>
+          <p:cNvPr id="4" name="Espace réservé du numéro de diapositive 3"/>
+          <p:cNvSpPr>
+            <a:spLocks noGrp="1"/>
+          </p:cNvSpPr>
+          <p:nvPr>
+            <p:ph type="sldNum" sz="quarter" idx="10"/>
+          </p:nvPr>
+        </p:nvSpPr>
+        <p:spPr/>
+        <p:txBody>
+          <a:bodyPr/>
+          <a:lstStyle/>
+          <a:p>
+            <a:fld id="{C0DB4AF5-DAFD-4548-9C4A-55FA99145115}" type="slidenum">
+              <a:rPr lang="fr-FR" smtClean="0"/>
+              <a:t>4</a:t>
+            </a:fld>
+            <a:endParaRPr lang="fr-FR"/>
+          </a:p>
+        </p:txBody>
+      </p:sp>
+    </p:spTree>
+    <p:extLst>
+      <p:ext uri="{BB962C8B-B14F-4D97-AF65-F5344CB8AC3E}">
+        <p14:creationId xmlns:p14="http://schemas.microsoft.com/office/powerpoint/2010/main" val="1928611390"/>
+      </p:ext>
+    </p:extLst>
+  </p:cSld>
+  <p:clrMapOvr>
+    <a:masterClrMapping/>
+  </p:clrMapOvr>
+</p:notes>
+</file>
+
+<file path=ppt/notesSlides/notesSlide5.xml><?xml version="1.0" encoding="utf-8"?>
+<p:notes xmlns:a="http://schemas.openxmlformats.org/drawingml/2006/main" xmlns:r="http://schemas.openxmlformats.org/officeDocument/2006/relationships" xmlns:p="http://schemas.openxmlformats.org/presentationml/2006/main">
+  <p:cSld>
+    <p:spTree>
+      <p:nvGrpSpPr>
+        <p:cNvPr id="1" name=""/>
+        <p:cNvGrpSpPr/>
+        <p:nvPr/>
+      </p:nvGrpSpPr>
+      <p:grpSpPr>
+        <a:xfrm>
+          <a:off x="0" y="0"/>
+          <a:ext cx="0" cy="0"/>
+          <a:chOff x="0" y="0"/>
+          <a:chExt cx="0" cy="0"/>
+        </a:xfrm>
+      </p:grpSpPr>
+      <p:sp>
+        <p:nvSpPr>
+          <p:cNvPr id="2" name="Espace réservé de l’image des diapositives 1"/>
+          <p:cNvSpPr>
+            <a:spLocks noGrp="1" noRot="1" noChangeAspect="1"/>
+          </p:cNvSpPr>
+          <p:nvPr>
+            <p:ph type="sldImg"/>
+          </p:nvPr>
+        </p:nvSpPr>
+        <p:spPr/>
+      </p:sp>
+      <p:sp>
+        <p:nvSpPr>
+          <p:cNvPr id="3" name="Espace réservé des commentaires 2"/>
+          <p:cNvSpPr>
+            <a:spLocks noGrp="1"/>
+          </p:cNvSpPr>
+          <p:nvPr>
+            <p:ph type="body" idx="1"/>
+          </p:nvPr>
+        </p:nvSpPr>
+        <p:spPr/>
+        <p:txBody>
+          <a:bodyPr/>
+          <a:lstStyle/>
+          <a:p>
+            <a:r>
+              <a:rPr lang="fr-FR" dirty="0" smtClean="0"/>
+              <a:t>Matthieu</a:t>
+            </a:r>
+            <a:endParaRPr lang="fr-FR" dirty="0"/>
+          </a:p>
+        </p:txBody>
+      </p:sp>
+      <p:sp>
+        <p:nvSpPr>
+          <p:cNvPr id="4" name="Espace réservé du numéro de diapositive 3"/>
+          <p:cNvSpPr>
+            <a:spLocks noGrp="1"/>
+          </p:cNvSpPr>
+          <p:nvPr>
+            <p:ph type="sldNum" sz="quarter" idx="10"/>
+          </p:nvPr>
+        </p:nvSpPr>
+        <p:spPr/>
+        <p:txBody>
+          <a:bodyPr/>
+          <a:lstStyle/>
+          <a:p>
+            <a:fld id="{C0DB4AF5-DAFD-4548-9C4A-55FA99145115}" type="slidenum">
+              <a:rPr lang="fr-FR" smtClean="0"/>
+              <a:t>5</a:t>
+            </a:fld>
+            <a:endParaRPr lang="fr-FR"/>
+          </a:p>
+        </p:txBody>
+      </p:sp>
+    </p:spTree>
+    <p:extLst>
+      <p:ext uri="{BB962C8B-B14F-4D97-AF65-F5344CB8AC3E}">
+        <p14:creationId xmlns:p14="http://schemas.microsoft.com/office/powerpoint/2010/main" val="1579700922"/>
+      </p:ext>
+    </p:extLst>
+  </p:cSld>
+  <p:clrMapOvr>
+    <a:masterClrMapping/>
+  </p:clrMapOvr>
+</p:notes>
+</file>
+
+<file path=ppt/notesSlides/notesSlide6.xml><?xml version="1.0" encoding="utf-8"?>
+<p:notes xmlns:a="http://schemas.openxmlformats.org/drawingml/2006/main" xmlns:r="http://schemas.openxmlformats.org/officeDocument/2006/relationships" xmlns:p="http://schemas.openxmlformats.org/presentationml/2006/main">
+  <p:cSld>
+    <p:spTree>
+      <p:nvGrpSpPr>
+        <p:cNvPr id="1" name=""/>
+        <p:cNvGrpSpPr/>
+        <p:nvPr/>
+      </p:nvGrpSpPr>
+      <p:grpSpPr>
+        <a:xfrm>
+          <a:off x="0" y="0"/>
+          <a:ext cx="0" cy="0"/>
+          <a:chOff x="0" y="0"/>
+          <a:chExt cx="0" cy="0"/>
+        </a:xfrm>
+      </p:grpSpPr>
+      <p:sp>
+        <p:nvSpPr>
+          <p:cNvPr id="2" name="Espace réservé de l’image des diapositives 1"/>
+          <p:cNvSpPr>
+            <a:spLocks noGrp="1" noRot="1" noChangeAspect="1"/>
+          </p:cNvSpPr>
+          <p:nvPr>
+            <p:ph type="sldImg"/>
+          </p:nvPr>
+        </p:nvSpPr>
+        <p:spPr/>
+      </p:sp>
+      <p:sp>
+        <p:nvSpPr>
+          <p:cNvPr id="3" name="Espace réservé des commentaires 2"/>
+          <p:cNvSpPr>
+            <a:spLocks noGrp="1"/>
+          </p:cNvSpPr>
+          <p:nvPr>
+            <p:ph type="body" idx="1"/>
+          </p:nvPr>
+        </p:nvSpPr>
+        <p:spPr/>
+        <p:txBody>
+          <a:bodyPr/>
+          <a:lstStyle/>
+          <a:p>
+            <a:r>
+              <a:rPr lang="fr-FR" dirty="0" smtClean="0"/>
+              <a:t>Matthieu</a:t>
+            </a:r>
+            <a:endParaRPr lang="fr-FR" dirty="0"/>
+          </a:p>
+        </p:txBody>
+      </p:sp>
+      <p:sp>
+        <p:nvSpPr>
+          <p:cNvPr id="4" name="Espace réservé du numéro de diapositive 3"/>
+          <p:cNvSpPr>
+            <a:spLocks noGrp="1"/>
+          </p:cNvSpPr>
+          <p:nvPr>
+            <p:ph type="sldNum" sz="quarter" idx="10"/>
+          </p:nvPr>
+        </p:nvSpPr>
+        <p:spPr/>
+        <p:txBody>
+          <a:bodyPr/>
+          <a:lstStyle/>
+          <a:p>
+            <a:fld id="{C0DB4AF5-DAFD-4548-9C4A-55FA99145115}" type="slidenum">
+              <a:rPr lang="fr-FR" smtClean="0"/>
+              <a:t>6</a:t>
+            </a:fld>
+            <a:endParaRPr lang="fr-FR"/>
+          </a:p>
+        </p:txBody>
+      </p:sp>
+    </p:spTree>
+    <p:extLst>
+      <p:ext uri="{BB962C8B-B14F-4D97-AF65-F5344CB8AC3E}">
+        <p14:creationId xmlns:p14="http://schemas.microsoft.com/office/powerpoint/2010/main" val="1312933780"/>
+      </p:ext>
+    </p:extLst>
+  </p:cSld>
+  <p:clrMapOvr>
+    <a:masterClrMapping/>
+  </p:clrMapOvr>
+</p:notes>
+</file>
+
+<file path=ppt/notesSlides/notesSlide7.xml><?xml version="1.0" encoding="utf-8"?>
+<p:notes xmlns:a="http://schemas.openxmlformats.org/drawingml/2006/main" xmlns:r="http://schemas.openxmlformats.org/officeDocument/2006/relationships" xmlns:p="http://schemas.openxmlformats.org/presentationml/2006/main">
+  <p:cSld>
+    <p:spTree>
+      <p:nvGrpSpPr>
+        <p:cNvPr id="1" name=""/>
+        <p:cNvGrpSpPr/>
+        <p:nvPr/>
+      </p:nvGrpSpPr>
+      <p:grpSpPr>
+        <a:xfrm>
+          <a:off x="0" y="0"/>
+          <a:ext cx="0" cy="0"/>
+          <a:chOff x="0" y="0"/>
+          <a:chExt cx="0" cy="0"/>
+        </a:xfrm>
+      </p:grpSpPr>
+      <p:sp>
+        <p:nvSpPr>
+          <p:cNvPr id="2" name="Espace réservé de l’image des diapositives 1"/>
+          <p:cNvSpPr>
+            <a:spLocks noGrp="1" noRot="1" noChangeAspect="1"/>
+          </p:cNvSpPr>
+          <p:nvPr>
+            <p:ph type="sldImg"/>
+          </p:nvPr>
+        </p:nvSpPr>
+        <p:spPr/>
+      </p:sp>
+      <p:sp>
+        <p:nvSpPr>
+          <p:cNvPr id="3" name="Espace réservé des commentaires 2"/>
+          <p:cNvSpPr>
+            <a:spLocks noGrp="1"/>
+          </p:cNvSpPr>
+          <p:nvPr>
+            <p:ph type="body" idx="1"/>
+          </p:nvPr>
+        </p:nvSpPr>
+        <p:spPr/>
+        <p:txBody>
+          <a:bodyPr/>
+          <a:lstStyle/>
+          <a:p>
+            <a:r>
+              <a:rPr lang="fr-FR" dirty="0" smtClean="0"/>
+              <a:t>Louis</a:t>
+            </a:r>
+            <a:endParaRPr lang="fr-FR" dirty="0"/>
+          </a:p>
+        </p:txBody>
+      </p:sp>
+      <p:sp>
+        <p:nvSpPr>
+          <p:cNvPr id="4" name="Espace réservé du numéro de diapositive 3"/>
+          <p:cNvSpPr>
+            <a:spLocks noGrp="1"/>
+          </p:cNvSpPr>
+          <p:nvPr>
+            <p:ph type="sldNum" sz="quarter" idx="10"/>
+          </p:nvPr>
+        </p:nvSpPr>
+        <p:spPr/>
+        <p:txBody>
+          <a:bodyPr/>
+          <a:lstStyle/>
+          <a:p>
+            <a:fld id="{C0DB4AF5-DAFD-4548-9C4A-55FA99145115}" type="slidenum">
+              <a:rPr lang="fr-FR" smtClean="0"/>
+              <a:t>7</a:t>
+            </a:fld>
+            <a:endParaRPr lang="fr-FR"/>
+          </a:p>
+        </p:txBody>
+      </p:sp>
+    </p:spTree>
+    <p:extLst>
+      <p:ext uri="{BB962C8B-B14F-4D97-AF65-F5344CB8AC3E}">
+        <p14:creationId xmlns:p14="http://schemas.microsoft.com/office/powerpoint/2010/main" val="1660146600"/>
+      </p:ext>
+    </p:extLst>
+  </p:cSld>
+  <p:clrMapOvr>
+    <a:masterClrMapping/>
+  </p:clrMapOvr>
+</p:notes>
+</file>
+
+<file path=ppt/notesSlides/notesSlide8.xml><?xml version="1.0" encoding="utf-8"?>
+<p:notes xmlns:a="http://schemas.openxmlformats.org/drawingml/2006/main" xmlns:r="http://schemas.openxmlformats.org/officeDocument/2006/relationships" xmlns:p="http://schemas.openxmlformats.org/presentationml/2006/main">
+  <p:cSld>
+    <p:spTree>
+      <p:nvGrpSpPr>
+        <p:cNvPr id="1" name=""/>
+        <p:cNvGrpSpPr/>
+        <p:nvPr/>
+      </p:nvGrpSpPr>
+      <p:grpSpPr>
+        <a:xfrm>
+          <a:off x="0" y="0"/>
+          <a:ext cx="0" cy="0"/>
+          <a:chOff x="0" y="0"/>
+          <a:chExt cx="0" cy="0"/>
+        </a:xfrm>
+      </p:grpSpPr>
+      <p:sp>
+        <p:nvSpPr>
+          <p:cNvPr id="2" name="Espace réservé de l’image des diapositives 1"/>
+          <p:cNvSpPr>
+            <a:spLocks noGrp="1" noRot="1" noChangeAspect="1"/>
+          </p:cNvSpPr>
+          <p:nvPr>
+            <p:ph type="sldImg"/>
+          </p:nvPr>
+        </p:nvSpPr>
+        <p:spPr/>
+      </p:sp>
+      <p:sp>
+        <p:nvSpPr>
+          <p:cNvPr id="3" name="Espace réservé des commentaires 2"/>
+          <p:cNvSpPr>
+            <a:spLocks noGrp="1"/>
+          </p:cNvSpPr>
+          <p:nvPr>
+            <p:ph type="body" idx="1"/>
+          </p:nvPr>
+        </p:nvSpPr>
+        <p:spPr/>
+        <p:txBody>
+          <a:bodyPr/>
+          <a:lstStyle/>
+          <a:p>
+            <a:r>
+              <a:rPr lang="fr-FR" dirty="0" smtClean="0"/>
+              <a:t>Louis</a:t>
+            </a:r>
+            <a:endParaRPr lang="fr-FR" dirty="0"/>
+          </a:p>
+        </p:txBody>
+      </p:sp>
+      <p:sp>
+        <p:nvSpPr>
+          <p:cNvPr id="4" name="Espace réservé du numéro de diapositive 3"/>
+          <p:cNvSpPr>
+            <a:spLocks noGrp="1"/>
+          </p:cNvSpPr>
+          <p:nvPr>
+            <p:ph type="sldNum" sz="quarter" idx="10"/>
+          </p:nvPr>
+        </p:nvSpPr>
+        <p:spPr/>
+        <p:txBody>
+          <a:bodyPr/>
+          <a:lstStyle/>
+          <a:p>
+            <a:fld id="{C0DB4AF5-DAFD-4548-9C4A-55FA99145115}" type="slidenum">
+              <a:rPr lang="fr-FR" smtClean="0"/>
+              <a:t>8</a:t>
+            </a:fld>
+            <a:endParaRPr lang="fr-FR"/>
+          </a:p>
+        </p:txBody>
+      </p:sp>
+    </p:spTree>
+    <p:extLst>
+      <p:ext uri="{BB962C8B-B14F-4D97-AF65-F5344CB8AC3E}">
+        <p14:creationId xmlns:p14="http://schemas.microsoft.com/office/powerpoint/2010/main" val="142306982"/>
+      </p:ext>
+    </p:extLst>
+  </p:cSld>
+  <p:clrMapOvr>
+    <a:masterClrMapping/>
+  </p:clrMapOvr>
+</p:notes>
+</file>
+
 <file path=ppt/slideLayouts/slideLayout1.xml><?xml version="1.0" encoding="utf-8"?>
 <p:sldLayout xmlns:a="http://schemas.openxmlformats.org/drawingml/2006/main" xmlns:r="http://schemas.openxmlformats.org/officeDocument/2006/relationships" xmlns:p="http://schemas.openxmlformats.org/presentationml/2006/main" type="title" preserve="1">
   <p:cSld name="Diapositive de titre">
@@ -303,7 +1360,7 @@
           <a:p>
             <a:fld id="{C329BCE2-083D-4232-B1FF-EF95B9F5A237}" type="slidenum">
               <a:rPr lang="fr-FR" smtClean="0"/>
-              <a:t>‹N°›</a:t>
+              <a:t>‹#›</a:t>
             </a:fld>
             <a:endParaRPr lang="fr-FR"/>
           </a:p>
@@ -473,7 +1530,7 @@
           <a:p>
             <a:fld id="{C329BCE2-083D-4232-B1FF-EF95B9F5A237}" type="slidenum">
               <a:rPr lang="fr-FR" smtClean="0"/>
-              <a:t>‹N°›</a:t>
+              <a:t>‹#›</a:t>
             </a:fld>
             <a:endParaRPr lang="fr-FR"/>
           </a:p>
@@ -653,7 +1710,7 @@
           <a:p>
             <a:fld id="{C329BCE2-083D-4232-B1FF-EF95B9F5A237}" type="slidenum">
               <a:rPr lang="fr-FR" smtClean="0"/>
-              <a:t>‹N°›</a:t>
+              <a:t>‹#›</a:t>
             </a:fld>
             <a:endParaRPr lang="fr-FR"/>
           </a:p>
@@ -823,7 +1880,7 @@
           <a:p>
             <a:fld id="{C329BCE2-083D-4232-B1FF-EF95B9F5A237}" type="slidenum">
               <a:rPr lang="fr-FR" smtClean="0"/>
-              <a:t>‹N°›</a:t>
+              <a:t>‹#›</a:t>
             </a:fld>
             <a:endParaRPr lang="fr-FR"/>
           </a:p>
@@ -1067,7 +2124,7 @@
           <a:p>
             <a:fld id="{C329BCE2-083D-4232-B1FF-EF95B9F5A237}" type="slidenum">
               <a:rPr lang="fr-FR" smtClean="0"/>
-              <a:t>‹N°›</a:t>
+              <a:t>‹#›</a:t>
             </a:fld>
             <a:endParaRPr lang="fr-FR"/>
           </a:p>
@@ -1299,7 +2356,7 @@
           <a:p>
             <a:fld id="{C329BCE2-083D-4232-B1FF-EF95B9F5A237}" type="slidenum">
               <a:rPr lang="fr-FR" smtClean="0"/>
-              <a:t>‹N°›</a:t>
+              <a:t>‹#›</a:t>
             </a:fld>
             <a:endParaRPr lang="fr-FR"/>
           </a:p>
@@ -1666,7 +2723,7 @@
           <a:p>
             <a:fld id="{C329BCE2-083D-4232-B1FF-EF95B9F5A237}" type="slidenum">
               <a:rPr lang="fr-FR" smtClean="0"/>
-              <a:t>‹N°›</a:t>
+              <a:t>‹#›</a:t>
             </a:fld>
             <a:endParaRPr lang="fr-FR"/>
           </a:p>
@@ -1784,7 +2841,7 @@
           <a:p>
             <a:fld id="{C329BCE2-083D-4232-B1FF-EF95B9F5A237}" type="slidenum">
               <a:rPr lang="fr-FR" smtClean="0"/>
-              <a:t>‹N°›</a:t>
+              <a:t>‹#›</a:t>
             </a:fld>
             <a:endParaRPr lang="fr-FR"/>
           </a:p>
@@ -1879,7 +2936,7 @@
           <a:p>
             <a:fld id="{C329BCE2-083D-4232-B1FF-EF95B9F5A237}" type="slidenum">
               <a:rPr lang="fr-FR" smtClean="0"/>
-              <a:t>‹N°›</a:t>
+              <a:t>‹#›</a:t>
             </a:fld>
             <a:endParaRPr lang="fr-FR"/>
           </a:p>
@@ -2156,7 +3213,7 @@
           <a:p>
             <a:fld id="{C329BCE2-083D-4232-B1FF-EF95B9F5A237}" type="slidenum">
               <a:rPr lang="fr-FR" smtClean="0"/>
-              <a:t>‹N°›</a:t>
+              <a:t>‹#›</a:t>
             </a:fld>
             <a:endParaRPr lang="fr-FR"/>
           </a:p>
@@ -2413,7 +3470,7 @@
           <a:p>
             <a:fld id="{C329BCE2-083D-4232-B1FF-EF95B9F5A237}" type="slidenum">
               <a:rPr lang="fr-FR" smtClean="0"/>
-              <a:t>‹N°›</a:t>
+              <a:t>‹#›</a:t>
             </a:fld>
             <a:endParaRPr lang="fr-FR"/>
           </a:p>
@@ -2662,7 +3719,7 @@
           <a:p>
             <a:fld id="{C329BCE2-083D-4232-B1FF-EF95B9F5A237}" type="slidenum">
               <a:rPr lang="fr-FR" smtClean="0"/>
-              <a:t>‹N°›</a:t>
+              <a:t>‹#›</a:t>
             </a:fld>
             <a:endParaRPr lang="fr-FR"/>
           </a:p>
@@ -3065,6 +4122,9 @@
                 <a:solidFill>
                   <a:schemeClr val="bg1"/>
                 </a:solidFill>
+                <a:latin typeface="San Francisco Display Heavy" charset="0"/>
+                <a:ea typeface="San Francisco Display Heavy" charset="0"/>
+                <a:cs typeface="San Francisco Display Heavy" charset="0"/>
               </a:rPr>
               <a:t>Face Key</a:t>
             </a:r>
@@ -3072,6 +4132,9 @@
               <a:solidFill>
                 <a:schemeClr val="bg1"/>
               </a:solidFill>
+              <a:latin typeface="San Francisco Display Heavy" charset="0"/>
+              <a:ea typeface="San Francisco Display Heavy" charset="0"/>
+              <a:cs typeface="San Francisco Display Heavy" charset="0"/>
             </a:endParaRPr>
           </a:p>
         </p:txBody>
@@ -3096,6 +4159,9 @@
                 <a:solidFill>
                   <a:schemeClr val="bg1"/>
                 </a:solidFill>
+                <a:latin typeface="San Francisco Display" charset="0"/>
+                <a:ea typeface="San Francisco Display" charset="0"/>
+                <a:cs typeface="San Francisco Display" charset="0"/>
               </a:rPr>
               <a:t>Projet de base de données</a:t>
             </a:r>
@@ -3103,6 +4169,9 @@
               <a:solidFill>
                 <a:schemeClr val="bg1"/>
               </a:solidFill>
+              <a:latin typeface="San Francisco Display" charset="0"/>
+              <a:ea typeface="San Francisco Display" charset="0"/>
+              <a:cs typeface="San Francisco Display" charset="0"/>
             </a:endParaRPr>
           </a:p>
         </p:txBody>
@@ -3116,7 +4185,7 @@
           <p:nvPr/>
         </p:nvPicPr>
         <p:blipFill>
-          <a:blip r:embed="rId2" cstate="print">
+          <a:blip r:embed="rId3" cstate="print">
             <a:extLst>
               <a:ext uri="{28A0092B-C50C-407E-A947-70E740481C1C}">
                 <a14:useLocalDpi xmlns:a14="http://schemas.microsoft.com/office/drawing/2010/main" val="0"/>
@@ -3266,6 +4335,9 @@
                 <a:solidFill>
                   <a:schemeClr val="bg1"/>
                 </a:solidFill>
+                <a:latin typeface="San Francisco Display" charset="0"/>
+                <a:ea typeface="San Francisco Display" charset="0"/>
+                <a:cs typeface="San Francisco Display" charset="0"/>
               </a:rPr>
               <a:t>Gestionnaire </a:t>
             </a:r>
@@ -3274,6 +4346,9 @@
                 <a:solidFill>
                   <a:schemeClr val="bg1"/>
                 </a:solidFill>
+                <a:latin typeface="San Francisco Display" charset="0"/>
+                <a:ea typeface="San Francisco Display" charset="0"/>
+                <a:cs typeface="San Francisco Display" charset="0"/>
               </a:rPr>
               <a:t>de mot de </a:t>
             </a:r>
@@ -3282,6 +4357,9 @@
                 <a:solidFill>
                   <a:schemeClr val="bg1"/>
                 </a:solidFill>
+                <a:latin typeface="San Francisco Display" charset="0"/>
+                <a:ea typeface="San Francisco Display" charset="0"/>
+                <a:cs typeface="San Francisco Display" charset="0"/>
               </a:rPr>
               <a:t>passe </a:t>
             </a:r>
@@ -3290,6 +4368,9 @@
                 <a:solidFill>
                   <a:schemeClr val="bg1"/>
                 </a:solidFill>
+                <a:latin typeface="San Francisco Display" charset="0"/>
+                <a:ea typeface="San Francisco Display" charset="0"/>
+                <a:cs typeface="San Francisco Display" charset="0"/>
               </a:rPr>
             </a:br>
             <a:r>
@@ -3297,6 +4378,9 @@
                 <a:solidFill>
                   <a:schemeClr val="bg1"/>
                 </a:solidFill>
+                <a:latin typeface="San Francisco Display" charset="0"/>
+                <a:ea typeface="San Francisco Display" charset="0"/>
+                <a:cs typeface="San Francisco Display" charset="0"/>
               </a:rPr>
               <a:t>par reconnaissance faciale</a:t>
             </a:r>
@@ -3304,6 +4388,9 @@
               <a:solidFill>
                 <a:schemeClr val="bg1"/>
               </a:solidFill>
+              <a:latin typeface="San Francisco Display" charset="0"/>
+              <a:ea typeface="San Francisco Display" charset="0"/>
+              <a:cs typeface="San Francisco Display" charset="0"/>
             </a:endParaRPr>
           </a:p>
         </p:txBody>
@@ -3311,36 +4398,6 @@
       <p:pic>
         <p:nvPicPr>
           <p:cNvPr id="5" name="Image 4"/>
-          <p:cNvPicPr>
-            <a:picLocks noChangeAspect="1"/>
-          </p:cNvPicPr>
-          <p:nvPr/>
-        </p:nvPicPr>
-        <p:blipFill>
-          <a:blip r:embed="rId2">
-            <a:extLst>
-              <a:ext uri="{28A0092B-C50C-407E-A947-70E740481C1C}">
-                <a14:useLocalDpi xmlns:a14="http://schemas.microsoft.com/office/drawing/2010/main" val="0"/>
-              </a:ext>
-            </a:extLst>
-          </a:blip>
-          <a:stretch>
-            <a:fillRect/>
-          </a:stretch>
-        </p:blipFill>
-        <p:spPr>
-          <a:xfrm>
-            <a:off x="5884581" y="2407479"/>
-            <a:ext cx="670573" cy="670573"/>
-          </a:xfrm>
-          <a:prstGeom prst="rect">
-            <a:avLst/>
-          </a:prstGeom>
-        </p:spPr>
-      </p:pic>
-      <p:pic>
-        <p:nvPicPr>
-          <p:cNvPr id="6" name="Image 5"/>
           <p:cNvPicPr>
             <a:picLocks noChangeAspect="1"/>
           </p:cNvPicPr>
@@ -3360,8 +4417,8 @@
         </p:blipFill>
         <p:spPr>
           <a:xfrm>
-            <a:off x="7881015" y="2742765"/>
-            <a:ext cx="508044" cy="508044"/>
+            <a:off x="5884581" y="2407479"/>
+            <a:ext cx="670573" cy="670573"/>
           </a:xfrm>
           <a:prstGeom prst="rect">
             <a:avLst/>
@@ -3370,7 +4427,7 @@
       </p:pic>
       <p:pic>
         <p:nvPicPr>
-          <p:cNvPr id="7" name="Image 6"/>
+          <p:cNvPr id="6" name="Image 5"/>
           <p:cNvPicPr>
             <a:picLocks noChangeAspect="1"/>
           </p:cNvPicPr>
@@ -3390,7 +4447,7 @@
         </p:blipFill>
         <p:spPr>
           <a:xfrm>
-            <a:off x="6702532" y="1914618"/>
+            <a:off x="7881015" y="2742765"/>
             <a:ext cx="508044" cy="508044"/>
           </a:xfrm>
           <a:prstGeom prst="rect">
@@ -3400,7 +4457,7 @@
       </p:pic>
       <p:pic>
         <p:nvPicPr>
-          <p:cNvPr id="8" name="Image 7"/>
+          <p:cNvPr id="7" name="Image 6"/>
           <p:cNvPicPr>
             <a:picLocks noChangeAspect="1"/>
           </p:cNvPicPr>
@@ -3420,7 +4477,7 @@
         </p:blipFill>
         <p:spPr>
           <a:xfrm>
-            <a:off x="6301132" y="3225398"/>
+            <a:off x="6702532" y="1914618"/>
             <a:ext cx="508044" cy="508044"/>
           </a:xfrm>
           <a:prstGeom prst="rect">
@@ -3430,7 +4487,7 @@
       </p:pic>
       <p:pic>
         <p:nvPicPr>
-          <p:cNvPr id="9" name="Image 8"/>
+          <p:cNvPr id="8" name="Image 7"/>
           <p:cNvPicPr>
             <a:picLocks noChangeAspect="1"/>
           </p:cNvPicPr>
@@ -3450,7 +4507,7 @@
         </p:blipFill>
         <p:spPr>
           <a:xfrm>
-            <a:off x="7042911" y="2615617"/>
+            <a:off x="6301132" y="3225398"/>
             <a:ext cx="508044" cy="508044"/>
           </a:xfrm>
           <a:prstGeom prst="rect">
@@ -3460,7 +4517,7 @@
       </p:pic>
       <p:pic>
         <p:nvPicPr>
-          <p:cNvPr id="10" name="Image 9"/>
+          <p:cNvPr id="9" name="Image 8"/>
           <p:cNvPicPr>
             <a:picLocks noChangeAspect="1"/>
           </p:cNvPicPr>
@@ -3480,7 +4537,7 @@
         </p:blipFill>
         <p:spPr>
           <a:xfrm>
-            <a:off x="7769288" y="1914618"/>
+            <a:off x="7042911" y="2615617"/>
             <a:ext cx="508044" cy="508044"/>
           </a:xfrm>
           <a:prstGeom prst="rect">
@@ -3490,7 +4547,7 @@
       </p:pic>
       <p:pic>
         <p:nvPicPr>
-          <p:cNvPr id="12" name="Image 11"/>
+          <p:cNvPr id="10" name="Image 9"/>
           <p:cNvPicPr>
             <a:picLocks noChangeAspect="1"/>
           </p:cNvPicPr>
@@ -3510,7 +4567,7 @@
         </p:blipFill>
         <p:spPr>
           <a:xfrm>
-            <a:off x="7281531" y="3301188"/>
+            <a:off x="7769288" y="1914618"/>
             <a:ext cx="508044" cy="508044"/>
           </a:xfrm>
           <a:prstGeom prst="rect">
@@ -3520,7 +4577,7 @@
       </p:pic>
       <p:pic>
         <p:nvPicPr>
-          <p:cNvPr id="16" name="Image 15"/>
+          <p:cNvPr id="12" name="Image 11"/>
           <p:cNvPicPr>
             <a:picLocks noChangeAspect="1"/>
           </p:cNvPicPr>
@@ -3540,8 +4597,8 @@
         </p:blipFill>
         <p:spPr>
           <a:xfrm>
-            <a:off x="2970481" y="4011033"/>
-            <a:ext cx="2024388" cy="2024388"/>
+            <a:off x="7281531" y="3301188"/>
+            <a:ext cx="508044" cy="508044"/>
           </a:xfrm>
           <a:prstGeom prst="rect">
             <a:avLst/>
@@ -3550,7 +4607,7 @@
       </p:pic>
       <p:pic>
         <p:nvPicPr>
-          <p:cNvPr id="17" name="Image 16"/>
+          <p:cNvPr id="16" name="Image 15"/>
           <p:cNvPicPr>
             <a:picLocks noChangeAspect="1"/>
           </p:cNvPicPr>
@@ -3570,6 +4627,36 @@
         </p:blipFill>
         <p:spPr>
           <a:xfrm>
+            <a:off x="2970481" y="4011033"/>
+            <a:ext cx="2024388" cy="2024388"/>
+          </a:xfrm>
+          <a:prstGeom prst="rect">
+            <a:avLst/>
+          </a:prstGeom>
+        </p:spPr>
+      </p:pic>
+      <p:pic>
+        <p:nvPicPr>
+          <p:cNvPr id="17" name="Image 16"/>
+          <p:cNvPicPr>
+            <a:picLocks noChangeAspect="1"/>
+          </p:cNvPicPr>
+          <p:nvPr/>
+        </p:nvPicPr>
+        <p:blipFill>
+          <a:blip r:embed="rId11">
+            <a:extLst>
+              <a:ext uri="{28A0092B-C50C-407E-A947-70E740481C1C}">
+                <a14:useLocalDpi xmlns:a14="http://schemas.microsoft.com/office/drawing/2010/main" val="0"/>
+              </a:ext>
+            </a:extLst>
+          </a:blip>
+          <a:stretch>
+            <a:fillRect/>
+          </a:stretch>
+        </p:blipFill>
+        <p:spPr>
+          <a:xfrm>
             <a:off x="765597" y="4188728"/>
             <a:ext cx="1684977" cy="1684977"/>
           </a:xfrm>
@@ -3697,7 +4784,7 @@
         <p:spPr>
           <a:xfrm>
             <a:off x="6195881" y="4515903"/>
-            <a:ext cx="2707341" cy="1754326"/>
+            <a:ext cx="2775841" cy="1754326"/>
           </a:xfrm>
           <a:prstGeom prst="rect">
             <a:avLst/>
@@ -3711,7 +4798,11 @@
           <a:lstStyle/>
           <a:p>
             <a:r>
-              <a:rPr lang="fr-FR" dirty="0" smtClean="0"/>
+              <a:rPr lang="fr-FR" dirty="0" smtClean="0">
+                <a:latin typeface="San Francisco Display" charset="0"/>
+                <a:ea typeface="San Francisco Display" charset="0"/>
+                <a:cs typeface="San Francisco Display" charset="0"/>
+              </a:rPr>
               <a:t>Informations :</a:t>
             </a:r>
           </a:p>
@@ -3721,7 +4812,11 @@
               <a:buChar char="•"/>
             </a:pPr>
             <a:r>
-              <a:rPr lang="fr-FR" dirty="0" smtClean="0"/>
+              <a:rPr lang="fr-FR" dirty="0" smtClean="0">
+                <a:latin typeface="San Francisco Display" charset="0"/>
+                <a:ea typeface="San Francisco Display" charset="0"/>
+                <a:cs typeface="San Francisco Display" charset="0"/>
+              </a:rPr>
               <a:t>Fréquence d’utilisation</a:t>
             </a:r>
           </a:p>
@@ -3731,7 +4826,11 @@
               <a:buChar char="•"/>
             </a:pPr>
             <a:r>
-              <a:rPr lang="fr-FR" dirty="0" smtClean="0"/>
+              <a:rPr lang="fr-FR" dirty="0" smtClean="0">
+                <a:latin typeface="San Francisco Display" charset="0"/>
+                <a:ea typeface="San Francisco Display" charset="0"/>
+                <a:cs typeface="San Francisco Display" charset="0"/>
+              </a:rPr>
               <a:t>Temps d’utilisation</a:t>
             </a:r>
           </a:p>
@@ -3741,7 +4840,11 @@
               <a:buChar char="•"/>
             </a:pPr>
             <a:r>
-              <a:rPr lang="fr-FR" dirty="0" smtClean="0"/>
+              <a:rPr lang="fr-FR" dirty="0" smtClean="0">
+                <a:latin typeface="San Francisco Display" charset="0"/>
+                <a:ea typeface="San Francisco Display" charset="0"/>
+                <a:cs typeface="San Francisco Display" charset="0"/>
+              </a:rPr>
               <a:t>Région d’utilisation</a:t>
             </a:r>
           </a:p>
@@ -3751,10 +4854,18 @@
               <a:buChar char="•"/>
             </a:pPr>
             <a:r>
-              <a:rPr lang="fr-FR" dirty="0" smtClean="0"/>
+              <a:rPr lang="fr-FR" dirty="0" smtClean="0">
+                <a:latin typeface="San Francisco Display" charset="0"/>
+                <a:ea typeface="San Francisco Display" charset="0"/>
+                <a:cs typeface="San Francisco Display" charset="0"/>
+              </a:rPr>
               <a:t>Horaire d’utilisation  	   …</a:t>
             </a:r>
-            <a:endParaRPr lang="fr-FR" dirty="0"/>
+            <a:endParaRPr lang="fr-FR" dirty="0">
+              <a:latin typeface="San Francisco Display" charset="0"/>
+              <a:ea typeface="San Francisco Display" charset="0"/>
+              <a:cs typeface="San Francisco Display" charset="0"/>
+            </a:endParaRPr>
           </a:p>
         </p:txBody>
       </p:sp>
@@ -3770,7 +4881,7 @@
         <p:spPr>
           <a:xfrm flipH="1" flipV="1">
             <a:off x="7535553" y="3809232"/>
-            <a:ext cx="13999" cy="706671"/>
+            <a:ext cx="48249" cy="706671"/>
           </a:xfrm>
           <a:prstGeom prst="line">
             <a:avLst/>
@@ -3807,7 +4918,7 @@
         <p:spPr>
           <a:xfrm>
             <a:off x="975427" y="1832874"/>
-            <a:ext cx="2950295" cy="1477328"/>
+            <a:ext cx="3092513" cy="1477328"/>
           </a:xfrm>
           <a:prstGeom prst="rect">
             <a:avLst/>
@@ -3821,7 +4932,11 @@
           <a:lstStyle/>
           <a:p>
             <a:r>
-              <a:rPr lang="fr-FR" dirty="0" smtClean="0"/>
+              <a:rPr lang="fr-FR" dirty="0" smtClean="0">
+                <a:latin typeface="San Francisco Display" charset="0"/>
+                <a:ea typeface="San Francisco Display" charset="0"/>
+                <a:cs typeface="San Francisco Display" charset="0"/>
+              </a:rPr>
               <a:t>Services :</a:t>
             </a:r>
           </a:p>
@@ -3831,14 +4946,26 @@
               <a:buChar char="•"/>
             </a:pPr>
             <a:r>
-              <a:rPr lang="fr-FR" dirty="0" smtClean="0"/>
+              <a:rPr lang="fr-FR" dirty="0" smtClean="0">
+                <a:latin typeface="San Francisco Display" charset="0"/>
+                <a:ea typeface="San Francisco Display" charset="0"/>
+                <a:cs typeface="San Francisco Display" charset="0"/>
+              </a:rPr>
               <a:t>Gestion efficace des </a:t>
             </a:r>
             <a:r>
-              <a:rPr lang="fr-FR" dirty="0" err="1" smtClean="0"/>
+              <a:rPr lang="fr-FR" dirty="0" err="1" smtClean="0">
+                <a:latin typeface="San Francisco Display" charset="0"/>
+                <a:ea typeface="San Francisco Display" charset="0"/>
+                <a:cs typeface="San Francisco Display" charset="0"/>
+              </a:rPr>
               <a:t>MDPs</a:t>
             </a:r>
-            <a:endParaRPr lang="fr-FR" dirty="0" smtClean="0"/>
+            <a:endParaRPr lang="fr-FR" dirty="0" smtClean="0">
+              <a:latin typeface="San Francisco Display" charset="0"/>
+              <a:ea typeface="San Francisco Display" charset="0"/>
+              <a:cs typeface="San Francisco Display" charset="0"/>
+            </a:endParaRPr>
           </a:p>
           <a:p>
             <a:pPr marL="285750" indent="-285750">
@@ -3846,7 +4973,11 @@
               <a:buChar char="•"/>
             </a:pPr>
             <a:r>
-              <a:rPr lang="fr-FR" dirty="0" smtClean="0"/>
+              <a:rPr lang="fr-FR" dirty="0" smtClean="0">
+                <a:latin typeface="San Francisco Display" charset="0"/>
+                <a:ea typeface="San Francisco Display" charset="0"/>
+                <a:cs typeface="San Francisco Display" charset="0"/>
+              </a:rPr>
               <a:t>Sécurité</a:t>
             </a:r>
           </a:p>
@@ -3856,7 +4987,11 @@
               <a:buChar char="•"/>
             </a:pPr>
             <a:r>
-              <a:rPr lang="fr-FR" dirty="0" smtClean="0"/>
+              <a:rPr lang="fr-FR" dirty="0" smtClean="0">
+                <a:latin typeface="San Francisco Display" charset="0"/>
+                <a:ea typeface="San Francisco Display" charset="0"/>
+                <a:cs typeface="San Francisco Display" charset="0"/>
+              </a:rPr>
               <a:t>Partage de compte</a:t>
             </a:r>
           </a:p>
@@ -3866,10 +5001,18 @@
               <a:buChar char="•"/>
             </a:pPr>
             <a:r>
-              <a:rPr lang="fr-FR" dirty="0" smtClean="0"/>
+              <a:rPr lang="fr-FR" dirty="0" smtClean="0">
+                <a:latin typeface="San Francisco Display" charset="0"/>
+                <a:ea typeface="San Francisco Display" charset="0"/>
+                <a:cs typeface="San Francisco Display" charset="0"/>
+              </a:rPr>
               <a:t>Rapide, facile</a:t>
             </a:r>
-            <a:endParaRPr lang="fr-FR" dirty="0"/>
+            <a:endParaRPr lang="fr-FR" dirty="0">
+              <a:latin typeface="San Francisco Display" charset="0"/>
+              <a:ea typeface="San Francisco Display" charset="0"/>
+              <a:cs typeface="San Francisco Display" charset="0"/>
+            </a:endParaRPr>
           </a:p>
         </p:txBody>
       </p:sp>
@@ -3883,8 +5026,8 @@
         </p:nvCxnSpPr>
         <p:spPr>
           <a:xfrm flipH="1" flipV="1">
-            <a:off x="2450575" y="3310202"/>
-            <a:ext cx="1126343" cy="878526"/>
+            <a:off x="2521684" y="3310202"/>
+            <a:ext cx="1055235" cy="878526"/>
           </a:xfrm>
           <a:prstGeom prst="line">
             <a:avLst/>
@@ -4016,7 +5159,7 @@
           </p:nvPr>
         </p:nvPicPr>
         <p:blipFill rotWithShape="1">
-          <a:blip r:embed="rId2">
+          <a:blip r:embed="rId3">
             <a:extLst>
               <a:ext uri="{28A0092B-C50C-407E-A947-70E740481C1C}">
                 <a14:useLocalDpi xmlns:a14="http://schemas.microsoft.com/office/drawing/2010/main" val="0"/>
@@ -4090,6 +5233,9 @@
                 <a:solidFill>
                   <a:schemeClr val="bg1"/>
                 </a:solidFill>
+                <a:latin typeface="San Francisco Display" charset="0"/>
+                <a:ea typeface="San Francisco Display" charset="0"/>
+                <a:cs typeface="San Francisco Display" charset="0"/>
               </a:rPr>
               <a:t>Schéma </a:t>
             </a:r>
@@ -4098,6 +5244,9 @@
                 <a:solidFill>
                   <a:schemeClr val="bg1"/>
                 </a:solidFill>
+                <a:latin typeface="San Francisco Display" charset="0"/>
+                <a:ea typeface="San Francisco Display" charset="0"/>
+                <a:cs typeface="San Francisco Display" charset="0"/>
               </a:rPr>
               <a:t>: </a:t>
             </a:r>
@@ -4106,6 +5255,9 @@
                 <a:solidFill>
                   <a:schemeClr val="bg1"/>
                 </a:solidFill>
+                <a:latin typeface="San Francisco Display" charset="0"/>
+                <a:ea typeface="San Francisco Display" charset="0"/>
+                <a:cs typeface="San Francisco Display" charset="0"/>
               </a:rPr>
               <a:t>MCD</a:t>
             </a:r>
@@ -4113,6 +5265,9 @@
               <a:solidFill>
                 <a:schemeClr val="bg1"/>
               </a:solidFill>
+              <a:latin typeface="San Francisco Display" charset="0"/>
+              <a:ea typeface="San Francisco Display" charset="0"/>
+              <a:cs typeface="San Francisco Display" charset="0"/>
             </a:endParaRPr>
           </a:p>
         </p:txBody>
@@ -4206,7 +5361,11 @@
           <a:lstStyle/>
           <a:p>
             <a:pPr algn="ctr"/>
-            <a:endParaRPr lang="fr-FR"/>
+            <a:endParaRPr lang="fr-FR" dirty="0">
+              <a:latin typeface="San Francisco Display" charset="0"/>
+              <a:ea typeface="San Francisco Display" charset="0"/>
+              <a:cs typeface="San Francisco Display" charset="0"/>
+            </a:endParaRPr>
           </a:p>
         </p:txBody>
       </p:sp>
@@ -4221,7 +5380,7 @@
           </p:nvPr>
         </p:nvPicPr>
         <p:blipFill rotWithShape="1">
-          <a:blip r:embed="rId2">
+          <a:blip r:embed="rId3">
             <a:extLst>
               <a:ext uri="{28A0092B-C50C-407E-A947-70E740481C1C}">
                 <a14:useLocalDpi xmlns:a14="http://schemas.microsoft.com/office/drawing/2010/main" val="0"/>
@@ -4266,6 +5425,9 @@
                 <a:solidFill>
                   <a:schemeClr val="bg1"/>
                 </a:solidFill>
+                <a:latin typeface="San Francisco Display" charset="0"/>
+                <a:ea typeface="San Francisco Display" charset="0"/>
+                <a:cs typeface="San Francisco Display" charset="0"/>
               </a:rPr>
               <a:t>Schéma </a:t>
             </a:r>
@@ -4274,6 +5436,9 @@
                 <a:solidFill>
                   <a:schemeClr val="bg1"/>
                 </a:solidFill>
+                <a:latin typeface="San Francisco Display" charset="0"/>
+                <a:ea typeface="San Francisco Display" charset="0"/>
+                <a:cs typeface="San Francisco Display" charset="0"/>
               </a:rPr>
               <a:t>: MLD</a:t>
             </a:r>
@@ -4428,19 +5593,35 @@
               <a:buNone/>
             </a:pPr>
             <a:r>
-              <a:rPr lang="fr-FR" dirty="0" smtClean="0"/>
+              <a:rPr lang="fr-FR" dirty="0" smtClean="0">
+                <a:latin typeface="San Francisco Display" charset="0"/>
+                <a:ea typeface="San Francisco Display" charset="0"/>
+                <a:cs typeface="San Francisco Display" charset="0"/>
+              </a:rPr>
               <a:t>Somme </a:t>
             </a:r>
             <a:r>
-              <a:rPr lang="fr-FR" dirty="0"/>
+              <a:rPr lang="fr-FR" dirty="0">
+                <a:latin typeface="San Francisco Display" charset="0"/>
+                <a:ea typeface="San Francisco Display" charset="0"/>
+                <a:cs typeface="San Francisco Display" charset="0"/>
+              </a:rPr>
               <a:t>du temps d'utilisation </a:t>
             </a:r>
             <a:r>
-              <a:rPr lang="fr-FR" dirty="0" smtClean="0"/>
+              <a:rPr lang="fr-FR" dirty="0" smtClean="0">
+                <a:latin typeface="San Francisco Display" charset="0"/>
+                <a:ea typeface="San Francisco Display" charset="0"/>
+                <a:cs typeface="San Francisco Display" charset="0"/>
+              </a:rPr>
               <a:t>et nombre </a:t>
             </a:r>
             <a:r>
-              <a:rPr lang="fr-FR" dirty="0"/>
+              <a:rPr lang="fr-FR" dirty="0">
+                <a:latin typeface="San Francisco Display" charset="0"/>
+                <a:ea typeface="San Francisco Display" charset="0"/>
+                <a:cs typeface="San Francisco Display" charset="0"/>
+              </a:rPr>
               <a:t>utilisateurs d'un site pour calcul moyenne</a:t>
             </a:r>
           </a:p>
@@ -4469,142 +5650,278 @@
           <a:lstStyle/>
           <a:p>
             <a:r>
-              <a:rPr lang="fr-FR" dirty="0" smtClean="0"/>
+              <a:rPr lang="fr-FR" dirty="0" smtClean="0">
+                <a:latin typeface="San Francisco Display" charset="0"/>
+                <a:ea typeface="San Francisco Display" charset="0"/>
+                <a:cs typeface="San Francisco Display" charset="0"/>
+              </a:rPr>
               <a:t>SELECT </a:t>
             </a:r>
             <a:r>
-              <a:rPr lang="fr-FR" dirty="0" err="1" smtClean="0"/>
+              <a:rPr lang="fr-FR" dirty="0" err="1" smtClean="0">
+                <a:latin typeface="San Francisco Display" charset="0"/>
+                <a:ea typeface="San Francisco Display" charset="0"/>
+                <a:cs typeface="San Francisco Display" charset="0"/>
+              </a:rPr>
               <a:t>domain</a:t>
             </a:r>
             <a:r>
-              <a:rPr lang="fr-FR" dirty="0" smtClean="0"/>
+              <a:rPr lang="fr-FR" dirty="0" smtClean="0">
+                <a:latin typeface="San Francisco Display" charset="0"/>
+                <a:ea typeface="San Francisco Display" charset="0"/>
+                <a:cs typeface="San Francisco Display" charset="0"/>
+              </a:rPr>
               <a:t>, SUM(</a:t>
             </a:r>
             <a:r>
-              <a:rPr lang="fr-FR" dirty="0" err="1" smtClean="0"/>
+              <a:rPr lang="fr-FR" dirty="0" err="1" smtClean="0">
+                <a:latin typeface="San Francisco Display" charset="0"/>
+                <a:ea typeface="San Francisco Display" charset="0"/>
+                <a:cs typeface="San Francisco Display" charset="0"/>
+              </a:rPr>
               <a:t>average_conn_time</a:t>
             </a:r>
             <a:r>
-              <a:rPr lang="fr-FR" dirty="0" smtClean="0"/>
+              <a:rPr lang="fr-FR" dirty="0" smtClean="0">
+                <a:latin typeface="San Francisco Display" charset="0"/>
+                <a:ea typeface="San Francisco Display" charset="0"/>
+                <a:cs typeface="San Francisco Display" charset="0"/>
+              </a:rPr>
               <a:t>) AS </a:t>
             </a:r>
             <a:r>
-              <a:rPr lang="fr-FR" dirty="0" err="1" smtClean="0"/>
+              <a:rPr lang="fr-FR" dirty="0" err="1" smtClean="0">
+                <a:latin typeface="San Francisco Display" charset="0"/>
+                <a:ea typeface="San Francisco Display" charset="0"/>
+                <a:cs typeface="San Francisco Display" charset="0"/>
+              </a:rPr>
               <a:t>sum_time</a:t>
             </a:r>
             <a:r>
-              <a:rPr lang="fr-FR" dirty="0" smtClean="0"/>
-              <a:t>, </a:t>
-            </a:r>
-            <a:r>
-              <a:rPr lang="fr-FR" dirty="0" smtClean="0"/>
-              <a:t>  </a:t>
-            </a:r>
-            <a:r>
-              <a:rPr lang="fr-FR" dirty="0"/>
+              <a:rPr lang="fr-FR" dirty="0" smtClean="0">
+                <a:latin typeface="San Francisco Display" charset="0"/>
+                <a:ea typeface="San Francisco Display" charset="0"/>
+                <a:cs typeface="San Francisco Display" charset="0"/>
+              </a:rPr>
+              <a:t>,   </a:t>
+            </a:r>
+            <a:r>
+              <a:rPr lang="fr-FR" dirty="0">
+                <a:latin typeface="San Francisco Display" charset="0"/>
+                <a:ea typeface="San Francisco Display" charset="0"/>
+                <a:cs typeface="San Francisco Display" charset="0"/>
+              </a:rPr>
               <a:t>	</a:t>
             </a:r>
             <a:r>
-              <a:rPr lang="fr-FR" dirty="0" smtClean="0"/>
+              <a:rPr lang="fr-FR" dirty="0" smtClean="0">
+                <a:latin typeface="San Francisco Display" charset="0"/>
+                <a:ea typeface="San Francisco Display" charset="0"/>
+                <a:cs typeface="San Francisco Display" charset="0"/>
+              </a:rPr>
               <a:t>COUNT(</a:t>
             </a:r>
             <a:r>
-              <a:rPr lang="fr-FR" dirty="0" err="1" smtClean="0"/>
+              <a:rPr lang="fr-FR" dirty="0" err="1" smtClean="0">
+                <a:latin typeface="San Francisco Display" charset="0"/>
+                <a:ea typeface="San Francisco Display" charset="0"/>
+                <a:cs typeface="San Francisco Display" charset="0"/>
+              </a:rPr>
               <a:t>average_conn_time</a:t>
             </a:r>
             <a:r>
-              <a:rPr lang="fr-FR" dirty="0" smtClean="0"/>
+              <a:rPr lang="fr-FR" dirty="0" smtClean="0">
+                <a:latin typeface="San Francisco Display" charset="0"/>
+                <a:ea typeface="San Francisco Display" charset="0"/>
+                <a:cs typeface="San Francisco Display" charset="0"/>
+              </a:rPr>
               <a:t>) AS </a:t>
             </a:r>
             <a:r>
-              <a:rPr lang="fr-FR" dirty="0" err="1" smtClean="0"/>
+              <a:rPr lang="fr-FR" dirty="0" err="1" smtClean="0">
+                <a:latin typeface="San Francisco Display" charset="0"/>
+                <a:ea typeface="San Francisco Display" charset="0"/>
+                <a:cs typeface="San Francisco Display" charset="0"/>
+              </a:rPr>
               <a:t>nb_user</a:t>
             </a:r>
-            <a:endParaRPr lang="fr-FR" dirty="0" smtClean="0"/>
-          </a:p>
-          <a:p>
-            <a:r>
-              <a:rPr lang="fr-FR" dirty="0" smtClean="0"/>
+            <a:endParaRPr lang="fr-FR" dirty="0" smtClean="0">
+              <a:latin typeface="San Francisco Display" charset="0"/>
+              <a:ea typeface="San Francisco Display" charset="0"/>
+              <a:cs typeface="San Francisco Display" charset="0"/>
+            </a:endParaRPr>
+          </a:p>
+          <a:p>
+            <a:r>
+              <a:rPr lang="fr-FR" dirty="0" smtClean="0">
+                <a:latin typeface="San Francisco Display" charset="0"/>
+                <a:ea typeface="San Francisco Display" charset="0"/>
+                <a:cs typeface="San Francisco Display" charset="0"/>
+              </a:rPr>
               <a:t>FROM </a:t>
             </a:r>
             <a:r>
-              <a:rPr lang="fr-FR" dirty="0" err="1" smtClean="0"/>
+              <a:rPr lang="fr-FR" dirty="0" err="1" smtClean="0">
+                <a:latin typeface="San Francisco Display" charset="0"/>
+                <a:ea typeface="San Francisco Display" charset="0"/>
+                <a:cs typeface="San Francisco Display" charset="0"/>
+              </a:rPr>
               <a:t>Account</a:t>
             </a:r>
-            <a:endParaRPr lang="fr-FR" dirty="0" smtClean="0"/>
-          </a:p>
-          <a:p>
-            <a:r>
-              <a:rPr lang="fr-FR" dirty="0" smtClean="0"/>
+            <a:endParaRPr lang="fr-FR" dirty="0" smtClean="0">
+              <a:latin typeface="San Francisco Display" charset="0"/>
+              <a:ea typeface="San Francisco Display" charset="0"/>
+              <a:cs typeface="San Francisco Display" charset="0"/>
+            </a:endParaRPr>
+          </a:p>
+          <a:p>
+            <a:r>
+              <a:rPr lang="fr-FR" dirty="0" smtClean="0">
+                <a:latin typeface="San Francisco Display" charset="0"/>
+                <a:ea typeface="San Francisco Display" charset="0"/>
+                <a:cs typeface="San Francisco Display" charset="0"/>
+              </a:rPr>
               <a:t>  INNER JOIN Sites</a:t>
             </a:r>
           </a:p>
           <a:p>
             <a:r>
-              <a:rPr lang="fr-FR" dirty="0" smtClean="0"/>
+              <a:rPr lang="fr-FR" dirty="0" smtClean="0">
+                <a:latin typeface="San Francisco Display" charset="0"/>
+                <a:ea typeface="San Francisco Display" charset="0"/>
+                <a:cs typeface="San Francisco Display" charset="0"/>
+              </a:rPr>
               <a:t>    ON </a:t>
             </a:r>
             <a:r>
-              <a:rPr lang="fr-FR" dirty="0" err="1" smtClean="0"/>
+              <a:rPr lang="fr-FR" dirty="0" err="1" smtClean="0">
+                <a:latin typeface="San Francisco Display" charset="0"/>
+                <a:ea typeface="San Francisco Display" charset="0"/>
+                <a:cs typeface="San Francisco Display" charset="0"/>
+              </a:rPr>
               <a:t>Account.id_site</a:t>
             </a:r>
             <a:r>
-              <a:rPr lang="fr-FR" dirty="0" smtClean="0"/>
+              <a:rPr lang="fr-FR" dirty="0" smtClean="0">
+                <a:latin typeface="San Francisco Display" charset="0"/>
+                <a:ea typeface="San Francisco Display" charset="0"/>
+                <a:cs typeface="San Francisco Display" charset="0"/>
+              </a:rPr>
               <a:t> = </a:t>
             </a:r>
             <a:r>
-              <a:rPr lang="fr-FR" dirty="0" err="1" smtClean="0"/>
+              <a:rPr lang="fr-FR" dirty="0" err="1" smtClean="0">
+                <a:latin typeface="San Francisco Display" charset="0"/>
+                <a:ea typeface="San Francisco Display" charset="0"/>
+                <a:cs typeface="San Francisco Display" charset="0"/>
+              </a:rPr>
               <a:t>Sites.id_site</a:t>
             </a:r>
-            <a:endParaRPr lang="fr-FR" dirty="0" smtClean="0"/>
-          </a:p>
-          <a:p>
-            <a:r>
-              <a:rPr lang="fr-FR" dirty="0" smtClean="0"/>
+            <a:endParaRPr lang="fr-FR" dirty="0" smtClean="0">
+              <a:latin typeface="San Francisco Display" charset="0"/>
+              <a:ea typeface="San Francisco Display" charset="0"/>
+              <a:cs typeface="San Francisco Display" charset="0"/>
+            </a:endParaRPr>
+          </a:p>
+          <a:p>
+            <a:r>
+              <a:rPr lang="fr-FR" dirty="0" smtClean="0">
+                <a:latin typeface="San Francisco Display" charset="0"/>
+                <a:ea typeface="San Francisco Display" charset="0"/>
+                <a:cs typeface="San Francisco Display" charset="0"/>
+              </a:rPr>
               <a:t>  INNER JOIN </a:t>
             </a:r>
             <a:r>
-              <a:rPr lang="fr-FR" dirty="0" err="1" smtClean="0"/>
+              <a:rPr lang="fr-FR" dirty="0" err="1" smtClean="0">
+                <a:latin typeface="San Francisco Display" charset="0"/>
+                <a:ea typeface="San Francisco Display" charset="0"/>
+                <a:cs typeface="San Francisco Display" charset="0"/>
+              </a:rPr>
               <a:t>DataAccount</a:t>
             </a:r>
-            <a:endParaRPr lang="fr-FR" dirty="0" smtClean="0"/>
-          </a:p>
-          <a:p>
-            <a:r>
-              <a:rPr lang="fr-FR" dirty="0" smtClean="0"/>
+            <a:endParaRPr lang="fr-FR" dirty="0" smtClean="0">
+              <a:latin typeface="San Francisco Display" charset="0"/>
+              <a:ea typeface="San Francisco Display" charset="0"/>
+              <a:cs typeface="San Francisco Display" charset="0"/>
+            </a:endParaRPr>
+          </a:p>
+          <a:p>
+            <a:r>
+              <a:rPr lang="fr-FR" dirty="0" smtClean="0">
+                <a:latin typeface="San Francisco Display" charset="0"/>
+                <a:ea typeface="San Francisco Display" charset="0"/>
+                <a:cs typeface="San Francisco Display" charset="0"/>
+              </a:rPr>
               <a:t>    ON </a:t>
             </a:r>
             <a:r>
-              <a:rPr lang="fr-FR" dirty="0" err="1" smtClean="0"/>
+              <a:rPr lang="fr-FR" dirty="0" err="1" smtClean="0">
+                <a:latin typeface="San Francisco Display" charset="0"/>
+                <a:ea typeface="San Francisco Display" charset="0"/>
+                <a:cs typeface="San Francisco Display" charset="0"/>
+              </a:rPr>
               <a:t>Account.id_account</a:t>
             </a:r>
             <a:r>
-              <a:rPr lang="fr-FR" dirty="0" smtClean="0"/>
+              <a:rPr lang="fr-FR" dirty="0" smtClean="0">
+                <a:latin typeface="San Francisco Display" charset="0"/>
+                <a:ea typeface="San Francisco Display" charset="0"/>
+                <a:cs typeface="San Francisco Display" charset="0"/>
+              </a:rPr>
               <a:t> = </a:t>
             </a:r>
             <a:r>
-              <a:rPr lang="fr-FR" dirty="0" err="1" smtClean="0"/>
+              <a:rPr lang="fr-FR" dirty="0" err="1" smtClean="0">
+                <a:latin typeface="San Francisco Display" charset="0"/>
+                <a:ea typeface="San Francisco Display" charset="0"/>
+                <a:cs typeface="San Francisco Display" charset="0"/>
+              </a:rPr>
               <a:t>DataAccount.id_account</a:t>
             </a:r>
-            <a:endParaRPr lang="fr-FR" dirty="0" smtClean="0"/>
-          </a:p>
-          <a:p>
-            <a:r>
-              <a:rPr lang="fr-FR" dirty="0" smtClean="0"/>
+            <a:endParaRPr lang="fr-FR" dirty="0" smtClean="0">
+              <a:latin typeface="San Francisco Display" charset="0"/>
+              <a:ea typeface="San Francisco Display" charset="0"/>
+              <a:cs typeface="San Francisco Display" charset="0"/>
+            </a:endParaRPr>
+          </a:p>
+          <a:p>
+            <a:r>
+              <a:rPr lang="fr-FR" dirty="0" smtClean="0">
+                <a:latin typeface="San Francisco Display" charset="0"/>
+                <a:ea typeface="San Francisco Display" charset="0"/>
+                <a:cs typeface="San Francisco Display" charset="0"/>
+              </a:rPr>
               <a:t>GROUP BY </a:t>
             </a:r>
             <a:r>
-              <a:rPr lang="fr-FR" dirty="0" err="1" smtClean="0"/>
+              <a:rPr lang="fr-FR" dirty="0" err="1" smtClean="0">
+                <a:latin typeface="San Francisco Display" charset="0"/>
+                <a:ea typeface="San Francisco Display" charset="0"/>
+                <a:cs typeface="San Francisco Display" charset="0"/>
+              </a:rPr>
               <a:t>domain</a:t>
             </a:r>
-            <a:endParaRPr lang="fr-FR" dirty="0"/>
-          </a:p>
-          <a:p>
-            <a:r>
-              <a:rPr lang="fr-FR" dirty="0" smtClean="0"/>
+            <a:endParaRPr lang="fr-FR" dirty="0">
+              <a:latin typeface="San Francisco Display" charset="0"/>
+              <a:ea typeface="San Francisco Display" charset="0"/>
+              <a:cs typeface="San Francisco Display" charset="0"/>
+            </a:endParaRPr>
+          </a:p>
+          <a:p>
+            <a:r>
+              <a:rPr lang="fr-FR" dirty="0" smtClean="0">
+                <a:latin typeface="San Francisco Display" charset="0"/>
+                <a:ea typeface="San Francisco Display" charset="0"/>
+                <a:cs typeface="San Francisco Display" charset="0"/>
+              </a:rPr>
               <a:t>;</a:t>
             </a:r>
-            <a:endParaRPr lang="fr-FR" dirty="0"/>
+            <a:endParaRPr lang="fr-FR" dirty="0">
+              <a:latin typeface="San Francisco Display" charset="0"/>
+              <a:ea typeface="San Francisco Display" charset="0"/>
+              <a:cs typeface="San Francisco Display" charset="0"/>
+            </a:endParaRPr>
           </a:p>
         </p:txBody>
       </p:sp>
@@ -4617,7 +5934,7 @@
           <p:nvPr/>
         </p:nvPicPr>
         <p:blipFill>
-          <a:blip r:embed="rId2"/>
+          <a:blip r:embed="rId3"/>
           <a:stretch>
             <a:fillRect/>
           </a:stretch>
@@ -4660,6 +5977,9 @@
                 <a:solidFill>
                   <a:schemeClr val="bg1"/>
                 </a:solidFill>
+                <a:latin typeface="San Francisco Display" charset="0"/>
+                <a:ea typeface="San Francisco Display" charset="0"/>
+                <a:cs typeface="San Francisco Display" charset="0"/>
               </a:rPr>
               <a:t>Requêtes</a:t>
             </a:r>
@@ -4814,10 +6134,18 @@
               <a:buNone/>
             </a:pPr>
             <a:r>
-              <a:rPr lang="fr-FR" dirty="0" smtClean="0"/>
+              <a:rPr lang="fr-FR" dirty="0" smtClean="0">
+                <a:latin typeface="San Francisco Display" charset="0"/>
+                <a:ea typeface="San Francisco Display" charset="0"/>
+                <a:cs typeface="San Francisco Display" charset="0"/>
+              </a:rPr>
               <a:t>Dernier compte utilisé par l’utilisateur</a:t>
             </a:r>
-            <a:endParaRPr lang="fr-FR" dirty="0"/>
+            <a:endParaRPr lang="fr-FR" dirty="0">
+              <a:latin typeface="San Francisco Display" charset="0"/>
+              <a:ea typeface="San Francisco Display" charset="0"/>
+              <a:cs typeface="San Francisco Display" charset="0"/>
+            </a:endParaRPr>
           </a:p>
         </p:txBody>
       </p:sp>
@@ -4844,238 +6172,383 @@
           <a:lstStyle/>
           <a:p>
             <a:r>
-              <a:rPr lang="fr-FR" dirty="0"/>
+              <a:rPr lang="fr-FR" dirty="0" smtClean="0">
+                <a:latin typeface="San Francisco Display" charset="0"/>
+                <a:ea typeface="San Francisco Display" charset="0"/>
+                <a:cs typeface="San Francisco Display" charset="0"/>
+              </a:rPr>
               <a:t>SELECT </a:t>
             </a:r>
             <a:r>
-              <a:rPr lang="fr-FR" dirty="0" err="1"/>
+              <a:rPr lang="fr-FR" dirty="0" err="1" smtClean="0">
+                <a:latin typeface="San Francisco Display" charset="0"/>
+                <a:ea typeface="San Francisco Display" charset="0"/>
+                <a:cs typeface="San Francisco Display" charset="0"/>
+              </a:rPr>
               <a:t>id_user</a:t>
             </a:r>
             <a:r>
-              <a:rPr lang="fr-FR" dirty="0"/>
+              <a:rPr lang="fr-FR" dirty="0" smtClean="0">
+                <a:latin typeface="San Francisco Display" charset="0"/>
+                <a:ea typeface="San Francisco Display" charset="0"/>
+                <a:cs typeface="San Francisco Display" charset="0"/>
+              </a:rPr>
               <a:t> AS user, </a:t>
             </a:r>
             <a:r>
-              <a:rPr lang="fr-FR" dirty="0" err="1"/>
+              <a:rPr lang="fr-FR" dirty="0" err="1" smtClean="0">
+                <a:latin typeface="San Francisco Display" charset="0"/>
+                <a:ea typeface="San Francisco Display" charset="0"/>
+                <a:cs typeface="San Francisco Display" charset="0"/>
+              </a:rPr>
               <a:t>domain</a:t>
             </a:r>
             <a:r>
-              <a:rPr lang="fr-FR" dirty="0"/>
+              <a:rPr lang="fr-FR" dirty="0" smtClean="0">
+                <a:latin typeface="San Francisco Display" charset="0"/>
+                <a:ea typeface="San Francisco Display" charset="0"/>
+                <a:cs typeface="San Francisco Display" charset="0"/>
+              </a:rPr>
               <a:t> AS site, </a:t>
             </a:r>
             <a:r>
-              <a:rPr lang="fr-FR" dirty="0" err="1"/>
+              <a:rPr lang="fr-FR" dirty="0" err="1" smtClean="0">
+                <a:latin typeface="San Francisco Display" charset="0"/>
+                <a:ea typeface="San Francisco Display" charset="0"/>
+                <a:cs typeface="San Francisco Display" charset="0"/>
+              </a:rPr>
               <a:t>last_conn</a:t>
             </a:r>
             <a:r>
-              <a:rPr lang="fr-FR" dirty="0"/>
+              <a:rPr lang="fr-FR" dirty="0" smtClean="0">
+                <a:latin typeface="San Francisco Display" charset="0"/>
+                <a:ea typeface="San Francisco Display" charset="0"/>
+                <a:cs typeface="San Francisco Display" charset="0"/>
+              </a:rPr>
               <a:t> AS </a:t>
             </a:r>
             <a:r>
-              <a:rPr lang="fr-FR" dirty="0" err="1"/>
+              <a:rPr lang="fr-FR" dirty="0" err="1" smtClean="0">
+                <a:latin typeface="San Francisco Display" charset="0"/>
+                <a:ea typeface="San Francisco Display" charset="0"/>
+                <a:cs typeface="San Francisco Display" charset="0"/>
+              </a:rPr>
               <a:t>last_connexion</a:t>
             </a:r>
             <a:r>
-              <a:rPr lang="fr-FR" dirty="0"/>
+              <a:rPr lang="fr-FR" dirty="0" smtClean="0">
+                <a:latin typeface="San Francisco Display" charset="0"/>
+                <a:ea typeface="San Francisco Display" charset="0"/>
+                <a:cs typeface="San Francisco Display" charset="0"/>
+              </a:rPr>
+              <a:t> FROM</a:t>
+            </a:r>
+          </a:p>
+          <a:p>
+            <a:r>
+              <a:rPr lang="fr-FR" dirty="0" smtClean="0">
+                <a:latin typeface="San Francisco Display" charset="0"/>
+                <a:ea typeface="San Francisco Display" charset="0"/>
+                <a:cs typeface="San Francisco Display" charset="0"/>
+              </a:rPr>
+              <a:t>  (SELECT </a:t>
+            </a:r>
+            <a:r>
+              <a:rPr lang="fr-FR" dirty="0" err="1" smtClean="0">
+                <a:latin typeface="San Francisco Display" charset="0"/>
+                <a:ea typeface="San Francisco Display" charset="0"/>
+                <a:cs typeface="San Francisco Display" charset="0"/>
+              </a:rPr>
+              <a:t>Account.id_user</a:t>
+            </a:r>
+            <a:r>
+              <a:rPr lang="fr-FR" dirty="0" smtClean="0">
+                <a:latin typeface="San Francisco Display" charset="0"/>
+                <a:ea typeface="San Francisco Display" charset="0"/>
+                <a:cs typeface="San Francisco Display" charset="0"/>
+              </a:rPr>
+              <a:t>, </a:t>
+            </a:r>
+            <a:r>
+              <a:rPr lang="fr-FR" dirty="0" err="1" smtClean="0">
+                <a:latin typeface="San Francisco Display" charset="0"/>
+                <a:ea typeface="San Francisco Display" charset="0"/>
+                <a:cs typeface="San Francisco Display" charset="0"/>
+              </a:rPr>
+              <a:t>Account.id_account</a:t>
+            </a:r>
+            <a:r>
+              <a:rPr lang="fr-FR" dirty="0" smtClean="0">
+                <a:latin typeface="San Francisco Display" charset="0"/>
+                <a:ea typeface="San Francisco Display" charset="0"/>
+                <a:cs typeface="San Francisco Display" charset="0"/>
+              </a:rPr>
+              <a:t>, </a:t>
+            </a:r>
+            <a:r>
+              <a:rPr lang="fr-FR" dirty="0" err="1" smtClean="0">
+                <a:latin typeface="San Francisco Display" charset="0"/>
+                <a:ea typeface="San Francisco Display" charset="0"/>
+                <a:cs typeface="San Francisco Display" charset="0"/>
+              </a:rPr>
+              <a:t>domain</a:t>
+            </a:r>
+            <a:r>
+              <a:rPr lang="fr-FR" dirty="0" smtClean="0">
+                <a:latin typeface="San Francisco Display" charset="0"/>
+                <a:ea typeface="San Francisco Display" charset="0"/>
+                <a:cs typeface="San Francisco Display" charset="0"/>
+              </a:rPr>
+              <a:t>, </a:t>
+            </a:r>
+            <a:r>
+              <a:rPr lang="fr-FR" dirty="0" err="1" smtClean="0">
+                <a:latin typeface="San Francisco Display" charset="0"/>
+                <a:ea typeface="San Francisco Display" charset="0"/>
+                <a:cs typeface="San Francisco Display" charset="0"/>
+              </a:rPr>
+              <a:t>last_conn</a:t>
+            </a:r>
+            <a:r>
+              <a:rPr lang="fr-FR" dirty="0" smtClean="0">
+                <a:latin typeface="San Francisco Display" charset="0"/>
+                <a:ea typeface="San Francisco Display" charset="0"/>
+                <a:cs typeface="San Francisco Display" charset="0"/>
+              </a:rPr>
+              <a:t>, 	</a:t>
+            </a:r>
+            <a:r>
+              <a:rPr lang="fr-FR" dirty="0" err="1" smtClean="0">
+                <a:latin typeface="San Francisco Display" charset="0"/>
+                <a:ea typeface="San Francisco Display" charset="0"/>
+                <a:cs typeface="San Francisco Display" charset="0"/>
+              </a:rPr>
+              <a:t>account.id_site</a:t>
+            </a:r>
+            <a:r>
+              <a:rPr lang="fr-FR" dirty="0" smtClean="0">
+                <a:latin typeface="San Francisco Display" charset="0"/>
+                <a:ea typeface="San Francisco Display" charset="0"/>
+                <a:cs typeface="San Francisco Display" charset="0"/>
+              </a:rPr>
+              <a:t>  FROM </a:t>
+            </a:r>
+            <a:r>
+              <a:rPr lang="fr-FR" dirty="0" err="1" smtClean="0">
+                <a:latin typeface="San Francisco Display" charset="0"/>
+                <a:ea typeface="San Francisco Display" charset="0"/>
+                <a:cs typeface="San Francisco Display" charset="0"/>
+              </a:rPr>
+              <a:t>Account</a:t>
+            </a:r>
+            <a:r>
+              <a:rPr lang="fr-FR" dirty="0" smtClean="0">
+                <a:latin typeface="San Francisco Display" charset="0"/>
+                <a:ea typeface="San Francisco Display" charset="0"/>
+                <a:cs typeface="San Francisco Display" charset="0"/>
+              </a:rPr>
+              <a:t>    </a:t>
+            </a:r>
+          </a:p>
+          <a:p>
+            <a:r>
+              <a:rPr lang="fr-FR" dirty="0" smtClean="0">
+                <a:latin typeface="San Francisco Display" charset="0"/>
+                <a:ea typeface="San Francisco Display" charset="0"/>
+                <a:cs typeface="San Francisco Display" charset="0"/>
+              </a:rPr>
+              <a:t>    INNER JOIN sites </a:t>
+            </a:r>
+          </a:p>
+          <a:p>
+            <a:r>
+              <a:rPr lang="fr-FR" dirty="0" smtClean="0">
+                <a:latin typeface="San Francisco Display" charset="0"/>
+                <a:ea typeface="San Francisco Display" charset="0"/>
+                <a:cs typeface="San Francisco Display" charset="0"/>
+              </a:rPr>
+              <a:t>          ON </a:t>
+            </a:r>
+            <a:r>
+              <a:rPr lang="fr-FR" dirty="0" err="1" smtClean="0">
+                <a:latin typeface="San Francisco Display" charset="0"/>
+                <a:ea typeface="San Francisco Display" charset="0"/>
+                <a:cs typeface="San Francisco Display" charset="0"/>
+              </a:rPr>
+              <a:t>account.id_site</a:t>
+            </a:r>
+            <a:r>
+              <a:rPr lang="fr-FR" dirty="0" smtClean="0">
+                <a:latin typeface="San Francisco Display" charset="0"/>
+                <a:ea typeface="San Francisco Display" charset="0"/>
+                <a:cs typeface="San Francisco Display" charset="0"/>
+              </a:rPr>
+              <a:t> = </a:t>
+            </a:r>
+            <a:r>
+              <a:rPr lang="fr-FR" dirty="0" err="1" smtClean="0">
+                <a:latin typeface="San Francisco Display" charset="0"/>
+                <a:ea typeface="San Francisco Display" charset="0"/>
+                <a:cs typeface="San Francisco Display" charset="0"/>
+              </a:rPr>
+              <a:t>sites.id_site</a:t>
+            </a:r>
+            <a:r>
+              <a:rPr lang="fr-FR" dirty="0" smtClean="0">
+                <a:latin typeface="San Francisco Display" charset="0"/>
+                <a:ea typeface="San Francisco Display" charset="0"/>
+                <a:cs typeface="San Francisco Display" charset="0"/>
+              </a:rPr>
+              <a:t>   </a:t>
+            </a:r>
+          </a:p>
+          <a:p>
+            <a:r>
+              <a:rPr lang="fr-FR" dirty="0" smtClean="0">
+                <a:latin typeface="San Francisco Display" charset="0"/>
+                <a:ea typeface="San Francisco Display" charset="0"/>
+                <a:cs typeface="San Francisco Display" charset="0"/>
+              </a:rPr>
+              <a:t>    INNER JOIN </a:t>
+            </a:r>
+            <a:r>
+              <a:rPr lang="fr-FR" dirty="0" err="1" smtClean="0">
+                <a:latin typeface="San Francisco Display" charset="0"/>
+                <a:ea typeface="San Francisco Display" charset="0"/>
+                <a:cs typeface="San Francisco Display" charset="0"/>
+              </a:rPr>
+              <a:t>DataAccount</a:t>
+            </a:r>
+            <a:r>
+              <a:rPr lang="fr-FR" dirty="0" smtClean="0">
+                <a:latin typeface="San Francisco Display" charset="0"/>
+                <a:ea typeface="San Francisco Display" charset="0"/>
+                <a:cs typeface="San Francisco Display" charset="0"/>
+              </a:rPr>
+              <a:t>      </a:t>
+            </a:r>
+          </a:p>
+          <a:p>
+            <a:r>
+              <a:rPr lang="fr-FR" dirty="0" smtClean="0">
+                <a:latin typeface="San Francisco Display" charset="0"/>
+                <a:ea typeface="San Francisco Display" charset="0"/>
+                <a:cs typeface="San Francisco Display" charset="0"/>
+              </a:rPr>
+              <a:t>          ON </a:t>
+            </a:r>
+            <a:r>
+              <a:rPr lang="fr-FR" dirty="0" err="1" smtClean="0">
+                <a:latin typeface="San Francisco Display" charset="0"/>
+                <a:ea typeface="San Francisco Display" charset="0"/>
+                <a:cs typeface="San Francisco Display" charset="0"/>
+              </a:rPr>
+              <a:t>account.id_account</a:t>
+            </a:r>
+            <a:r>
+              <a:rPr lang="fr-FR" dirty="0" smtClean="0">
+                <a:latin typeface="San Francisco Display" charset="0"/>
+                <a:ea typeface="San Francisco Display" charset="0"/>
+                <a:cs typeface="San Francisco Display" charset="0"/>
+              </a:rPr>
+              <a:t> = </a:t>
+            </a:r>
+            <a:r>
+              <a:rPr lang="fr-FR" dirty="0" err="1" smtClean="0">
+                <a:latin typeface="San Francisco Display" charset="0"/>
+                <a:ea typeface="San Francisco Display" charset="0"/>
+                <a:cs typeface="San Francisco Display" charset="0"/>
+              </a:rPr>
+              <a:t>DataAccount.id_account</a:t>
+            </a:r>
+            <a:r>
+              <a:rPr lang="fr-FR" dirty="0" smtClean="0">
+                <a:latin typeface="San Francisco Display" charset="0"/>
+                <a:ea typeface="San Francisco Display" charset="0"/>
+                <a:cs typeface="San Francisco Display" charset="0"/>
+              </a:rPr>
               <a:t> </a:t>
             </a:r>
-            <a:r>
-              <a:rPr lang="fr-FR" dirty="0" smtClean="0"/>
-              <a:t>FROM</a:t>
-            </a:r>
-          </a:p>
-          <a:p>
-            <a:r>
-              <a:rPr lang="fr-FR" dirty="0" smtClean="0"/>
-              <a:t>  (</a:t>
-            </a:r>
-            <a:r>
-              <a:rPr lang="fr-FR" dirty="0"/>
-              <a:t>SELECT </a:t>
-            </a:r>
-            <a:r>
-              <a:rPr lang="fr-FR" dirty="0" err="1"/>
-              <a:t>Account.id_user</a:t>
-            </a:r>
-            <a:r>
-              <a:rPr lang="fr-FR" dirty="0"/>
-              <a:t>, </a:t>
-            </a:r>
-            <a:r>
-              <a:rPr lang="fr-FR" dirty="0" err="1"/>
-              <a:t>Account.id_account</a:t>
-            </a:r>
-            <a:r>
-              <a:rPr lang="fr-FR" dirty="0"/>
-              <a:t>, </a:t>
-            </a:r>
-            <a:r>
-              <a:rPr lang="fr-FR" dirty="0" err="1"/>
-              <a:t>domain</a:t>
-            </a:r>
-            <a:r>
-              <a:rPr lang="fr-FR" dirty="0"/>
-              <a:t>, </a:t>
-            </a:r>
-            <a:r>
-              <a:rPr lang="fr-FR" dirty="0" err="1" smtClean="0"/>
+          </a:p>
+          <a:p>
+            <a:r>
+              <a:rPr lang="fr-FR" dirty="0" smtClean="0">
+                <a:latin typeface="San Francisco Display" charset="0"/>
+                <a:ea typeface="San Francisco Display" charset="0"/>
+                <a:cs typeface="San Francisco Display" charset="0"/>
+              </a:rPr>
+              <a:t>    WHERE </a:t>
+            </a:r>
+            <a:r>
+              <a:rPr lang="fr-FR" dirty="0" err="1" smtClean="0">
+                <a:latin typeface="San Francisco Display" charset="0"/>
+                <a:ea typeface="San Francisco Display" charset="0"/>
+                <a:cs typeface="San Francisco Display" charset="0"/>
+              </a:rPr>
+              <a:t>account.id_user</a:t>
+            </a:r>
+            <a:r>
+              <a:rPr lang="fr-FR" dirty="0" smtClean="0">
+                <a:latin typeface="San Francisco Display" charset="0"/>
+                <a:ea typeface="San Francisco Display" charset="0"/>
+                <a:cs typeface="San Francisco Display" charset="0"/>
+              </a:rPr>
+              <a:t> = 2) AS </a:t>
+            </a:r>
+            <a:r>
+              <a:rPr lang="fr-FR" dirty="0" err="1" smtClean="0">
+                <a:latin typeface="San Francisco Display" charset="0"/>
+                <a:ea typeface="San Francisco Display" charset="0"/>
+                <a:cs typeface="San Francisco Display" charset="0"/>
+              </a:rPr>
+              <a:t>list_conn</a:t>
+            </a:r>
+            <a:endParaRPr lang="fr-FR" dirty="0" smtClean="0">
+              <a:latin typeface="San Francisco Display" charset="0"/>
+              <a:ea typeface="San Francisco Display" charset="0"/>
+              <a:cs typeface="San Francisco Display" charset="0"/>
+            </a:endParaRPr>
+          </a:p>
+          <a:p>
+            <a:r>
+              <a:rPr lang="fr-FR" dirty="0" smtClean="0">
+                <a:latin typeface="San Francisco Display" charset="0"/>
+                <a:ea typeface="San Francisco Display" charset="0"/>
+                <a:cs typeface="San Francisco Display" charset="0"/>
+              </a:rPr>
+              <a:t>ORDER BY </a:t>
+            </a:r>
+            <a:r>
+              <a:rPr lang="fr-FR" dirty="0" err="1" smtClean="0">
+                <a:latin typeface="San Francisco Display" charset="0"/>
+                <a:ea typeface="San Francisco Display" charset="0"/>
+                <a:cs typeface="San Francisco Display" charset="0"/>
+              </a:rPr>
               <a:t>last_conn</a:t>
             </a:r>
             <a:r>
-              <a:rPr lang="fr-FR" dirty="0" smtClean="0"/>
-              <a:t>, </a:t>
-            </a:r>
-            <a:r>
-              <a:rPr lang="fr-FR" dirty="0" smtClean="0"/>
-              <a:t>	</a:t>
-            </a:r>
-            <a:r>
-              <a:rPr lang="fr-FR" dirty="0" err="1" smtClean="0"/>
-              <a:t>account.id_site</a:t>
-            </a:r>
-            <a:r>
-              <a:rPr lang="fr-FR" dirty="0" smtClean="0"/>
-              <a:t>  </a:t>
-            </a:r>
-            <a:r>
-              <a:rPr lang="fr-FR" dirty="0" smtClean="0"/>
-              <a:t>FROM </a:t>
-            </a:r>
-            <a:r>
-              <a:rPr lang="fr-FR" dirty="0" err="1" smtClean="0"/>
-              <a:t>Account</a:t>
-            </a:r>
-            <a:r>
-              <a:rPr lang="fr-FR" dirty="0" smtClean="0"/>
-              <a:t>    </a:t>
-            </a:r>
-          </a:p>
-          <a:p>
-            <a:r>
-              <a:rPr lang="fr-FR" dirty="0" smtClean="0"/>
-              <a:t>    INNER </a:t>
-            </a:r>
-            <a:r>
-              <a:rPr lang="fr-FR" dirty="0"/>
-              <a:t>JOIN sites </a:t>
-            </a:r>
-            <a:endParaRPr lang="fr-FR" dirty="0" smtClean="0"/>
-          </a:p>
-          <a:p>
-            <a:r>
-              <a:rPr lang="fr-FR" dirty="0"/>
-              <a:t> </a:t>
-            </a:r>
-            <a:r>
-              <a:rPr lang="fr-FR" dirty="0" smtClean="0"/>
-              <a:t>         ON </a:t>
-            </a:r>
-            <a:r>
-              <a:rPr lang="fr-FR" dirty="0" err="1"/>
-              <a:t>account.id_site</a:t>
-            </a:r>
-            <a:r>
-              <a:rPr lang="fr-FR" dirty="0"/>
-              <a:t> = </a:t>
-            </a:r>
-            <a:r>
-              <a:rPr lang="fr-FR" dirty="0" err="1"/>
-              <a:t>sites.id_site</a:t>
-            </a:r>
-            <a:r>
-              <a:rPr lang="fr-FR" dirty="0"/>
-              <a:t>   </a:t>
-            </a:r>
-            <a:endParaRPr lang="fr-FR" dirty="0" smtClean="0"/>
-          </a:p>
-          <a:p>
-            <a:r>
-              <a:rPr lang="fr-FR" dirty="0" smtClean="0"/>
-              <a:t>    INNER </a:t>
-            </a:r>
-            <a:r>
-              <a:rPr lang="fr-FR" dirty="0"/>
-              <a:t>JOIN </a:t>
-            </a:r>
-            <a:r>
-              <a:rPr lang="fr-FR" dirty="0" err="1"/>
-              <a:t>DataAccount</a:t>
-            </a:r>
-            <a:r>
-              <a:rPr lang="fr-FR" dirty="0"/>
-              <a:t>      </a:t>
-            </a:r>
-            <a:endParaRPr lang="fr-FR" dirty="0" smtClean="0"/>
-          </a:p>
-          <a:p>
-            <a:r>
-              <a:rPr lang="fr-FR" dirty="0" smtClean="0"/>
-              <a:t>          ON </a:t>
-            </a:r>
-            <a:r>
-              <a:rPr lang="fr-FR" dirty="0" err="1"/>
-              <a:t>account.id_account</a:t>
-            </a:r>
-            <a:r>
-              <a:rPr lang="fr-FR" dirty="0"/>
-              <a:t> = </a:t>
-            </a:r>
-            <a:r>
-              <a:rPr lang="fr-FR" dirty="0" err="1"/>
-              <a:t>DataAccount.id_account</a:t>
-            </a:r>
-            <a:r>
-              <a:rPr lang="fr-FR" dirty="0"/>
-              <a:t> </a:t>
-            </a:r>
-          </a:p>
-          <a:p>
-            <a:r>
-              <a:rPr lang="fr-FR" dirty="0" smtClean="0"/>
-              <a:t>    WHERE </a:t>
-            </a:r>
-            <a:r>
-              <a:rPr lang="fr-FR" dirty="0" err="1"/>
-              <a:t>account.id_user</a:t>
-            </a:r>
-            <a:r>
-              <a:rPr lang="fr-FR" dirty="0"/>
-              <a:t> = 2) AS </a:t>
-            </a:r>
-            <a:r>
-              <a:rPr lang="fr-FR" dirty="0" err="1" smtClean="0"/>
-              <a:t>list_conn</a:t>
-            </a:r>
-            <a:endParaRPr lang="fr-FR" dirty="0" smtClean="0"/>
-          </a:p>
-          <a:p>
-            <a:r>
-              <a:rPr lang="fr-FR" dirty="0" smtClean="0"/>
-              <a:t>ORDER </a:t>
-            </a:r>
-            <a:r>
-              <a:rPr lang="fr-FR" dirty="0"/>
-              <a:t>BY </a:t>
-            </a:r>
-            <a:r>
-              <a:rPr lang="fr-FR" dirty="0" err="1"/>
-              <a:t>last_conn</a:t>
-            </a:r>
-            <a:r>
-              <a:rPr lang="fr-FR" dirty="0"/>
+              <a:rPr lang="fr-FR" dirty="0" smtClean="0">
+                <a:latin typeface="San Francisco Display" charset="0"/>
+                <a:ea typeface="San Francisco Display" charset="0"/>
+                <a:cs typeface="San Francisco Display" charset="0"/>
+              </a:rPr>
               <a:t> DESC </a:t>
             </a:r>
-            <a:endParaRPr lang="fr-FR" dirty="0" smtClean="0"/>
-          </a:p>
-          <a:p>
-            <a:r>
-              <a:rPr lang="fr-FR" dirty="0" smtClean="0"/>
-              <a:t>FETCH </a:t>
-            </a:r>
-            <a:r>
-              <a:rPr lang="fr-FR" dirty="0"/>
-              <a:t>FIRST 1 ROWS ONLY;</a:t>
-            </a:r>
+          </a:p>
+          <a:p>
+            <a:r>
+              <a:rPr lang="fr-FR" dirty="0" smtClean="0">
+                <a:latin typeface="San Francisco Display" charset="0"/>
+                <a:ea typeface="San Francisco Display" charset="0"/>
+                <a:cs typeface="San Francisco Display" charset="0"/>
+              </a:rPr>
+              <a:t>FETCH FIRST 1 ROWS ONLY;</a:t>
+            </a:r>
+            <a:endParaRPr lang="fr-FR" dirty="0">
+              <a:latin typeface="San Francisco Display" charset="0"/>
+              <a:ea typeface="San Francisco Display" charset="0"/>
+              <a:cs typeface="San Francisco Display" charset="0"/>
+            </a:endParaRPr>
           </a:p>
         </p:txBody>
       </p:sp>
@@ -5107,6 +6580,9 @@
                 <a:solidFill>
                   <a:schemeClr val="bg1"/>
                 </a:solidFill>
+                <a:latin typeface="San Francisco Display" charset="0"/>
+                <a:ea typeface="San Francisco Display" charset="0"/>
+                <a:cs typeface="San Francisco Display" charset="0"/>
               </a:rPr>
               <a:t>Requêtes</a:t>
             </a:r>
@@ -5114,6 +6590,9 @@
               <a:solidFill>
                 <a:schemeClr val="bg1"/>
               </a:solidFill>
+              <a:latin typeface="San Francisco Display" charset="0"/>
+              <a:ea typeface="San Francisco Display" charset="0"/>
+              <a:cs typeface="San Francisco Display" charset="0"/>
             </a:endParaRPr>
           </a:p>
         </p:txBody>
@@ -5156,7 +6635,7 @@
           <p:nvPr/>
         </p:nvPicPr>
         <p:blipFill>
-          <a:blip r:embed="rId2">
+          <a:blip r:embed="rId3">
             <a:extLst>
               <a:ext uri="{28A0092B-C50C-407E-A947-70E740481C1C}">
                 <a14:useLocalDpi xmlns:a14="http://schemas.microsoft.com/office/drawing/2010/main" val="0"/>
@@ -5296,10 +6775,18 @@
               <a:buNone/>
             </a:pPr>
             <a:r>
-              <a:rPr lang="fr-FR" dirty="0" smtClean="0"/>
+              <a:rPr lang="fr-FR" dirty="0" smtClean="0">
+                <a:latin typeface="San Francisco Display" charset="0"/>
+                <a:ea typeface="San Francisco Display" charset="0"/>
+                <a:cs typeface="San Francisco Display" charset="0"/>
+              </a:rPr>
               <a:t>Liste des comptes partagé avec un utilisateur</a:t>
             </a:r>
-            <a:endParaRPr lang="fr-FR" dirty="0"/>
+            <a:endParaRPr lang="fr-FR" dirty="0">
+              <a:latin typeface="San Francisco Display" charset="0"/>
+              <a:ea typeface="San Francisco Display" charset="0"/>
+              <a:cs typeface="San Francisco Display" charset="0"/>
+            </a:endParaRPr>
           </a:p>
         </p:txBody>
       </p:sp>
@@ -5326,163 +6813,327 @@
           <a:lstStyle/>
           <a:p>
             <a:r>
-              <a:rPr lang="fr-FR" dirty="0" smtClean="0"/>
+              <a:rPr lang="fr-FR" dirty="0" smtClean="0">
+                <a:latin typeface="San Francisco Display" charset="0"/>
+                <a:ea typeface="San Francisco Display" charset="0"/>
+                <a:cs typeface="San Francisco Display" charset="0"/>
+              </a:rPr>
               <a:t>SELECT </a:t>
             </a:r>
             <a:r>
-              <a:rPr lang="fr-FR" dirty="0" err="1" smtClean="0"/>
+              <a:rPr lang="fr-FR" dirty="0" err="1" smtClean="0">
+                <a:latin typeface="San Francisco Display" charset="0"/>
+                <a:ea typeface="San Francisco Display" charset="0"/>
+                <a:cs typeface="San Francisco Display" charset="0"/>
+              </a:rPr>
               <a:t>id_sharedAccount</a:t>
             </a:r>
             <a:r>
-              <a:rPr lang="fr-FR" dirty="0" smtClean="0"/>
+              <a:rPr lang="fr-FR" dirty="0" smtClean="0">
+                <a:latin typeface="San Francisco Display" charset="0"/>
+                <a:ea typeface="San Francisco Display" charset="0"/>
+                <a:cs typeface="San Francisco Display" charset="0"/>
+              </a:rPr>
               <a:t>, </a:t>
             </a:r>
             <a:r>
-              <a:rPr lang="fr-FR" dirty="0" err="1" smtClean="0"/>
+              <a:rPr lang="fr-FR" dirty="0" err="1" smtClean="0">
+                <a:latin typeface="San Francisco Display" charset="0"/>
+                <a:ea typeface="San Francisco Display" charset="0"/>
+                <a:cs typeface="San Francisco Display" charset="0"/>
+              </a:rPr>
               <a:t>domain</a:t>
             </a:r>
             <a:r>
-              <a:rPr lang="fr-FR" dirty="0" smtClean="0"/>
+              <a:rPr lang="fr-FR" dirty="0" smtClean="0">
+                <a:latin typeface="San Francisco Display" charset="0"/>
+                <a:ea typeface="San Francisco Display" charset="0"/>
+                <a:cs typeface="San Francisco Display" charset="0"/>
+              </a:rPr>
               <a:t>, </a:t>
             </a:r>
             <a:r>
-              <a:rPr lang="fr-FR" dirty="0" err="1" smtClean="0"/>
+              <a:rPr lang="fr-FR" dirty="0" err="1" smtClean="0">
+                <a:latin typeface="San Francisco Display" charset="0"/>
+                <a:ea typeface="San Francisco Display" charset="0"/>
+                <a:cs typeface="San Francisco Display" charset="0"/>
+              </a:rPr>
               <a:t>name</a:t>
             </a:r>
             <a:r>
-              <a:rPr lang="fr-FR" dirty="0" smtClean="0"/>
+              <a:rPr lang="fr-FR" dirty="0" smtClean="0">
+                <a:latin typeface="San Francisco Display" charset="0"/>
+                <a:ea typeface="San Francisco Display" charset="0"/>
+                <a:cs typeface="San Francisco Display" charset="0"/>
+              </a:rPr>
               <a:t>, </a:t>
             </a:r>
             <a:r>
-              <a:rPr lang="fr-FR" dirty="0" err="1" smtClean="0"/>
+              <a:rPr lang="fr-FR" dirty="0" err="1" smtClean="0">
+                <a:latin typeface="San Francisco Display" charset="0"/>
+                <a:ea typeface="San Francisco Display" charset="0"/>
+                <a:cs typeface="San Francisco Display" charset="0"/>
+              </a:rPr>
               <a:t>first_name</a:t>
             </a:r>
             <a:r>
-              <a:rPr lang="fr-FR" dirty="0" smtClean="0"/>
+              <a:rPr lang="fr-FR" dirty="0" smtClean="0">
+                <a:latin typeface="San Francisco Display" charset="0"/>
+                <a:ea typeface="San Francisco Display" charset="0"/>
+                <a:cs typeface="San Francisco Display" charset="0"/>
+              </a:rPr>
               <a:t>, login, </a:t>
             </a:r>
             <a:r>
-              <a:rPr lang="fr-FR" dirty="0" err="1" smtClean="0"/>
+              <a:rPr lang="fr-FR" dirty="0" err="1" smtClean="0">
+                <a:latin typeface="San Francisco Display" charset="0"/>
+                <a:ea typeface="San Francisco Display" charset="0"/>
+                <a:cs typeface="San Francisco Display" charset="0"/>
+              </a:rPr>
               <a:t>id_receiver</a:t>
             </a:r>
-            <a:endParaRPr lang="fr-FR" dirty="0" smtClean="0"/>
-          </a:p>
-          <a:p>
-            <a:r>
-              <a:rPr lang="fr-FR" dirty="0" smtClean="0"/>
+            <a:endParaRPr lang="fr-FR" dirty="0" smtClean="0">
+              <a:latin typeface="San Francisco Display" charset="0"/>
+              <a:ea typeface="San Francisco Display" charset="0"/>
+              <a:cs typeface="San Francisco Display" charset="0"/>
+            </a:endParaRPr>
+          </a:p>
+          <a:p>
+            <a:r>
+              <a:rPr lang="fr-FR" dirty="0" smtClean="0">
+                <a:latin typeface="San Francisco Display" charset="0"/>
+                <a:ea typeface="San Francisco Display" charset="0"/>
+                <a:cs typeface="San Francisco Display" charset="0"/>
+              </a:rPr>
               <a:t>FROM </a:t>
             </a:r>
             <a:r>
-              <a:rPr lang="fr-FR" dirty="0" err="1" smtClean="0"/>
+              <a:rPr lang="fr-FR" dirty="0" err="1" smtClean="0">
+                <a:latin typeface="San Francisco Display" charset="0"/>
+                <a:ea typeface="San Francisco Display" charset="0"/>
+                <a:cs typeface="San Francisco Display" charset="0"/>
+              </a:rPr>
               <a:t>SharedAccount</a:t>
             </a:r>
-            <a:endParaRPr lang="fr-FR" dirty="0" smtClean="0"/>
-          </a:p>
-          <a:p>
-            <a:r>
-              <a:rPr lang="fr-FR" dirty="0" smtClean="0"/>
+            <a:endParaRPr lang="fr-FR" dirty="0" smtClean="0">
+              <a:latin typeface="San Francisco Display" charset="0"/>
+              <a:ea typeface="San Francisco Display" charset="0"/>
+              <a:cs typeface="San Francisco Display" charset="0"/>
+            </a:endParaRPr>
+          </a:p>
+          <a:p>
+            <a:r>
+              <a:rPr lang="fr-FR" dirty="0" smtClean="0">
+                <a:latin typeface="San Francisco Display" charset="0"/>
+                <a:ea typeface="San Francisco Display" charset="0"/>
+                <a:cs typeface="San Francisco Display" charset="0"/>
+              </a:rPr>
               <a:t>  INNER JOIN </a:t>
             </a:r>
             <a:r>
-              <a:rPr lang="fr-FR" dirty="0" err="1" smtClean="0"/>
+              <a:rPr lang="fr-FR" dirty="0" err="1" smtClean="0">
+                <a:latin typeface="San Francisco Display" charset="0"/>
+                <a:ea typeface="San Francisco Display" charset="0"/>
+                <a:cs typeface="San Francisco Display" charset="0"/>
+              </a:rPr>
               <a:t>Account</a:t>
             </a:r>
-            <a:endParaRPr lang="fr-FR" dirty="0" smtClean="0"/>
-          </a:p>
-          <a:p>
-            <a:r>
-              <a:rPr lang="fr-FR" dirty="0" smtClean="0"/>
+            <a:endParaRPr lang="fr-FR" dirty="0" smtClean="0">
+              <a:latin typeface="San Francisco Display" charset="0"/>
+              <a:ea typeface="San Francisco Display" charset="0"/>
+              <a:cs typeface="San Francisco Display" charset="0"/>
+            </a:endParaRPr>
+          </a:p>
+          <a:p>
+            <a:r>
+              <a:rPr lang="fr-FR" dirty="0" smtClean="0">
+                <a:latin typeface="San Francisco Display" charset="0"/>
+                <a:ea typeface="San Francisco Display" charset="0"/>
+                <a:cs typeface="San Francisco Display" charset="0"/>
+              </a:rPr>
               <a:t>    ON </a:t>
             </a:r>
             <a:r>
-              <a:rPr lang="fr-FR" dirty="0" err="1" smtClean="0"/>
+              <a:rPr lang="fr-FR" dirty="0" err="1" smtClean="0">
+                <a:latin typeface="San Francisco Display" charset="0"/>
+                <a:ea typeface="San Francisco Display" charset="0"/>
+                <a:cs typeface="San Francisco Display" charset="0"/>
+              </a:rPr>
               <a:t>sharedAccount.id_account</a:t>
             </a:r>
             <a:r>
-              <a:rPr lang="fr-FR" dirty="0" smtClean="0"/>
+              <a:rPr lang="fr-FR" dirty="0" smtClean="0">
+                <a:latin typeface="San Francisco Display" charset="0"/>
+                <a:ea typeface="San Francisco Display" charset="0"/>
+                <a:cs typeface="San Francisco Display" charset="0"/>
+              </a:rPr>
               <a:t> = </a:t>
             </a:r>
             <a:r>
-              <a:rPr lang="fr-FR" dirty="0" err="1" smtClean="0"/>
+              <a:rPr lang="fr-FR" dirty="0" err="1" smtClean="0">
+                <a:latin typeface="San Francisco Display" charset="0"/>
+                <a:ea typeface="San Francisco Display" charset="0"/>
+                <a:cs typeface="San Francisco Display" charset="0"/>
+              </a:rPr>
               <a:t>account.id_account</a:t>
             </a:r>
-            <a:endParaRPr lang="fr-FR" dirty="0" smtClean="0"/>
-          </a:p>
-          <a:p>
-            <a:r>
-              <a:rPr lang="fr-FR" dirty="0" smtClean="0"/>
+            <a:endParaRPr lang="fr-FR" dirty="0" smtClean="0">
+              <a:latin typeface="San Francisco Display" charset="0"/>
+              <a:ea typeface="San Francisco Display" charset="0"/>
+              <a:cs typeface="San Francisco Display" charset="0"/>
+            </a:endParaRPr>
+          </a:p>
+          <a:p>
+            <a:r>
+              <a:rPr lang="fr-FR" dirty="0" smtClean="0">
+                <a:latin typeface="San Francisco Display" charset="0"/>
+                <a:ea typeface="San Francisco Display" charset="0"/>
+                <a:cs typeface="San Francisco Display" charset="0"/>
+              </a:rPr>
               <a:t>  INNER JOIN Sites</a:t>
             </a:r>
           </a:p>
           <a:p>
             <a:r>
-              <a:rPr lang="fr-FR" dirty="0" smtClean="0"/>
+              <a:rPr lang="fr-FR" dirty="0" smtClean="0">
+                <a:latin typeface="San Francisco Display" charset="0"/>
+                <a:ea typeface="San Francisco Display" charset="0"/>
+                <a:cs typeface="San Francisco Display" charset="0"/>
+              </a:rPr>
               <a:t>    ON </a:t>
             </a:r>
             <a:r>
-              <a:rPr lang="fr-FR" dirty="0" err="1" smtClean="0"/>
+              <a:rPr lang="fr-FR" dirty="0" err="1" smtClean="0">
+                <a:latin typeface="San Francisco Display" charset="0"/>
+                <a:ea typeface="San Francisco Display" charset="0"/>
+                <a:cs typeface="San Francisco Display" charset="0"/>
+              </a:rPr>
               <a:t>account.id_site</a:t>
             </a:r>
             <a:r>
-              <a:rPr lang="fr-FR" dirty="0" smtClean="0"/>
+              <a:rPr lang="fr-FR" dirty="0" smtClean="0">
+                <a:latin typeface="San Francisco Display" charset="0"/>
+                <a:ea typeface="San Francisco Display" charset="0"/>
+                <a:cs typeface="San Francisco Display" charset="0"/>
+              </a:rPr>
               <a:t> = </a:t>
             </a:r>
             <a:r>
-              <a:rPr lang="fr-FR" dirty="0" err="1" smtClean="0"/>
+              <a:rPr lang="fr-FR" dirty="0" err="1" smtClean="0">
+                <a:latin typeface="San Francisco Display" charset="0"/>
+                <a:ea typeface="San Francisco Display" charset="0"/>
+                <a:cs typeface="San Francisco Display" charset="0"/>
+              </a:rPr>
               <a:t>sites.id_site</a:t>
             </a:r>
-            <a:endParaRPr lang="fr-FR" dirty="0" smtClean="0"/>
-          </a:p>
-          <a:p>
-            <a:r>
-              <a:rPr lang="fr-FR" dirty="0" smtClean="0"/>
+            <a:endParaRPr lang="fr-FR" dirty="0" smtClean="0">
+              <a:latin typeface="San Francisco Display" charset="0"/>
+              <a:ea typeface="San Francisco Display" charset="0"/>
+              <a:cs typeface="San Francisco Display" charset="0"/>
+            </a:endParaRPr>
+          </a:p>
+          <a:p>
+            <a:r>
+              <a:rPr lang="fr-FR" dirty="0" smtClean="0">
+                <a:latin typeface="San Francisco Display" charset="0"/>
+                <a:ea typeface="San Francisco Display" charset="0"/>
+                <a:cs typeface="San Francisco Display" charset="0"/>
+              </a:rPr>
               <a:t>  INNER JOIN </a:t>
             </a:r>
             <a:r>
-              <a:rPr lang="fr-FR" dirty="0" err="1" smtClean="0"/>
+              <a:rPr lang="fr-FR" dirty="0" err="1" smtClean="0">
+                <a:latin typeface="San Francisco Display" charset="0"/>
+                <a:ea typeface="San Francisco Display" charset="0"/>
+                <a:cs typeface="San Francisco Display" charset="0"/>
+              </a:rPr>
               <a:t>Users</a:t>
             </a:r>
-            <a:endParaRPr lang="fr-FR" dirty="0" smtClean="0"/>
-          </a:p>
-          <a:p>
-            <a:r>
-              <a:rPr lang="fr-FR" dirty="0" smtClean="0"/>
+            <a:endParaRPr lang="fr-FR" dirty="0" smtClean="0">
+              <a:latin typeface="San Francisco Display" charset="0"/>
+              <a:ea typeface="San Francisco Display" charset="0"/>
+              <a:cs typeface="San Francisco Display" charset="0"/>
+            </a:endParaRPr>
+          </a:p>
+          <a:p>
+            <a:r>
+              <a:rPr lang="fr-FR" dirty="0" smtClean="0">
+                <a:latin typeface="San Francisco Display" charset="0"/>
+                <a:ea typeface="San Francisco Display" charset="0"/>
+                <a:cs typeface="San Francisco Display" charset="0"/>
+              </a:rPr>
               <a:t>    ON </a:t>
             </a:r>
             <a:r>
-              <a:rPr lang="fr-FR" dirty="0" err="1" smtClean="0"/>
+              <a:rPr lang="fr-FR" dirty="0" err="1" smtClean="0">
+                <a:latin typeface="San Francisco Display" charset="0"/>
+                <a:ea typeface="San Francisco Display" charset="0"/>
+                <a:cs typeface="San Francisco Display" charset="0"/>
+              </a:rPr>
               <a:t>account.id_user</a:t>
             </a:r>
             <a:r>
-              <a:rPr lang="fr-FR" dirty="0" smtClean="0"/>
+              <a:rPr lang="fr-FR" dirty="0" smtClean="0">
+                <a:latin typeface="San Francisco Display" charset="0"/>
+                <a:ea typeface="San Francisco Display" charset="0"/>
+                <a:cs typeface="San Francisco Display" charset="0"/>
+              </a:rPr>
               <a:t> = </a:t>
             </a:r>
             <a:r>
-              <a:rPr lang="fr-FR" dirty="0" err="1" smtClean="0"/>
+              <a:rPr lang="fr-FR" dirty="0" err="1" smtClean="0">
+                <a:latin typeface="San Francisco Display" charset="0"/>
+                <a:ea typeface="San Francisco Display" charset="0"/>
+                <a:cs typeface="San Francisco Display" charset="0"/>
+              </a:rPr>
               <a:t>users.id_user</a:t>
             </a:r>
-            <a:endParaRPr lang="fr-FR" dirty="0" smtClean="0"/>
-          </a:p>
-          <a:p>
-            <a:r>
-              <a:rPr lang="fr-FR" dirty="0" smtClean="0"/>
+            <a:endParaRPr lang="fr-FR" dirty="0" smtClean="0">
+              <a:latin typeface="San Francisco Display" charset="0"/>
+              <a:ea typeface="San Francisco Display" charset="0"/>
+              <a:cs typeface="San Francisco Display" charset="0"/>
+            </a:endParaRPr>
+          </a:p>
+          <a:p>
+            <a:r>
+              <a:rPr lang="fr-FR" dirty="0" smtClean="0">
+                <a:latin typeface="San Francisco Display" charset="0"/>
+                <a:ea typeface="San Francisco Display" charset="0"/>
+                <a:cs typeface="San Francisco Display" charset="0"/>
+              </a:rPr>
               <a:t>WHERE </a:t>
             </a:r>
             <a:r>
-              <a:rPr lang="fr-FR" dirty="0" err="1" smtClean="0"/>
+              <a:rPr lang="fr-FR" dirty="0" err="1" smtClean="0">
+                <a:latin typeface="San Francisco Display" charset="0"/>
+                <a:ea typeface="San Francisco Display" charset="0"/>
+                <a:cs typeface="San Francisco Display" charset="0"/>
+              </a:rPr>
               <a:t>sharedAccount.id_receiver</a:t>
             </a:r>
             <a:r>
-              <a:rPr lang="fr-FR" dirty="0" smtClean="0"/>
+              <a:rPr lang="fr-FR" dirty="0" smtClean="0">
+                <a:latin typeface="San Francisco Display" charset="0"/>
+                <a:ea typeface="San Francisco Display" charset="0"/>
+                <a:cs typeface="San Francisco Display" charset="0"/>
+              </a:rPr>
               <a:t> = 2 </a:t>
             </a:r>
           </a:p>
           <a:p>
             <a:r>
-              <a:rPr lang="fr-FR" dirty="0" smtClean="0"/>
+              <a:rPr lang="fr-FR" dirty="0" smtClean="0">
+                <a:latin typeface="San Francisco Display" charset="0"/>
+                <a:ea typeface="San Francisco Display" charset="0"/>
+                <a:cs typeface="San Francisco Display" charset="0"/>
+              </a:rPr>
               <a:t>;</a:t>
             </a:r>
-            <a:endParaRPr lang="fr-FR" dirty="0"/>
+            <a:endParaRPr lang="fr-FR" dirty="0">
+              <a:latin typeface="San Francisco Display" charset="0"/>
+              <a:ea typeface="San Francisco Display" charset="0"/>
+              <a:cs typeface="San Francisco Display" charset="0"/>
+            </a:endParaRPr>
           </a:p>
         </p:txBody>
       </p:sp>
@@ -5495,7 +7146,7 @@
           <p:nvPr/>
         </p:nvPicPr>
         <p:blipFill>
-          <a:blip r:embed="rId2"/>
+          <a:blip r:embed="rId3"/>
           <a:stretch>
             <a:fillRect/>
           </a:stretch>
@@ -5538,6 +7189,9 @@
                 <a:solidFill>
                   <a:schemeClr val="bg1"/>
                 </a:solidFill>
+                <a:latin typeface="San Francisco Display" charset="0"/>
+                <a:ea typeface="San Francisco Display" charset="0"/>
+                <a:cs typeface="San Francisco Display" charset="0"/>
               </a:rPr>
               <a:t>Requêtes</a:t>
             </a:r>
@@ -5545,6 +7199,9 @@
               <a:solidFill>
                 <a:schemeClr val="bg1"/>
               </a:solidFill>
+              <a:latin typeface="San Francisco Display" charset="0"/>
+              <a:ea typeface="San Francisco Display" charset="0"/>
+              <a:cs typeface="San Francisco Display" charset="0"/>
             </a:endParaRPr>
           </a:p>
         </p:txBody>
@@ -5699,6 +7356,9 @@
                 <a:solidFill>
                   <a:schemeClr val="bg1"/>
                 </a:solidFill>
+                <a:latin typeface="San Francisco Display" charset="0"/>
+                <a:ea typeface="San Francisco Display" charset="0"/>
+                <a:cs typeface="San Francisco Display" charset="0"/>
               </a:rPr>
               <a:t>Panel d’administration</a:t>
             </a:r>
@@ -5706,6 +7366,9 @@
               <a:solidFill>
                 <a:schemeClr val="bg1"/>
               </a:solidFill>
+              <a:latin typeface="San Francisco Display" charset="0"/>
+              <a:ea typeface="San Francisco Display" charset="0"/>
+              <a:cs typeface="San Francisco Display" charset="0"/>
             </a:endParaRPr>
           </a:p>
         </p:txBody>
@@ -10322,4 +11985,265 @@
     </a:ext>
   </a:extLst>
 </a:theme>
+</file>
+
+<file path=ppt/theme/theme2.xml><?xml version="1.0" encoding="utf-8"?>
+<a:theme xmlns:a="http://schemas.openxmlformats.org/drawingml/2006/main" name="Thème Office">
+  <a:themeElements>
+    <a:clrScheme name="Bureau">
+      <a:dk1>
+        <a:sysClr val="windowText" lastClr="000000"/>
+      </a:dk1>
+      <a:lt1>
+        <a:sysClr val="window" lastClr="FFFFFF"/>
+      </a:lt1>
+      <a:dk2>
+        <a:srgbClr val="44546A"/>
+      </a:dk2>
+      <a:lt2>
+        <a:srgbClr val="E7E6E6"/>
+      </a:lt2>
+      <a:accent1>
+        <a:srgbClr val="5B9BD5"/>
+      </a:accent1>
+      <a:accent2>
+        <a:srgbClr val="ED7D31"/>
+      </a:accent2>
+      <a:accent3>
+        <a:srgbClr val="A5A5A5"/>
+      </a:accent3>
+      <a:accent4>
+        <a:srgbClr val="FFC000"/>
+      </a:accent4>
+      <a:accent5>
+        <a:srgbClr val="4472C4"/>
+      </a:accent5>
+      <a:accent6>
+        <a:srgbClr val="70AD47"/>
+      </a:accent6>
+      <a:hlink>
+        <a:srgbClr val="0563C1"/>
+      </a:hlink>
+      <a:folHlink>
+        <a:srgbClr val="954F72"/>
+      </a:folHlink>
+    </a:clrScheme>
+    <a:fontScheme name="Bureau">
+      <a:majorFont>
+        <a:latin typeface="Calibri Light" panose="020F0302020204030204"/>
+        <a:ea typeface=""/>
+        <a:cs typeface=""/>
+        <a:font script="Jpan" typeface="Yu Gothic Light"/>
+        <a:font script="Hang" typeface="맑은 고딕"/>
+        <a:font script="Hans" typeface="DengXian Light"/>
+        <a:font script="Hant" typeface="新細明體"/>
+        <a:font script="Arab" typeface="Times New Roman"/>
+        <a:font script="Hebr" typeface="Times New Roman"/>
+        <a:font script="Thai" typeface="Angsana New"/>
+        <a:font script="Ethi" typeface="Nyala"/>
+        <a:font script="Beng" typeface="Vrinda"/>
+        <a:font script="Gujr" typeface="Shruti"/>
+        <a:font script="Khmr" typeface="MoolBoran"/>
+        <a:font script="Knda" typeface="Tunga"/>
+        <a:font script="Guru" typeface="Raavi"/>
+        <a:font script="Cans" typeface="Euphemia"/>
+        <a:font script="Cher" typeface="Plantagenet Cherokee"/>
+        <a:font script="Yiii" typeface="Microsoft Yi Baiti"/>
+        <a:font script="Tibt" typeface="Microsoft Himalaya"/>
+        <a:font script="Thaa" typeface="MV Boli"/>
+        <a:font script="Deva" typeface="Mangal"/>
+        <a:font script="Telu" typeface="Gautami"/>
+        <a:font script="Taml" typeface="Latha"/>
+        <a:font script="Syrc" typeface="Estrangelo Edessa"/>
+        <a:font script="Orya" typeface="Kalinga"/>
+        <a:font script="Mlym" typeface="Kartika"/>
+        <a:font script="Laoo" typeface="DokChampa"/>
+        <a:font script="Sinh" typeface="Iskoola Pota"/>
+        <a:font script="Mong" typeface="Mongolian Baiti"/>
+        <a:font script="Viet" typeface="Times New Roman"/>
+        <a:font script="Uigh" typeface="Microsoft Uighur"/>
+        <a:font script="Geor" typeface="Sylfaen"/>
+      </a:majorFont>
+      <a:minorFont>
+        <a:latin typeface="Calibri" panose="020F0502020204030204"/>
+        <a:ea typeface=""/>
+        <a:cs typeface=""/>
+        <a:font script="Jpan" typeface="Yu Gothic"/>
+        <a:font script="Hang" typeface="맑은 고딕"/>
+        <a:font script="Hans" typeface="DengXian"/>
+        <a:font script="Hant" typeface="新細明體"/>
+        <a:font script="Arab" typeface="Arial"/>
+        <a:font script="Hebr" typeface="Arial"/>
+        <a:font script="Thai" typeface="Cordia New"/>
+        <a:font script="Ethi" typeface="Nyala"/>
+        <a:font script="Beng" typeface="Vrinda"/>
+        <a:font script="Gujr" typeface="Shruti"/>
+        <a:font script="Khmr" typeface="DaunPenh"/>
+        <a:font script="Knda" typeface="Tunga"/>
+        <a:font script="Guru" typeface="Raavi"/>
+        <a:font script="Cans" typeface="Euphemia"/>
+        <a:font script="Cher" typeface="Plantagenet Cherokee"/>
+        <a:font script="Yiii" typeface="Microsoft Yi Baiti"/>
+        <a:font script="Tibt" typeface="Microsoft Himalaya"/>
+        <a:font script="Thaa" typeface="MV Boli"/>
+        <a:font script="Deva" typeface="Mangal"/>
+        <a:font script="Telu" typeface="Gautami"/>
+        <a:font script="Taml" typeface="Latha"/>
+        <a:font script="Syrc" typeface="Estrangelo Edessa"/>
+        <a:font script="Orya" typeface="Kalinga"/>
+        <a:font script="Mlym" typeface="Kartika"/>
+        <a:font script="Laoo" typeface="DokChampa"/>
+        <a:font script="Sinh" typeface="Iskoola Pota"/>
+        <a:font script="Mong" typeface="Mongolian Baiti"/>
+        <a:font script="Viet" typeface="Arial"/>
+        <a:font script="Uigh" typeface="Microsoft Uighur"/>
+        <a:font script="Geor" typeface="Sylfaen"/>
+      </a:minorFont>
+    </a:fontScheme>
+    <a:fmtScheme name="Bureau">
+      <a:fillStyleLst>
+        <a:solidFill>
+          <a:schemeClr val="phClr"/>
+        </a:solidFill>
+        <a:gradFill rotWithShape="1">
+          <a:gsLst>
+            <a:gs pos="0">
+              <a:schemeClr val="phClr">
+                <a:lumMod val="110000"/>
+                <a:satMod val="105000"/>
+                <a:tint val="67000"/>
+              </a:schemeClr>
+            </a:gs>
+            <a:gs pos="50000">
+              <a:schemeClr val="phClr">
+                <a:lumMod val="105000"/>
+                <a:satMod val="103000"/>
+                <a:tint val="73000"/>
+              </a:schemeClr>
+            </a:gs>
+            <a:gs pos="100000">
+              <a:schemeClr val="phClr">
+                <a:lumMod val="105000"/>
+                <a:satMod val="109000"/>
+                <a:tint val="81000"/>
+              </a:schemeClr>
+            </a:gs>
+          </a:gsLst>
+          <a:lin ang="5400000" scaled="0"/>
+        </a:gradFill>
+        <a:gradFill rotWithShape="1">
+          <a:gsLst>
+            <a:gs pos="0">
+              <a:schemeClr val="phClr">
+                <a:satMod val="103000"/>
+                <a:lumMod val="102000"/>
+                <a:tint val="94000"/>
+              </a:schemeClr>
+            </a:gs>
+            <a:gs pos="50000">
+              <a:schemeClr val="phClr">
+                <a:satMod val="110000"/>
+                <a:lumMod val="100000"/>
+                <a:shade val="100000"/>
+              </a:schemeClr>
+            </a:gs>
+            <a:gs pos="100000">
+              <a:schemeClr val="phClr">
+                <a:lumMod val="99000"/>
+                <a:satMod val="120000"/>
+                <a:shade val="78000"/>
+              </a:schemeClr>
+            </a:gs>
+          </a:gsLst>
+          <a:lin ang="5400000" scaled="0"/>
+        </a:gradFill>
+      </a:fillStyleLst>
+      <a:lnStyleLst>
+        <a:ln w="6350" cap="flat" cmpd="sng" algn="ctr">
+          <a:solidFill>
+            <a:schemeClr val="phClr"/>
+          </a:solidFill>
+          <a:prstDash val="solid"/>
+          <a:miter lim="800000"/>
+        </a:ln>
+        <a:ln w="12700" cap="flat" cmpd="sng" algn="ctr">
+          <a:solidFill>
+            <a:schemeClr val="phClr"/>
+          </a:solidFill>
+          <a:prstDash val="solid"/>
+          <a:miter lim="800000"/>
+        </a:ln>
+        <a:ln w="19050" cap="flat" cmpd="sng" algn="ctr">
+          <a:solidFill>
+            <a:schemeClr val="phClr"/>
+          </a:solidFill>
+          <a:prstDash val="solid"/>
+          <a:miter lim="800000"/>
+        </a:ln>
+      </a:lnStyleLst>
+      <a:effectStyleLst>
+        <a:effectStyle>
+          <a:effectLst/>
+        </a:effectStyle>
+        <a:effectStyle>
+          <a:effectLst/>
+        </a:effectStyle>
+        <a:effectStyle>
+          <a:effectLst>
+            <a:outerShdw blurRad="57150" dist="19050" dir="5400000" algn="ctr" rotWithShape="0">
+              <a:srgbClr val="000000">
+                <a:alpha val="63000"/>
+              </a:srgbClr>
+            </a:outerShdw>
+          </a:effectLst>
+        </a:effectStyle>
+      </a:effectStyleLst>
+      <a:bgFillStyleLst>
+        <a:solidFill>
+          <a:schemeClr val="phClr"/>
+        </a:solidFill>
+        <a:solidFill>
+          <a:schemeClr val="phClr">
+            <a:tint val="95000"/>
+            <a:satMod val="170000"/>
+          </a:schemeClr>
+        </a:solidFill>
+        <a:gradFill rotWithShape="1">
+          <a:gsLst>
+            <a:gs pos="0">
+              <a:schemeClr val="phClr">
+                <a:tint val="93000"/>
+                <a:satMod val="150000"/>
+                <a:shade val="98000"/>
+                <a:lumMod val="102000"/>
+              </a:schemeClr>
+            </a:gs>
+            <a:gs pos="50000">
+              <a:schemeClr val="phClr">
+                <a:tint val="98000"/>
+                <a:satMod val="130000"/>
+                <a:shade val="90000"/>
+                <a:lumMod val="103000"/>
+              </a:schemeClr>
+            </a:gs>
+            <a:gs pos="100000">
+              <a:schemeClr val="phClr">
+                <a:shade val="63000"/>
+                <a:satMod val="120000"/>
+              </a:schemeClr>
+            </a:gs>
+          </a:gsLst>
+          <a:lin ang="5400000" scaled="0"/>
+        </a:gradFill>
+      </a:bgFillStyleLst>
+    </a:fmtScheme>
+  </a:themeElements>
+  <a:objectDefaults/>
+  <a:extraClrSchemeLst/>
+  <a:extLst>
+    <a:ext uri="{05A4C25C-085E-4340-85A3-A5531E510DB2}">
+      <thm15:themeFamily xmlns:thm15="http://schemas.microsoft.com/office/thememl/2012/main" name="Office Theme" id="{62F939B6-93AF-4DB8-9C6B-D6C7DFDC589F}" vid="{4A3C46E8-61CC-4603-A589-7422A47A8E4A}"/>
+    </a:ext>
+  </a:extLst>
+</a:theme>
 </file>